--- a/Powerpoints/9 Arguable Validation.pptx
+++ b/Powerpoints/9 Arguable Validation.pptx
@@ -5,7 +5,7 @@
     <p:sldMasterId id="2147483648" r:id="rId1"/>
   </p:sldMasterIdLst>
   <p:notesMasterIdLst>
-    <p:notesMasterId r:id="rId39"/>
+    <p:notesMasterId r:id="rId40"/>
   </p:notesMasterIdLst>
   <p:sldIdLst>
     <p:sldId id="257" r:id="rId2"/>
@@ -15,36 +15,37 @@
     <p:sldId id="316" r:id="rId6"/>
     <p:sldId id="317" r:id="rId7"/>
     <p:sldId id="314" r:id="rId8"/>
-    <p:sldId id="361" r:id="rId9"/>
-    <p:sldId id="360" r:id="rId10"/>
-    <p:sldId id="362" r:id="rId11"/>
-    <p:sldId id="363" r:id="rId12"/>
-    <p:sldId id="318" r:id="rId13"/>
-    <p:sldId id="319" r:id="rId14"/>
-    <p:sldId id="334" r:id="rId15"/>
-    <p:sldId id="332" r:id="rId16"/>
-    <p:sldId id="330" r:id="rId17"/>
-    <p:sldId id="320" r:id="rId18"/>
-    <p:sldId id="328" r:id="rId19"/>
-    <p:sldId id="342" r:id="rId20"/>
-    <p:sldId id="335" r:id="rId21"/>
-    <p:sldId id="343" r:id="rId22"/>
-    <p:sldId id="345" r:id="rId23"/>
-    <p:sldId id="359" r:id="rId24"/>
-    <p:sldId id="322" r:id="rId25"/>
-    <p:sldId id="329" r:id="rId26"/>
-    <p:sldId id="348" r:id="rId27"/>
-    <p:sldId id="350" r:id="rId28"/>
-    <p:sldId id="349" r:id="rId29"/>
-    <p:sldId id="352" r:id="rId30"/>
-    <p:sldId id="339" r:id="rId31"/>
-    <p:sldId id="368" r:id="rId32"/>
-    <p:sldId id="356" r:id="rId33"/>
-    <p:sldId id="358" r:id="rId34"/>
-    <p:sldId id="341" r:id="rId35"/>
-    <p:sldId id="366" r:id="rId36"/>
-    <p:sldId id="347" r:id="rId37"/>
-    <p:sldId id="351" r:id="rId38"/>
+    <p:sldId id="318" r:id="rId9"/>
+    <p:sldId id="319" r:id="rId10"/>
+    <p:sldId id="334" r:id="rId11"/>
+    <p:sldId id="332" r:id="rId12"/>
+    <p:sldId id="330" r:id="rId13"/>
+    <p:sldId id="320" r:id="rId14"/>
+    <p:sldId id="328" r:id="rId15"/>
+    <p:sldId id="342" r:id="rId16"/>
+    <p:sldId id="335" r:id="rId17"/>
+    <p:sldId id="343" r:id="rId18"/>
+    <p:sldId id="345" r:id="rId19"/>
+    <p:sldId id="359" r:id="rId20"/>
+    <p:sldId id="322" r:id="rId21"/>
+    <p:sldId id="329" r:id="rId22"/>
+    <p:sldId id="348" r:id="rId23"/>
+    <p:sldId id="350" r:id="rId24"/>
+    <p:sldId id="349" r:id="rId25"/>
+    <p:sldId id="352" r:id="rId26"/>
+    <p:sldId id="339" r:id="rId27"/>
+    <p:sldId id="368" r:id="rId28"/>
+    <p:sldId id="356" r:id="rId29"/>
+    <p:sldId id="358" r:id="rId30"/>
+    <p:sldId id="341" r:id="rId31"/>
+    <p:sldId id="361" r:id="rId32"/>
+    <p:sldId id="360" r:id="rId33"/>
+    <p:sldId id="362" r:id="rId34"/>
+    <p:sldId id="363" r:id="rId35"/>
+    <p:sldId id="369" r:id="rId36"/>
+    <p:sldId id="366" r:id="rId37"/>
+    <p:sldId id="347" r:id="rId38"/>
+    <p:sldId id="351" r:id="rId39"/>
   </p:sldIdLst>
   <p:sldSz cx="12192000" cy="6858000"/>
   <p:notesSz cx="6858000" cy="9144000"/>
@@ -233,7 +234,7 @@
           <a:p>
             <a:fld id="{D70ABBD6-FB89-E04C-9AD7-33C7E35B2413}" type="datetimeFigureOut">
               <a:rPr lang="en-US" smtClean="0"/>
-              <a:t>12/16/22</a:t>
+              <a:t>12/19/22</a:t>
             </a:fld>
             <a:endParaRPr lang="en-US"/>
           </a:p>
@@ -660,7 +661,7 @@
           <a:p>
             <a:fld id="{15D095DF-2913-664F-AFDA-8281DC102698}" type="slidenum">
               <a:rPr lang="en-US" smtClean="0"/>
-              <a:t>32</a:t>
+              <a:t>28</a:t>
             </a:fld>
             <a:endParaRPr lang="en-US"/>
           </a:p>
@@ -927,7 +928,7 @@
           <a:p>
             <a:fld id="{15D095DF-2913-664F-AFDA-8281DC102698}" type="slidenum">
               <a:rPr lang="en-US" smtClean="0"/>
-              <a:t>15</a:t>
+              <a:t>11</a:t>
             </a:fld>
             <a:endParaRPr lang="en-US"/>
           </a:p>
@@ -1078,7 +1079,7 @@
           <a:p>
             <a:fld id="{15D095DF-2913-664F-AFDA-8281DC102698}" type="slidenum">
               <a:rPr lang="en-US" smtClean="0"/>
-              <a:t>17</a:t>
+              <a:t>13</a:t>
             </a:fld>
             <a:endParaRPr lang="en-US"/>
           </a:p>
@@ -1677,7 +1678,7 @@
           <a:p>
             <a:fld id="{15D095DF-2913-664F-AFDA-8281DC102698}" type="slidenum">
               <a:rPr lang="en-US" smtClean="0"/>
-              <a:t>20</a:t>
+              <a:t>16</a:t>
             </a:fld>
             <a:endParaRPr lang="en-US"/>
           </a:p>
@@ -1772,7 +1773,7 @@
           <a:p>
             <a:fld id="{15D095DF-2913-664F-AFDA-8281DC102698}" type="slidenum">
               <a:rPr lang="en-US" smtClean="0"/>
-              <a:t>24</a:t>
+              <a:t>20</a:t>
             </a:fld>
             <a:endParaRPr lang="en-US"/>
           </a:p>
@@ -1856,7 +1857,7 @@
           <a:p>
             <a:fld id="{15D095DF-2913-664F-AFDA-8281DC102698}" type="slidenum">
               <a:rPr lang="en-US" smtClean="0"/>
-              <a:t>29</a:t>
+              <a:t>25</a:t>
             </a:fld>
             <a:endParaRPr lang="en-US"/>
           </a:p>
@@ -1943,7 +1944,7 @@
           <a:p>
             <a:fld id="{15D095DF-2913-664F-AFDA-8281DC102698}" type="slidenum">
               <a:rPr lang="en-US" smtClean="0"/>
-              <a:t>30</a:t>
+              <a:t>26</a:t>
             </a:fld>
             <a:endParaRPr lang="en-US"/>
           </a:p>
@@ -2109,7 +2110,7 @@
           <a:p>
             <a:fld id="{C5AB59A3-F64C-F945-BAF5-009C276EB813}" type="datetime1">
               <a:rPr lang="en-US" smtClean="0"/>
-              <a:t>12/16/22</a:t>
+              <a:t>12/19/22</a:t>
             </a:fld>
             <a:endParaRPr lang="en-US"/>
           </a:p>
@@ -2310,7 +2311,7 @@
           <a:p>
             <a:fld id="{AE38EAEE-B386-C648-B0DB-657926DF9516}" type="datetime1">
               <a:rPr lang="en-US" smtClean="0"/>
-              <a:t>12/16/22</a:t>
+              <a:t>12/19/22</a:t>
             </a:fld>
             <a:endParaRPr lang="en-US"/>
           </a:p>
@@ -2521,7 +2522,7 @@
           <a:p>
             <a:fld id="{A22C7AA1-317C-E64B-BD8E-EFB764147F93}" type="datetime1">
               <a:rPr lang="en-US" smtClean="0"/>
-              <a:t>12/16/22</a:t>
+              <a:t>12/19/22</a:t>
             </a:fld>
             <a:endParaRPr lang="en-US"/>
           </a:p>
@@ -2722,7 +2723,7 @@
           <a:p>
             <a:fld id="{C5633F1E-335C-F44D-9C78-6B62FC3AF035}" type="datetime1">
               <a:rPr lang="en-US" smtClean="0"/>
-              <a:t>12/16/22</a:t>
+              <a:t>12/19/22</a:t>
             </a:fld>
             <a:endParaRPr lang="en-US"/>
           </a:p>
@@ -3000,7 +3001,7 @@
           <a:p>
             <a:fld id="{E64EEDFA-0B84-034C-8D3F-6E752BE9F850}" type="datetime1">
               <a:rPr lang="en-US" smtClean="0"/>
-              <a:t>12/16/22</a:t>
+              <a:t>12/19/22</a:t>
             </a:fld>
             <a:endParaRPr lang="en-US"/>
           </a:p>
@@ -3268,7 +3269,7 @@
           <a:p>
             <a:fld id="{018AD829-9B0B-E343-A01B-C73F226E45F1}" type="datetime1">
               <a:rPr lang="en-US" smtClean="0"/>
-              <a:t>12/16/22</a:t>
+              <a:t>12/19/22</a:t>
             </a:fld>
             <a:endParaRPr lang="en-US"/>
           </a:p>
@@ -3683,7 +3684,7 @@
           <a:p>
             <a:fld id="{BD5645DD-0C4A-4C4E-B840-826832C3E90B}" type="datetime1">
               <a:rPr lang="en-US" smtClean="0"/>
-              <a:t>12/16/22</a:t>
+              <a:t>12/19/22</a:t>
             </a:fld>
             <a:endParaRPr lang="en-US"/>
           </a:p>
@@ -3827,7 +3828,7 @@
           <a:p>
             <a:fld id="{8FEC116D-9840-9744-9DCE-2863D0C3967A}" type="datetime1">
               <a:rPr lang="en-US" smtClean="0"/>
-              <a:t>12/16/22</a:t>
+              <a:t>12/19/22</a:t>
             </a:fld>
             <a:endParaRPr lang="en-US"/>
           </a:p>
@@ -3943,7 +3944,7 @@
           <a:p>
             <a:fld id="{7C217DED-3B7C-EE45-A771-947A8738F81D}" type="datetime1">
               <a:rPr lang="en-US" smtClean="0"/>
-              <a:t>12/16/22</a:t>
+              <a:t>12/19/22</a:t>
             </a:fld>
             <a:endParaRPr lang="en-US"/>
           </a:p>
@@ -4257,7 +4258,7 @@
           <a:p>
             <a:fld id="{A93D7C7A-CA09-2C4E-A5DE-40EFE82FB894}" type="datetime1">
               <a:rPr lang="en-US" smtClean="0"/>
-              <a:t>12/16/22</a:t>
+              <a:t>12/19/22</a:t>
             </a:fld>
             <a:endParaRPr lang="en-US"/>
           </a:p>
@@ -4548,7 +4549,7 @@
           <a:p>
             <a:fld id="{C22B0CAA-823B-3146-873F-A9BF2C9BDFCA}" type="datetime1">
               <a:rPr lang="en-US" smtClean="0"/>
-              <a:t>12/16/22</a:t>
+              <a:t>12/19/22</a:t>
             </a:fld>
             <a:endParaRPr lang="en-US"/>
           </a:p>
@@ -4792,7 +4793,7 @@
           <a:p>
             <a:fld id="{31C77778-78B6-C946-A244-553F1D2BE35C}" type="datetime1">
               <a:rPr lang="en-US" smtClean="0"/>
-              <a:t>12/16/22</a:t>
+              <a:t>12/19/22</a:t>
             </a:fld>
             <a:endParaRPr lang="en-US"/>
           </a:p>
@@ -5322,1450 +5323,6 @@
           <p:cNvPr id="2" name="Title 1">
             <a:extLst>
               <a:ext uri="{FF2B5EF4-FFF2-40B4-BE49-F238E27FC236}">
-                <a16:creationId xmlns:a16="http://schemas.microsoft.com/office/drawing/2014/main" id="{ADF05CE3-B6AE-31C5-794A-A66E021CB4A2}"/>
-              </a:ext>
-            </a:extLst>
-          </p:cNvPr>
-          <p:cNvSpPr>
-            <a:spLocks noGrp="1"/>
-          </p:cNvSpPr>
-          <p:nvPr>
-            <p:ph type="title"/>
-          </p:nvPr>
-        </p:nvSpPr>
-        <p:spPr/>
-        <p:txBody>
-          <a:bodyPr/>
-          <a:lstStyle/>
-          <a:p>
-            <a:r>
-              <a:rPr lang="en-US" dirty="0"/>
-              <a:t>Experimentation for validation</a:t>
-            </a:r>
-          </a:p>
-        </p:txBody>
-      </p:sp>
-      <mc:AlternateContent xmlns:mc="http://schemas.openxmlformats.org/markup-compatibility/2006" xmlns:a14="http://schemas.microsoft.com/office/drawing/2010/main">
-        <mc:Choice Requires="a14">
-          <p:sp>
-            <p:nvSpPr>
-              <p:cNvPr id="3" name="Content Placeholder 2">
-                <a:extLst>
-                  <a:ext uri="{FF2B5EF4-FFF2-40B4-BE49-F238E27FC236}">
-                    <a16:creationId xmlns:a16="http://schemas.microsoft.com/office/drawing/2014/main" id="{8868ECA6-9979-53E3-C9C5-43470A4B1FD2}"/>
-                  </a:ext>
-                </a:extLst>
-              </p:cNvPr>
-              <p:cNvSpPr>
-                <a:spLocks noGrp="1"/>
-              </p:cNvSpPr>
-              <p:nvPr>
-                <p:ph idx="1"/>
-              </p:nvPr>
-            </p:nvSpPr>
-            <p:spPr/>
-            <p:txBody>
-              <a:bodyPr/>
-              <a:lstStyle/>
-              <a:p>
-                <a:r>
-                  <a:rPr lang="en-US" dirty="0"/>
-                  <a:t>Conducting an experiment randomly assigning </a:t>
-                </a:r>
-                <a14:m>
-                  <m:oMath xmlns:m="http://schemas.openxmlformats.org/officeDocument/2006/math">
-                    <m:sSub>
-                      <m:sSubPr>
-                        <m:ctrlPr>
-                          <a:rPr lang="en-US" i="1">
-                            <a:latin typeface="Cambria Math" panose="02040503050406030204" pitchFamily="18" charset="0"/>
-                          </a:rPr>
-                        </m:ctrlPr>
-                      </m:sSubPr>
-                      <m:e>
-                        <m:r>
-                          <a:rPr lang="en-US" i="1">
-                            <a:latin typeface="Cambria Math" panose="02040503050406030204" pitchFamily="18" charset="0"/>
-                          </a:rPr>
-                          <m:t>𝑊</m:t>
-                        </m:r>
-                      </m:e>
-                      <m:sub>
-                        <m:r>
-                          <a:rPr lang="en-US" i="1">
-                            <a:latin typeface="Cambria Math" panose="02040503050406030204" pitchFamily="18" charset="0"/>
-                          </a:rPr>
-                          <m:t>𝑖</m:t>
-                        </m:r>
-                      </m:sub>
-                    </m:sSub>
-                  </m:oMath>
-                </a14:m>
-                <a:r>
-                  <a:rPr lang="en-US" dirty="0"/>
-                  <a:t> could validate our estimate of </a:t>
-                </a:r>
-                <a14:m>
-                  <m:oMath xmlns:m="http://schemas.openxmlformats.org/officeDocument/2006/math">
-                    <m:acc>
-                      <m:accPr>
-                        <m:chr m:val="̂"/>
-                        <m:ctrlPr>
-                          <a:rPr lang="en-US" b="0" i="1" dirty="0" smtClean="0">
-                            <a:latin typeface="Cambria Math" panose="02040503050406030204" pitchFamily="18" charset="0"/>
-                          </a:rPr>
-                        </m:ctrlPr>
-                      </m:accPr>
-                      <m:e>
-                        <m:r>
-                          <a:rPr lang="en-US" b="0" i="1" dirty="0" smtClean="0">
-                            <a:latin typeface="Cambria Math" panose="02040503050406030204" pitchFamily="18" charset="0"/>
-                          </a:rPr>
-                          <m:t>𝜏</m:t>
-                        </m:r>
-                      </m:e>
-                    </m:acc>
-                  </m:oMath>
-                </a14:m>
-                <a:r>
-                  <a:rPr lang="en-US" dirty="0"/>
-                  <a:t>.</a:t>
-                </a:r>
-              </a:p>
-              <a:p>
-                <a:r>
-                  <a:rPr lang="en-US" dirty="0"/>
-                  <a:t>Observational and experimental analysis can be substitutes or complements:</a:t>
-                </a:r>
-              </a:p>
-            </p:txBody>
-          </p:sp>
-        </mc:Choice>
-        <mc:Fallback xmlns="">
-          <p:sp>
-            <p:nvSpPr>
-              <p:cNvPr id="3" name="Content Placeholder 2">
-                <a:extLst>
-                  <a:ext uri="{FF2B5EF4-FFF2-40B4-BE49-F238E27FC236}">
-                    <a16:creationId xmlns:a16="http://schemas.microsoft.com/office/drawing/2014/main" id="{8868ECA6-9979-53E3-C9C5-43470A4B1FD2}"/>
-                  </a:ext>
-                </a:extLst>
-              </p:cNvPr>
-              <p:cNvSpPr>
-                <a:spLocks noGrp="1" noRot="1" noChangeAspect="1" noMove="1" noResize="1" noEditPoints="1" noAdjustHandles="1" noChangeArrowheads="1" noChangeShapeType="1" noTextEdit="1"/>
-              </p:cNvSpPr>
-              <p:nvPr>
-                <p:ph idx="1"/>
-              </p:nvPr>
-            </p:nvSpPr>
-            <p:spPr>
-              <a:blipFill>
-                <a:blip r:embed="rId2"/>
-                <a:stretch>
-                  <a:fillRect l="-1086" t="-2326"/>
-                </a:stretch>
-              </a:blipFill>
-            </p:spPr>
-            <p:txBody>
-              <a:bodyPr/>
-              <a:lstStyle/>
-              <a:p>
-                <a:r>
-                  <a:rPr lang="en-US">
-                    <a:noFill/>
-                  </a:rPr>
-                  <a:t> </a:t>
-                </a:r>
-              </a:p>
-            </p:txBody>
-          </p:sp>
-        </mc:Fallback>
-      </mc:AlternateContent>
-      <p:sp>
-        <p:nvSpPr>
-          <p:cNvPr id="4" name="Footer Placeholder 3">
-            <a:extLst>
-              <a:ext uri="{FF2B5EF4-FFF2-40B4-BE49-F238E27FC236}">
-                <a16:creationId xmlns:a16="http://schemas.microsoft.com/office/drawing/2014/main" id="{A12DE465-8399-A6F9-D4A4-7D6FFB6B4451}"/>
-              </a:ext>
-            </a:extLst>
-          </p:cNvPr>
-          <p:cNvSpPr>
-            <a:spLocks noGrp="1"/>
-          </p:cNvSpPr>
-          <p:nvPr>
-            <p:ph type="ftr" sz="quarter" idx="11"/>
-          </p:nvPr>
-        </p:nvSpPr>
-        <p:spPr/>
-        <p:txBody>
-          <a:bodyPr/>
-          <a:lstStyle/>
-          <a:p>
-            <a:r>
-              <a:rPr lang="en-US"/>
-              <a:t>Causal inference crash course - hsujulia</a:t>
-            </a:r>
-          </a:p>
-        </p:txBody>
-      </p:sp>
-      <p:sp>
-        <p:nvSpPr>
-          <p:cNvPr id="5" name="Slide Number Placeholder 4">
-            <a:extLst>
-              <a:ext uri="{FF2B5EF4-FFF2-40B4-BE49-F238E27FC236}">
-                <a16:creationId xmlns:a16="http://schemas.microsoft.com/office/drawing/2014/main" id="{63788301-40A9-6632-E591-DF1C0572ADFE}"/>
-              </a:ext>
-            </a:extLst>
-          </p:cNvPr>
-          <p:cNvSpPr>
-            <a:spLocks noGrp="1"/>
-          </p:cNvSpPr>
-          <p:nvPr>
-            <p:ph type="sldNum" sz="quarter" idx="12"/>
-          </p:nvPr>
-        </p:nvSpPr>
-        <p:spPr/>
-        <p:txBody>
-          <a:bodyPr/>
-          <a:lstStyle/>
-          <a:p>
-            <a:fld id="{747C3DC3-9B3F-7F44-ADCE-5AEE1C23E1F0}" type="slidenum">
-              <a:rPr lang="en-US" smtClean="0"/>
-              <a:t>9</a:t>
-            </a:fld>
-            <a:endParaRPr lang="en-US"/>
-          </a:p>
-        </p:txBody>
-      </p:sp>
-      <p:graphicFrame>
-        <p:nvGraphicFramePr>
-          <p:cNvPr id="6" name="Table 6">
-            <a:extLst>
-              <a:ext uri="{FF2B5EF4-FFF2-40B4-BE49-F238E27FC236}">
-                <a16:creationId xmlns:a16="http://schemas.microsoft.com/office/drawing/2014/main" id="{0003F328-1A70-3AC9-CD83-CE7E745423D4}"/>
-              </a:ext>
-            </a:extLst>
-          </p:cNvPr>
-          <p:cNvGraphicFramePr>
-            <a:graphicFrameLocks noGrp="1"/>
-          </p:cNvGraphicFramePr>
-          <p:nvPr>
-            <p:extLst>
-              <p:ext uri="{D42A27DB-BD31-4B8C-83A1-F6EECF244321}">
-                <p14:modId xmlns:p14="http://schemas.microsoft.com/office/powerpoint/2010/main" val="1975705362"/>
-              </p:ext>
-            </p:extLst>
-          </p:nvPr>
-        </p:nvGraphicFramePr>
-        <p:xfrm>
-          <a:off x="838200" y="3680791"/>
-          <a:ext cx="10515600" cy="2234980"/>
-        </p:xfrm>
-        <a:graphic>
-          <a:graphicData uri="http://schemas.openxmlformats.org/drawingml/2006/table">
-            <a:tbl>
-              <a:tblPr firstRow="1" bandRow="1">
-                <a:tableStyleId>{5C22544A-7EE6-4342-B048-85BDC9FD1C3A}</a:tableStyleId>
-              </a:tblPr>
-              <a:tblGrid>
-                <a:gridCol w="5257800">
-                  <a:extLst>
-                    <a:ext uri="{9D8B030D-6E8A-4147-A177-3AD203B41FA5}">
-                      <a16:colId xmlns:a16="http://schemas.microsoft.com/office/drawing/2014/main" val="2555588773"/>
-                    </a:ext>
-                  </a:extLst>
-                </a:gridCol>
-                <a:gridCol w="5257800">
-                  <a:extLst>
-                    <a:ext uri="{9D8B030D-6E8A-4147-A177-3AD203B41FA5}">
-                      <a16:colId xmlns:a16="http://schemas.microsoft.com/office/drawing/2014/main" val="1492892143"/>
-                    </a:ext>
-                  </a:extLst>
-                </a:gridCol>
-              </a:tblGrid>
-              <a:tr h="467140">
-                <a:tc>
-                  <a:txBody>
-                    <a:bodyPr/>
-                    <a:lstStyle/>
-                    <a:p>
-                      <a:r>
-                        <a:rPr lang="en-US" sz="2200" dirty="0"/>
-                        <a:t>Substitutes</a:t>
-                      </a:r>
-                    </a:p>
-                  </a:txBody>
-                  <a:tcPr/>
-                </a:tc>
-                <a:tc>
-                  <a:txBody>
-                    <a:bodyPr/>
-                    <a:lstStyle/>
-                    <a:p>
-                      <a:r>
-                        <a:rPr lang="en-US" sz="2200" dirty="0"/>
-                        <a:t>Complements</a:t>
-                      </a:r>
-                    </a:p>
-                  </a:txBody>
-                  <a:tcPr/>
-                </a:tc>
-                <a:extLst>
-                  <a:ext uri="{0D108BD9-81ED-4DB2-BD59-A6C34878D82A}">
-                    <a16:rowId xmlns:a16="http://schemas.microsoft.com/office/drawing/2014/main" val="2955625925"/>
-                  </a:ext>
-                </a:extLst>
-              </a:tr>
-              <a:tr h="1373982">
-                <a:tc>
-                  <a:txBody>
-                    <a:bodyPr/>
-                    <a:lstStyle/>
-                    <a:p>
-                      <a:r>
-                        <a:rPr lang="en-US" sz="2200" dirty="0"/>
-                        <a:t>1. Do the experiment instead of observational analysis.</a:t>
-                      </a:r>
-                    </a:p>
-                  </a:txBody>
-                  <a:tcPr/>
-                </a:tc>
-                <a:tc>
-                  <a:txBody>
-                    <a:bodyPr/>
-                    <a:lstStyle/>
-                    <a:p>
-                      <a:pPr marL="342900" indent="-342900">
-                        <a:buAutoNum type="arabicPeriod"/>
-                      </a:pPr>
-                      <a:r>
-                        <a:rPr lang="en-US" sz="2200" dirty="0"/>
-                        <a:t>Use observational analysis to know where or how to conduct the experiment.</a:t>
-                      </a:r>
-                    </a:p>
-                    <a:p>
-                      <a:pPr marL="342900" indent="-342900">
-                        <a:buAutoNum type="arabicPeriod"/>
-                      </a:pPr>
-                      <a:r>
-                        <a:rPr lang="en-US" sz="2200" dirty="0"/>
-                        <a:t>Experiment is designed to validate some of the observational results.</a:t>
-                      </a:r>
-                    </a:p>
-                  </a:txBody>
-                  <a:tcPr/>
-                </a:tc>
-                <a:extLst>
-                  <a:ext uri="{0D108BD9-81ED-4DB2-BD59-A6C34878D82A}">
-                    <a16:rowId xmlns:a16="http://schemas.microsoft.com/office/drawing/2014/main" val="1371032115"/>
-                  </a:ext>
-                </a:extLst>
-              </a:tr>
-            </a:tbl>
-          </a:graphicData>
-        </a:graphic>
-      </p:graphicFrame>
-    </p:spTree>
-    <p:extLst>
-      <p:ext uri="{BB962C8B-B14F-4D97-AF65-F5344CB8AC3E}">
-        <p14:creationId xmlns:p14="http://schemas.microsoft.com/office/powerpoint/2010/main" val="1605897412"/>
-      </p:ext>
-    </p:extLst>
-  </p:cSld>
-  <p:clrMapOvr>
-    <a:masterClrMapping/>
-  </p:clrMapOvr>
-</p:sld>
-</file>
-
-<file path=ppt/slides/slide11.xml><?xml version="1.0" encoding="utf-8"?>
-<p:sld xmlns:a="http://schemas.openxmlformats.org/drawingml/2006/main" xmlns:r="http://schemas.openxmlformats.org/officeDocument/2006/relationships" xmlns:p="http://schemas.openxmlformats.org/presentationml/2006/main">
-  <p:cSld>
-    <p:spTree>
-      <p:nvGrpSpPr>
-        <p:cNvPr id="1" name=""/>
-        <p:cNvGrpSpPr/>
-        <p:nvPr/>
-      </p:nvGrpSpPr>
-      <p:grpSpPr>
-        <a:xfrm>
-          <a:off x="0" y="0"/>
-          <a:ext cx="0" cy="0"/>
-          <a:chOff x="0" y="0"/>
-          <a:chExt cx="0" cy="0"/>
-        </a:xfrm>
-      </p:grpSpPr>
-      <p:sp>
-        <p:nvSpPr>
-          <p:cNvPr id="2" name="Title 1">
-            <a:extLst>
-              <a:ext uri="{FF2B5EF4-FFF2-40B4-BE49-F238E27FC236}">
-                <a16:creationId xmlns:a16="http://schemas.microsoft.com/office/drawing/2014/main" id="{72E80825-D151-EE71-5D0E-D63B572440E3}"/>
-              </a:ext>
-            </a:extLst>
-          </p:cNvPr>
-          <p:cNvSpPr>
-            <a:spLocks noGrp="1"/>
-          </p:cNvSpPr>
-          <p:nvPr>
-            <p:ph type="title"/>
-          </p:nvPr>
-        </p:nvSpPr>
-        <p:spPr/>
-        <p:txBody>
-          <a:bodyPr/>
-          <a:lstStyle/>
-          <a:p>
-            <a:r>
-              <a:rPr lang="en-US" dirty="0"/>
-              <a:t>Drawbacks</a:t>
-            </a:r>
-          </a:p>
-        </p:txBody>
-      </p:sp>
-      <mc:AlternateContent xmlns:mc="http://schemas.openxmlformats.org/markup-compatibility/2006" xmlns:a14="http://schemas.microsoft.com/office/drawing/2010/main">
-        <mc:Choice Requires="a14">
-          <p:sp>
-            <p:nvSpPr>
-              <p:cNvPr id="3" name="Content Placeholder 2">
-                <a:extLst>
-                  <a:ext uri="{FF2B5EF4-FFF2-40B4-BE49-F238E27FC236}">
-                    <a16:creationId xmlns:a16="http://schemas.microsoft.com/office/drawing/2014/main" id="{29D51504-755A-53E2-12EE-E5A35C9A34E9}"/>
-                  </a:ext>
-                </a:extLst>
-              </p:cNvPr>
-              <p:cNvSpPr>
-                <a:spLocks noGrp="1"/>
-              </p:cNvSpPr>
-              <p:nvPr>
-                <p:ph idx="1"/>
-              </p:nvPr>
-            </p:nvSpPr>
-            <p:spPr/>
-            <p:txBody>
-              <a:bodyPr/>
-              <a:lstStyle/>
-              <a:p>
-                <a:r>
-                  <a:rPr lang="en-US" dirty="0"/>
-                  <a:t>You may not be able to randomly assign </a:t>
-                </a:r>
-                <a14:m>
-                  <m:oMath xmlns:m="http://schemas.openxmlformats.org/officeDocument/2006/math">
-                    <m:sSub>
-                      <m:sSubPr>
-                        <m:ctrlPr>
-                          <a:rPr lang="en-US" i="1">
-                            <a:latin typeface="Cambria Math" panose="02040503050406030204" pitchFamily="18" charset="0"/>
-                          </a:rPr>
-                        </m:ctrlPr>
-                      </m:sSubPr>
-                      <m:e>
-                        <m:r>
-                          <a:rPr lang="en-US" i="1">
-                            <a:latin typeface="Cambria Math" panose="02040503050406030204" pitchFamily="18" charset="0"/>
-                          </a:rPr>
-                          <m:t>𝑊</m:t>
-                        </m:r>
-                      </m:e>
-                      <m:sub>
-                        <m:r>
-                          <a:rPr lang="en-US" i="1">
-                            <a:latin typeface="Cambria Math" panose="02040503050406030204" pitchFamily="18" charset="0"/>
-                          </a:rPr>
-                          <m:t>𝑖</m:t>
-                        </m:r>
-                      </m:sub>
-                    </m:sSub>
-                  </m:oMath>
-                </a14:m>
-                <a:r>
-                  <a:rPr lang="en-US" dirty="0"/>
-                  <a:t>. </a:t>
-                </a:r>
-              </a:p>
-              <a:p>
-                <a:pPr lvl="1"/>
-                <a:r>
-                  <a:rPr lang="en-US" dirty="0"/>
-                  <a:t>For example, assigning random prices or purposely delaying delivery</a:t>
-                </a:r>
-              </a:p>
-              <a:p>
-                <a:r>
-                  <a:rPr lang="en-US" dirty="0"/>
-                  <a:t>Experiments may be underpowered</a:t>
-                </a:r>
-              </a:p>
-              <a:p>
-                <a:r>
-                  <a:rPr lang="en-US" dirty="0"/>
-                  <a:t>Different experimental and observational samples may lead to incorrectly concluding </a:t>
-                </a:r>
-                <a14:m>
-                  <m:oMath xmlns:m="http://schemas.openxmlformats.org/officeDocument/2006/math">
-                    <m:sSup>
-                      <m:sSupPr>
-                        <m:ctrlPr>
-                          <a:rPr lang="en-US" i="1">
-                            <a:latin typeface="Cambria Math" panose="02040503050406030204" pitchFamily="18" charset="0"/>
-                          </a:rPr>
-                        </m:ctrlPr>
-                      </m:sSupPr>
-                      <m:e>
-                        <m:acc>
-                          <m:accPr>
-                            <m:chr m:val="̂"/>
-                            <m:ctrlPr>
-                              <a:rPr lang="en-US" i="1">
-                                <a:latin typeface="Cambria Math" panose="02040503050406030204" pitchFamily="18" charset="0"/>
-                              </a:rPr>
-                            </m:ctrlPr>
-                          </m:accPr>
-                          <m:e>
-                            <m:r>
-                              <a:rPr lang="en-US" i="1">
-                                <a:latin typeface="Cambria Math" panose="02040503050406030204" pitchFamily="18" charset="0"/>
-                              </a:rPr>
-                              <m:t>𝜏</m:t>
-                            </m:r>
-                          </m:e>
-                        </m:acc>
-                      </m:e>
-                      <m:sup>
-                        <m:r>
-                          <a:rPr lang="en-US" i="1">
-                            <a:latin typeface="Cambria Math" panose="02040503050406030204" pitchFamily="18" charset="0"/>
-                          </a:rPr>
-                          <m:t>𝑜𝑏𝑠</m:t>
-                        </m:r>
-                      </m:sup>
-                    </m:sSup>
-                  </m:oMath>
-                </a14:m>
-                <a:r>
-                  <a:rPr lang="en-US" dirty="0"/>
-                  <a:t> is wrong. </a:t>
-                </a:r>
-              </a:p>
-              <a:p>
-                <a:pPr lvl="1"/>
-                <a:r>
-                  <a:rPr lang="en-US" dirty="0"/>
-                  <a:t>For example, different types of customers, different time periods.</a:t>
-                </a:r>
-              </a:p>
-            </p:txBody>
-          </p:sp>
-        </mc:Choice>
-        <mc:Fallback xmlns="">
-          <p:sp>
-            <p:nvSpPr>
-              <p:cNvPr id="3" name="Content Placeholder 2">
-                <a:extLst>
-                  <a:ext uri="{FF2B5EF4-FFF2-40B4-BE49-F238E27FC236}">
-                    <a16:creationId xmlns:a16="http://schemas.microsoft.com/office/drawing/2014/main" id="{29D51504-755A-53E2-12EE-E5A35C9A34E9}"/>
-                  </a:ext>
-                </a:extLst>
-              </p:cNvPr>
-              <p:cNvSpPr>
-                <a:spLocks noGrp="1" noRot="1" noChangeAspect="1" noMove="1" noResize="1" noEditPoints="1" noAdjustHandles="1" noChangeArrowheads="1" noChangeShapeType="1" noTextEdit="1"/>
-              </p:cNvSpPr>
-              <p:nvPr>
-                <p:ph idx="1"/>
-              </p:nvPr>
-            </p:nvSpPr>
-            <p:spPr>
-              <a:blipFill>
-                <a:blip r:embed="rId2"/>
-                <a:stretch>
-                  <a:fillRect l="-1086" t="-2326"/>
-                </a:stretch>
-              </a:blipFill>
-            </p:spPr>
-            <p:txBody>
-              <a:bodyPr/>
-              <a:lstStyle/>
-              <a:p>
-                <a:r>
-                  <a:rPr lang="en-US">
-                    <a:noFill/>
-                  </a:rPr>
-                  <a:t> </a:t>
-                </a:r>
-              </a:p>
-            </p:txBody>
-          </p:sp>
-        </mc:Fallback>
-      </mc:AlternateContent>
-      <p:sp>
-        <p:nvSpPr>
-          <p:cNvPr id="4" name="Footer Placeholder 3">
-            <a:extLst>
-              <a:ext uri="{FF2B5EF4-FFF2-40B4-BE49-F238E27FC236}">
-                <a16:creationId xmlns:a16="http://schemas.microsoft.com/office/drawing/2014/main" id="{38446B1D-65AA-214D-9E11-421F2F789680}"/>
-              </a:ext>
-            </a:extLst>
-          </p:cNvPr>
-          <p:cNvSpPr>
-            <a:spLocks noGrp="1"/>
-          </p:cNvSpPr>
-          <p:nvPr>
-            <p:ph type="ftr" sz="quarter" idx="11"/>
-          </p:nvPr>
-        </p:nvSpPr>
-        <p:spPr/>
-        <p:txBody>
-          <a:bodyPr/>
-          <a:lstStyle/>
-          <a:p>
-            <a:r>
-              <a:rPr lang="en-US"/>
-              <a:t>Causal inference crash course - hsujulia</a:t>
-            </a:r>
-          </a:p>
-        </p:txBody>
-      </p:sp>
-      <p:sp>
-        <p:nvSpPr>
-          <p:cNvPr id="5" name="Slide Number Placeholder 4">
-            <a:extLst>
-              <a:ext uri="{FF2B5EF4-FFF2-40B4-BE49-F238E27FC236}">
-                <a16:creationId xmlns:a16="http://schemas.microsoft.com/office/drawing/2014/main" id="{684926AC-667F-7B30-5D45-DFB547D9BB47}"/>
-              </a:ext>
-            </a:extLst>
-          </p:cNvPr>
-          <p:cNvSpPr>
-            <a:spLocks noGrp="1"/>
-          </p:cNvSpPr>
-          <p:nvPr>
-            <p:ph type="sldNum" sz="quarter" idx="12"/>
-          </p:nvPr>
-        </p:nvSpPr>
-        <p:spPr/>
-        <p:txBody>
-          <a:bodyPr/>
-          <a:lstStyle/>
-          <a:p>
-            <a:fld id="{747C3DC3-9B3F-7F44-ADCE-5AEE1C23E1F0}" type="slidenum">
-              <a:rPr lang="en-US" smtClean="0"/>
-              <a:t>10</a:t>
-            </a:fld>
-            <a:endParaRPr lang="en-US"/>
-          </a:p>
-        </p:txBody>
-      </p:sp>
-    </p:spTree>
-    <p:extLst>
-      <p:ext uri="{BB962C8B-B14F-4D97-AF65-F5344CB8AC3E}">
-        <p14:creationId xmlns:p14="http://schemas.microsoft.com/office/powerpoint/2010/main" val="713355433"/>
-      </p:ext>
-    </p:extLst>
-  </p:cSld>
-  <p:clrMapOvr>
-    <a:masterClrMapping/>
-  </p:clrMapOvr>
-</p:sld>
-</file>
-
-<file path=ppt/slides/slide12.xml><?xml version="1.0" encoding="utf-8"?>
-<p:sld xmlns:a="http://schemas.openxmlformats.org/drawingml/2006/main" xmlns:r="http://schemas.openxmlformats.org/officeDocument/2006/relationships" xmlns:p="http://schemas.openxmlformats.org/presentationml/2006/main">
-  <p:cSld>
-    <p:spTree>
-      <p:nvGrpSpPr>
-        <p:cNvPr id="1" name=""/>
-        <p:cNvGrpSpPr/>
-        <p:nvPr/>
-      </p:nvGrpSpPr>
-      <p:grpSpPr>
-        <a:xfrm>
-          <a:off x="0" y="0"/>
-          <a:ext cx="0" cy="0"/>
-          <a:chOff x="0" y="0"/>
-          <a:chExt cx="0" cy="0"/>
-        </a:xfrm>
-      </p:grpSpPr>
-      <p:sp>
-        <p:nvSpPr>
-          <p:cNvPr id="9" name="Title 8">
-            <a:extLst>
-              <a:ext uri="{FF2B5EF4-FFF2-40B4-BE49-F238E27FC236}">
-                <a16:creationId xmlns:a16="http://schemas.microsoft.com/office/drawing/2014/main" id="{25105A09-6DCC-03CB-D4E6-255C5AE34BA4}"/>
-              </a:ext>
-            </a:extLst>
-          </p:cNvPr>
-          <p:cNvSpPr>
-            <a:spLocks noGrp="1"/>
-          </p:cNvSpPr>
-          <p:nvPr>
-            <p:ph type="title"/>
-          </p:nvPr>
-        </p:nvSpPr>
-        <p:spPr/>
-        <p:txBody>
-          <a:bodyPr/>
-          <a:lstStyle/>
-          <a:p>
-            <a:r>
-              <a:rPr lang="en-US" dirty="0"/>
-              <a:t>Placebo test</a:t>
-            </a:r>
-            <a:endParaRPr lang="en-US" sz="1500" dirty="0"/>
-          </a:p>
-        </p:txBody>
-      </p:sp>
-      <p:sp>
-        <p:nvSpPr>
-          <p:cNvPr id="10" name="Text Placeholder 9">
-            <a:extLst>
-              <a:ext uri="{FF2B5EF4-FFF2-40B4-BE49-F238E27FC236}">
-                <a16:creationId xmlns:a16="http://schemas.microsoft.com/office/drawing/2014/main" id="{6826A398-75DF-C18A-A48A-769C71C8749B}"/>
-              </a:ext>
-            </a:extLst>
-          </p:cNvPr>
-          <p:cNvSpPr>
-            <a:spLocks noGrp="1"/>
-          </p:cNvSpPr>
-          <p:nvPr>
-            <p:ph type="body" idx="1"/>
-          </p:nvPr>
-        </p:nvSpPr>
-        <p:spPr/>
-        <p:txBody>
-          <a:bodyPr/>
-          <a:lstStyle/>
-          <a:p>
-            <a:r>
-              <a:rPr lang="en-US" dirty="0"/>
-              <a:t>Easy to do, except when it isn’t.</a:t>
-            </a:r>
-          </a:p>
-          <a:p>
-            <a:r>
-              <a:rPr lang="en-US" dirty="0"/>
-              <a:t>Not a lot of wiggle room for pivoting.</a:t>
-            </a:r>
-          </a:p>
-        </p:txBody>
-      </p:sp>
-      <p:sp>
-        <p:nvSpPr>
-          <p:cNvPr id="4" name="Footer Placeholder 3">
-            <a:extLst>
-              <a:ext uri="{FF2B5EF4-FFF2-40B4-BE49-F238E27FC236}">
-                <a16:creationId xmlns:a16="http://schemas.microsoft.com/office/drawing/2014/main" id="{9AFE0263-F207-78DB-34C7-83959C1CB085}"/>
-              </a:ext>
-            </a:extLst>
-          </p:cNvPr>
-          <p:cNvSpPr>
-            <a:spLocks noGrp="1"/>
-          </p:cNvSpPr>
-          <p:nvPr>
-            <p:ph type="ftr" sz="quarter" idx="11"/>
-          </p:nvPr>
-        </p:nvSpPr>
-        <p:spPr/>
-        <p:txBody>
-          <a:bodyPr/>
-          <a:lstStyle/>
-          <a:p>
-            <a:r>
-              <a:rPr lang="en-US"/>
-              <a:t>Causal inference crash course - hsujulia</a:t>
-            </a:r>
-          </a:p>
-        </p:txBody>
-      </p:sp>
-      <p:sp>
-        <p:nvSpPr>
-          <p:cNvPr id="5" name="Slide Number Placeholder 4">
-            <a:extLst>
-              <a:ext uri="{FF2B5EF4-FFF2-40B4-BE49-F238E27FC236}">
-                <a16:creationId xmlns:a16="http://schemas.microsoft.com/office/drawing/2014/main" id="{2C1AB4C5-65A2-2A1C-9407-A36359127810}"/>
-              </a:ext>
-            </a:extLst>
-          </p:cNvPr>
-          <p:cNvSpPr>
-            <a:spLocks noGrp="1"/>
-          </p:cNvSpPr>
-          <p:nvPr>
-            <p:ph type="sldNum" sz="quarter" idx="12"/>
-          </p:nvPr>
-        </p:nvSpPr>
-        <p:spPr/>
-        <p:txBody>
-          <a:bodyPr/>
-          <a:lstStyle/>
-          <a:p>
-            <a:fld id="{747C3DC3-9B3F-7F44-ADCE-5AEE1C23E1F0}" type="slidenum">
-              <a:rPr lang="en-US" smtClean="0"/>
-              <a:t>11</a:t>
-            </a:fld>
-            <a:endParaRPr lang="en-US"/>
-          </a:p>
-        </p:txBody>
-      </p:sp>
-    </p:spTree>
-    <p:extLst>
-      <p:ext uri="{BB962C8B-B14F-4D97-AF65-F5344CB8AC3E}">
-        <p14:creationId xmlns:p14="http://schemas.microsoft.com/office/powerpoint/2010/main" val="912838863"/>
-      </p:ext>
-    </p:extLst>
-  </p:cSld>
-  <p:clrMapOvr>
-    <a:masterClrMapping/>
-  </p:clrMapOvr>
-</p:sld>
-</file>
-
-<file path=ppt/slides/slide13.xml><?xml version="1.0" encoding="utf-8"?>
-<p:sld xmlns:a="http://schemas.openxmlformats.org/drawingml/2006/main" xmlns:r="http://schemas.openxmlformats.org/officeDocument/2006/relationships" xmlns:p="http://schemas.openxmlformats.org/presentationml/2006/main">
-  <p:cSld>
-    <p:spTree>
-      <p:nvGrpSpPr>
-        <p:cNvPr id="1" name=""/>
-        <p:cNvGrpSpPr/>
-        <p:nvPr/>
-      </p:nvGrpSpPr>
-      <p:grpSpPr>
-        <a:xfrm>
-          <a:off x="0" y="0"/>
-          <a:ext cx="0" cy="0"/>
-          <a:chOff x="0" y="0"/>
-          <a:chExt cx="0" cy="0"/>
-        </a:xfrm>
-      </p:grpSpPr>
-      <p:sp>
-        <p:nvSpPr>
-          <p:cNvPr id="6" name="Title 5">
-            <a:extLst>
-              <a:ext uri="{FF2B5EF4-FFF2-40B4-BE49-F238E27FC236}">
-                <a16:creationId xmlns:a16="http://schemas.microsoft.com/office/drawing/2014/main" id="{69E9E1BB-E8AC-F900-4233-F771D1FF63D7}"/>
-              </a:ext>
-            </a:extLst>
-          </p:cNvPr>
-          <p:cNvSpPr>
-            <a:spLocks noGrp="1"/>
-          </p:cNvSpPr>
-          <p:nvPr>
-            <p:ph type="title"/>
-          </p:nvPr>
-        </p:nvSpPr>
-        <p:spPr/>
-        <p:txBody>
-          <a:bodyPr/>
-          <a:lstStyle/>
-          <a:p>
-            <a:r>
-              <a:rPr lang="en-US" dirty="0"/>
-              <a:t>The big idea</a:t>
-            </a:r>
-          </a:p>
-        </p:txBody>
-      </p:sp>
-      <mc:AlternateContent xmlns:mc="http://schemas.openxmlformats.org/markup-compatibility/2006" xmlns:a14="http://schemas.microsoft.com/office/drawing/2010/main">
-        <mc:Choice Requires="a14">
-          <p:sp>
-            <p:nvSpPr>
-              <p:cNvPr id="7" name="Content Placeholder 6">
-                <a:extLst>
-                  <a:ext uri="{FF2B5EF4-FFF2-40B4-BE49-F238E27FC236}">
-                    <a16:creationId xmlns:a16="http://schemas.microsoft.com/office/drawing/2014/main" id="{9A992238-A706-0444-C442-D9BC04CE4C6F}"/>
-                  </a:ext>
-                </a:extLst>
-              </p:cNvPr>
-              <p:cNvSpPr>
-                <a:spLocks noGrp="1"/>
-              </p:cNvSpPr>
-              <p:nvPr>
-                <p:ph idx="1"/>
-              </p:nvPr>
-            </p:nvSpPr>
-            <p:spPr/>
-            <p:txBody>
-              <a:bodyPr/>
-              <a:lstStyle/>
-              <a:p>
-                <a:pPr marL="0" indent="0">
-                  <a:buNone/>
-                </a:pPr>
-                <a14:m>
-                  <m:oMathPara xmlns:m="http://schemas.openxmlformats.org/officeDocument/2006/math">
-                    <m:oMathParaPr>
-                      <m:jc m:val="centerGroup"/>
-                    </m:oMathParaPr>
-                    <m:oMath xmlns:m="http://schemas.openxmlformats.org/officeDocument/2006/math">
-                      <m:sSub>
-                        <m:sSubPr>
-                          <m:ctrlPr>
-                            <a:rPr lang="en-US" b="0" i="1" smtClean="0">
-                              <a:latin typeface="Cambria Math" panose="02040503050406030204" pitchFamily="18" charset="0"/>
-                            </a:rPr>
-                          </m:ctrlPr>
-                        </m:sSubPr>
-                        <m:e>
-                          <m:r>
-                            <a:rPr lang="en-US" b="0" i="1" smtClean="0">
-                              <a:latin typeface="Cambria Math" panose="02040503050406030204" pitchFamily="18" charset="0"/>
-                            </a:rPr>
-                            <m:t>𝑌</m:t>
-                          </m:r>
-                        </m:e>
-                        <m:sub>
-                          <m:r>
-                            <a:rPr lang="en-US" b="0" i="1" smtClean="0">
-                              <a:latin typeface="Cambria Math" panose="02040503050406030204" pitchFamily="18" charset="0"/>
-                            </a:rPr>
-                            <m:t>𝑖</m:t>
-                          </m:r>
-                        </m:sub>
-                      </m:sSub>
-                      <m:r>
-                        <a:rPr lang="en-US" b="0" i="1" smtClean="0">
-                          <a:latin typeface="Cambria Math" panose="02040503050406030204" pitchFamily="18" charset="0"/>
-                        </a:rPr>
-                        <m:t>=</m:t>
-                      </m:r>
-                      <m:acc>
-                        <m:accPr>
-                          <m:chr m:val="̂"/>
-                          <m:ctrlPr>
-                            <a:rPr lang="en-US" b="0" i="1" smtClean="0">
-                              <a:latin typeface="Cambria Math" panose="02040503050406030204" pitchFamily="18" charset="0"/>
-                            </a:rPr>
-                          </m:ctrlPr>
-                        </m:accPr>
-                        <m:e>
-                          <m:r>
-                            <a:rPr lang="en-US" b="0" i="1" smtClean="0">
-                              <a:latin typeface="Cambria Math" panose="02040503050406030204" pitchFamily="18" charset="0"/>
-                            </a:rPr>
-                            <m:t>𝜏</m:t>
-                          </m:r>
-                        </m:e>
-                      </m:acc>
-                      <m:sSub>
-                        <m:sSubPr>
-                          <m:ctrlPr>
-                            <a:rPr lang="en-US" b="0" i="1" smtClean="0">
-                              <a:latin typeface="Cambria Math" panose="02040503050406030204" pitchFamily="18" charset="0"/>
-                            </a:rPr>
-                          </m:ctrlPr>
-                        </m:sSubPr>
-                        <m:e>
-                          <m:r>
-                            <a:rPr lang="en-US" b="0" i="1" smtClean="0">
-                              <a:latin typeface="Cambria Math" panose="02040503050406030204" pitchFamily="18" charset="0"/>
-                            </a:rPr>
-                            <m:t>𝑊</m:t>
-                          </m:r>
-                        </m:e>
-                        <m:sub>
-                          <m:r>
-                            <a:rPr lang="en-US" b="0" i="1" smtClean="0">
-                              <a:latin typeface="Cambria Math" panose="02040503050406030204" pitchFamily="18" charset="0"/>
-                            </a:rPr>
-                            <m:t>𝑖</m:t>
-                          </m:r>
-                        </m:sub>
-                      </m:sSub>
-                      <m:r>
-                        <a:rPr lang="en-US" b="0" i="1" smtClean="0">
-                          <a:latin typeface="Cambria Math" panose="02040503050406030204" pitchFamily="18" charset="0"/>
-                        </a:rPr>
-                        <m:t>+</m:t>
-                      </m:r>
-                      <m:sSub>
-                        <m:sSubPr>
-                          <m:ctrlPr>
-                            <a:rPr lang="en-US" b="0" i="1" smtClean="0">
-                              <a:latin typeface="Cambria Math" panose="02040503050406030204" pitchFamily="18" charset="0"/>
-                            </a:rPr>
-                          </m:ctrlPr>
-                        </m:sSubPr>
-                        <m:e>
-                          <m:r>
-                            <a:rPr lang="en-US" b="0" i="1" smtClean="0">
-                              <a:latin typeface="Cambria Math" panose="02040503050406030204" pitchFamily="18" charset="0"/>
-                            </a:rPr>
-                            <m:t>𝛽</m:t>
-                          </m:r>
-                        </m:e>
-                        <m:sub>
-                          <m:r>
-                            <a:rPr lang="en-US" b="0" i="1" smtClean="0">
-                              <a:latin typeface="Cambria Math" panose="02040503050406030204" pitchFamily="18" charset="0"/>
-                            </a:rPr>
-                            <m:t>1</m:t>
-                          </m:r>
-                        </m:sub>
-                      </m:sSub>
-                      <m:sSub>
-                        <m:sSubPr>
-                          <m:ctrlPr>
-                            <a:rPr lang="en-US" b="0" i="1" smtClean="0">
-                              <a:latin typeface="Cambria Math" panose="02040503050406030204" pitchFamily="18" charset="0"/>
-                            </a:rPr>
-                          </m:ctrlPr>
-                        </m:sSubPr>
-                        <m:e>
-                          <m:r>
-                            <a:rPr lang="en-US" b="0" i="1" smtClean="0">
-                              <a:latin typeface="Cambria Math" panose="02040503050406030204" pitchFamily="18" charset="0"/>
-                            </a:rPr>
-                            <m:t>𝑋</m:t>
-                          </m:r>
-                        </m:e>
-                        <m:sub>
-                          <m:r>
-                            <a:rPr lang="en-US" b="0" i="1" smtClean="0">
-                              <a:latin typeface="Cambria Math" panose="02040503050406030204" pitchFamily="18" charset="0"/>
-                            </a:rPr>
-                            <m:t>𝑖</m:t>
-                          </m:r>
-                        </m:sub>
-                      </m:sSub>
-                      <m:r>
-                        <a:rPr lang="en-US" b="0" i="1" smtClean="0">
-                          <a:latin typeface="Cambria Math" panose="02040503050406030204" pitchFamily="18" charset="0"/>
-                        </a:rPr>
-                        <m:t>+</m:t>
-                      </m:r>
-                      <m:sSub>
-                        <m:sSubPr>
-                          <m:ctrlPr>
-                            <a:rPr lang="en-US" b="0" i="1" smtClean="0">
-                              <a:latin typeface="Cambria Math" panose="02040503050406030204" pitchFamily="18" charset="0"/>
-                            </a:rPr>
-                          </m:ctrlPr>
-                        </m:sSubPr>
-                        <m:e>
-                          <m:r>
-                            <a:rPr lang="en-US" b="0" i="1" smtClean="0">
-                              <a:latin typeface="Cambria Math" panose="02040503050406030204" pitchFamily="18" charset="0"/>
-                            </a:rPr>
-                            <m:t>𝜖</m:t>
-                          </m:r>
-                        </m:e>
-                        <m:sub>
-                          <m:r>
-                            <a:rPr lang="en-US" b="0" i="1" smtClean="0">
-                              <a:latin typeface="Cambria Math" panose="02040503050406030204" pitchFamily="18" charset="0"/>
-                            </a:rPr>
-                            <m:t>𝑖</m:t>
-                          </m:r>
-                        </m:sub>
-                      </m:sSub>
-                    </m:oMath>
-                  </m:oMathPara>
-                </a14:m>
-                <a:endParaRPr lang="en-US" dirty="0"/>
-              </a:p>
-              <a:p>
-                <a:r>
-                  <a:rPr lang="en-US" dirty="0"/>
-                  <a:t>Are there outcomes for which we know the treatment effect ?</a:t>
-                </a:r>
-              </a:p>
-              <a:p>
-                <a:r>
-                  <a:rPr lang="en-US" dirty="0"/>
-                  <a:t>A placebo outcome is one where we know the treatment effect is zero.</a:t>
-                </a:r>
-              </a:p>
-              <a:p>
-                <a:pPr marL="0" indent="0">
-                  <a:buNone/>
-                </a:pPr>
-                <a14:m>
-                  <m:oMathPara xmlns:m="http://schemas.openxmlformats.org/officeDocument/2006/math">
-                    <m:oMathParaPr>
-                      <m:jc m:val="centerGroup"/>
-                    </m:oMathParaPr>
-                    <m:oMath xmlns:m="http://schemas.openxmlformats.org/officeDocument/2006/math">
-                      <m:sSubSup>
-                        <m:sSubSupPr>
-                          <m:ctrlPr>
-                            <a:rPr lang="en-US" b="0" i="1" smtClean="0">
-                              <a:latin typeface="Cambria Math" panose="02040503050406030204" pitchFamily="18" charset="0"/>
-                            </a:rPr>
-                          </m:ctrlPr>
-                        </m:sSubSupPr>
-                        <m:e>
-                          <m:r>
-                            <a:rPr lang="en-US" b="0" i="1" smtClean="0">
-                              <a:latin typeface="Cambria Math" panose="02040503050406030204" pitchFamily="18" charset="0"/>
-                            </a:rPr>
-                            <m:t>𝑌</m:t>
-                          </m:r>
-                        </m:e>
-                        <m:sub>
-                          <m:r>
-                            <a:rPr lang="en-US" b="0" i="1" smtClean="0">
-                              <a:latin typeface="Cambria Math" panose="02040503050406030204" pitchFamily="18" charset="0"/>
-                            </a:rPr>
-                            <m:t>𝑖</m:t>
-                          </m:r>
-                        </m:sub>
-                        <m:sup>
-                          <m:r>
-                            <a:rPr lang="en-US" b="0" i="1" smtClean="0">
-                              <a:latin typeface="Cambria Math" panose="02040503050406030204" pitchFamily="18" charset="0"/>
-                            </a:rPr>
-                            <m:t>𝑝𝑙𝑎𝑐𝑒𝑏𝑜</m:t>
-                          </m:r>
-                        </m:sup>
-                      </m:sSubSup>
-                      <m:r>
-                        <a:rPr lang="en-US" b="0" i="1" smtClean="0">
-                          <a:latin typeface="Cambria Math" panose="02040503050406030204" pitchFamily="18" charset="0"/>
-                        </a:rPr>
-                        <m:t>=</m:t>
-                      </m:r>
-                      <m:sSup>
-                        <m:sSupPr>
-                          <m:ctrlPr>
-                            <a:rPr lang="en-US" b="0" i="1" smtClean="0">
-                              <a:latin typeface="Cambria Math" panose="02040503050406030204" pitchFamily="18" charset="0"/>
-                            </a:rPr>
-                          </m:ctrlPr>
-                        </m:sSupPr>
-                        <m:e>
-                          <m:acc>
-                            <m:accPr>
-                              <m:chr m:val="̂"/>
-                              <m:ctrlPr>
-                                <a:rPr lang="en-US" b="0" i="1" smtClean="0">
-                                  <a:latin typeface="Cambria Math" panose="02040503050406030204" pitchFamily="18" charset="0"/>
-                                </a:rPr>
-                              </m:ctrlPr>
-                            </m:accPr>
-                            <m:e>
-                              <m:r>
-                                <a:rPr lang="en-US" b="0" i="1" smtClean="0">
-                                  <a:latin typeface="Cambria Math" panose="02040503050406030204" pitchFamily="18" charset="0"/>
-                                </a:rPr>
-                                <m:t>𝜏</m:t>
-                              </m:r>
-                            </m:e>
-                          </m:acc>
-                        </m:e>
-                        <m:sup>
-                          <m:r>
-                            <a:rPr lang="en-US" b="0" i="1" smtClean="0">
-                              <a:latin typeface="Cambria Math" panose="02040503050406030204" pitchFamily="18" charset="0"/>
-                            </a:rPr>
-                            <m:t>𝑝𝑙𝑎𝑐𝑒𝑏𝑜</m:t>
-                          </m:r>
-                        </m:sup>
-                      </m:sSup>
-                      <m:sSub>
-                        <m:sSubPr>
-                          <m:ctrlPr>
-                            <a:rPr lang="en-US" b="0" i="1" smtClean="0">
-                              <a:latin typeface="Cambria Math" panose="02040503050406030204" pitchFamily="18" charset="0"/>
-                            </a:rPr>
-                          </m:ctrlPr>
-                        </m:sSubPr>
-                        <m:e>
-                          <m:r>
-                            <a:rPr lang="en-US" b="0" i="1" smtClean="0">
-                              <a:latin typeface="Cambria Math" panose="02040503050406030204" pitchFamily="18" charset="0"/>
-                            </a:rPr>
-                            <m:t>𝑊</m:t>
-                          </m:r>
-                        </m:e>
-                        <m:sub>
-                          <m:r>
-                            <a:rPr lang="en-US" b="0" i="1" smtClean="0">
-                              <a:latin typeface="Cambria Math" panose="02040503050406030204" pitchFamily="18" charset="0"/>
-                            </a:rPr>
-                            <m:t>𝑖</m:t>
-                          </m:r>
-                        </m:sub>
-                      </m:sSub>
-                      <m:r>
-                        <a:rPr lang="en-US" b="0" i="1" smtClean="0">
-                          <a:latin typeface="Cambria Math" panose="02040503050406030204" pitchFamily="18" charset="0"/>
-                        </a:rPr>
-                        <m:t>+</m:t>
-                      </m:r>
-                      <m:sSub>
-                        <m:sSubPr>
-                          <m:ctrlPr>
-                            <a:rPr lang="en-US" b="0" i="1" smtClean="0">
-                              <a:latin typeface="Cambria Math" panose="02040503050406030204" pitchFamily="18" charset="0"/>
-                            </a:rPr>
-                          </m:ctrlPr>
-                        </m:sSubPr>
-                        <m:e>
-                          <m:r>
-                            <a:rPr lang="en-US" b="0" i="1" smtClean="0">
-                              <a:latin typeface="Cambria Math" panose="02040503050406030204" pitchFamily="18" charset="0"/>
-                            </a:rPr>
-                            <m:t>𝛽</m:t>
-                          </m:r>
-                        </m:e>
-                        <m:sub>
-                          <m:r>
-                            <a:rPr lang="en-US" b="0" i="1" smtClean="0">
-                              <a:latin typeface="Cambria Math" panose="02040503050406030204" pitchFamily="18" charset="0"/>
-                            </a:rPr>
-                            <m:t>1</m:t>
-                          </m:r>
-                        </m:sub>
-                      </m:sSub>
-                      <m:sSub>
-                        <m:sSubPr>
-                          <m:ctrlPr>
-                            <a:rPr lang="en-US" b="0" i="1" smtClean="0">
-                              <a:latin typeface="Cambria Math" panose="02040503050406030204" pitchFamily="18" charset="0"/>
-                            </a:rPr>
-                          </m:ctrlPr>
-                        </m:sSubPr>
-                        <m:e>
-                          <m:r>
-                            <a:rPr lang="en-US" b="0" i="1" smtClean="0">
-                              <a:latin typeface="Cambria Math" panose="02040503050406030204" pitchFamily="18" charset="0"/>
-                            </a:rPr>
-                            <m:t>𝑋</m:t>
-                          </m:r>
-                        </m:e>
-                        <m:sub>
-                          <m:r>
-                            <a:rPr lang="en-US" b="0" i="1" smtClean="0">
-                              <a:latin typeface="Cambria Math" panose="02040503050406030204" pitchFamily="18" charset="0"/>
-                            </a:rPr>
-                            <m:t>𝑖</m:t>
-                          </m:r>
-                        </m:sub>
-                      </m:sSub>
-                      <m:r>
-                        <a:rPr lang="en-US" b="0" i="1" smtClean="0">
-                          <a:latin typeface="Cambria Math" panose="02040503050406030204" pitchFamily="18" charset="0"/>
-                        </a:rPr>
-                        <m:t>+</m:t>
-                      </m:r>
-                      <m:sSub>
-                        <m:sSubPr>
-                          <m:ctrlPr>
-                            <a:rPr lang="en-US" b="0" i="1" smtClean="0">
-                              <a:latin typeface="Cambria Math" panose="02040503050406030204" pitchFamily="18" charset="0"/>
-                            </a:rPr>
-                          </m:ctrlPr>
-                        </m:sSubPr>
-                        <m:e>
-                          <m:r>
-                            <a:rPr lang="en-US" b="0" i="1" smtClean="0">
-                              <a:latin typeface="Cambria Math" panose="02040503050406030204" pitchFamily="18" charset="0"/>
-                            </a:rPr>
-                            <m:t>𝜖</m:t>
-                          </m:r>
-                        </m:e>
-                        <m:sub>
-                          <m:r>
-                            <a:rPr lang="en-US" b="0" i="1" smtClean="0">
-                              <a:latin typeface="Cambria Math" panose="02040503050406030204" pitchFamily="18" charset="0"/>
-                            </a:rPr>
-                            <m:t>𝑖</m:t>
-                          </m:r>
-                        </m:sub>
-                      </m:sSub>
-                    </m:oMath>
-                  </m:oMathPara>
-                </a14:m>
-                <a:endParaRPr lang="en-US" dirty="0"/>
-              </a:p>
-              <a:p>
-                <a:endParaRPr lang="en-US" dirty="0"/>
-              </a:p>
-              <a:p>
-                <a:r>
-                  <a:rPr lang="en-US" dirty="0"/>
-                  <a:t>Placebo outcomes can help transform the causal validation to a traditional prediction one, because we have a “ground truth” value for </a:t>
-                </a:r>
-                <a14:m>
-                  <m:oMath xmlns:m="http://schemas.openxmlformats.org/officeDocument/2006/math">
-                    <m:sSup>
-                      <m:sSupPr>
-                        <m:ctrlPr>
-                          <a:rPr lang="en-US" b="0" i="1" smtClean="0">
-                            <a:latin typeface="Cambria Math" panose="02040503050406030204" pitchFamily="18" charset="0"/>
-                          </a:rPr>
-                        </m:ctrlPr>
-                      </m:sSupPr>
-                      <m:e>
-                        <m:acc>
-                          <m:accPr>
-                            <m:chr m:val="̂"/>
-                            <m:ctrlPr>
-                              <a:rPr lang="en-US" b="0" i="1" smtClean="0">
-                                <a:latin typeface="Cambria Math" panose="02040503050406030204" pitchFamily="18" charset="0"/>
-                              </a:rPr>
-                            </m:ctrlPr>
-                          </m:accPr>
-                          <m:e>
-                            <m:r>
-                              <a:rPr lang="en-US" b="0" i="1" smtClean="0">
-                                <a:latin typeface="Cambria Math" panose="02040503050406030204" pitchFamily="18" charset="0"/>
-                              </a:rPr>
-                              <m:t>𝜏</m:t>
-                            </m:r>
-                          </m:e>
-                        </m:acc>
-                      </m:e>
-                      <m:sup>
-                        <m:r>
-                          <a:rPr lang="en-US" b="0" i="1" smtClean="0">
-                            <a:latin typeface="Cambria Math" panose="02040503050406030204" pitchFamily="18" charset="0"/>
-                          </a:rPr>
-                          <m:t>𝑝𝑙𝑎𝑐𝑒𝑏𝑜</m:t>
-                        </m:r>
-                      </m:sup>
-                    </m:sSup>
-                  </m:oMath>
-                </a14:m>
-                <a:r>
-                  <a:rPr lang="en-US" dirty="0"/>
-                  <a:t>.</a:t>
-                </a:r>
-              </a:p>
-            </p:txBody>
-          </p:sp>
-        </mc:Choice>
-        <mc:Fallback xmlns="">
-          <p:sp>
-            <p:nvSpPr>
-              <p:cNvPr id="7" name="Content Placeholder 6">
-                <a:extLst>
-                  <a:ext uri="{FF2B5EF4-FFF2-40B4-BE49-F238E27FC236}">
-                    <a16:creationId xmlns:a16="http://schemas.microsoft.com/office/drawing/2014/main" id="{9A992238-A706-0444-C442-D9BC04CE4C6F}"/>
-                  </a:ext>
-                </a:extLst>
-              </p:cNvPr>
-              <p:cNvSpPr>
-                <a:spLocks noGrp="1" noRot="1" noChangeAspect="1" noMove="1" noResize="1" noEditPoints="1" noAdjustHandles="1" noChangeArrowheads="1" noChangeShapeType="1" noTextEdit="1"/>
-              </p:cNvSpPr>
-              <p:nvPr>
-                <p:ph idx="1"/>
-              </p:nvPr>
-            </p:nvSpPr>
-            <p:spPr>
-              <a:blipFill>
-                <a:blip r:embed="rId2"/>
-                <a:stretch>
-                  <a:fillRect l="-1086" t="-1453"/>
-                </a:stretch>
-              </a:blipFill>
-            </p:spPr>
-            <p:txBody>
-              <a:bodyPr/>
-              <a:lstStyle/>
-              <a:p>
-                <a:r>
-                  <a:rPr lang="en-US">
-                    <a:noFill/>
-                  </a:rPr>
-                  <a:t> </a:t>
-                </a:r>
-              </a:p>
-            </p:txBody>
-          </p:sp>
-        </mc:Fallback>
-      </mc:AlternateContent>
-      <p:sp>
-        <p:nvSpPr>
-          <p:cNvPr id="4" name="Footer Placeholder 3">
-            <a:extLst>
-              <a:ext uri="{FF2B5EF4-FFF2-40B4-BE49-F238E27FC236}">
-                <a16:creationId xmlns:a16="http://schemas.microsoft.com/office/drawing/2014/main" id="{38799F2A-19D4-8BA2-916A-D8FC5AF9D055}"/>
-              </a:ext>
-            </a:extLst>
-          </p:cNvPr>
-          <p:cNvSpPr>
-            <a:spLocks noGrp="1"/>
-          </p:cNvSpPr>
-          <p:nvPr>
-            <p:ph type="ftr" sz="quarter" idx="11"/>
-          </p:nvPr>
-        </p:nvSpPr>
-        <p:spPr/>
-        <p:txBody>
-          <a:bodyPr/>
-          <a:lstStyle/>
-          <a:p>
-            <a:r>
-              <a:rPr lang="en-US"/>
-              <a:t>Causal inference crash course - hsujulia</a:t>
-            </a:r>
-          </a:p>
-        </p:txBody>
-      </p:sp>
-      <p:sp>
-        <p:nvSpPr>
-          <p:cNvPr id="5" name="Slide Number Placeholder 4">
-            <a:extLst>
-              <a:ext uri="{FF2B5EF4-FFF2-40B4-BE49-F238E27FC236}">
-                <a16:creationId xmlns:a16="http://schemas.microsoft.com/office/drawing/2014/main" id="{077B1293-E35F-4BEA-49A0-6635B2505F9B}"/>
-              </a:ext>
-            </a:extLst>
-          </p:cNvPr>
-          <p:cNvSpPr>
-            <a:spLocks noGrp="1"/>
-          </p:cNvSpPr>
-          <p:nvPr>
-            <p:ph type="sldNum" sz="quarter" idx="12"/>
-          </p:nvPr>
-        </p:nvSpPr>
-        <p:spPr/>
-        <p:txBody>
-          <a:bodyPr/>
-          <a:lstStyle/>
-          <a:p>
-            <a:fld id="{747C3DC3-9B3F-7F44-ADCE-5AEE1C23E1F0}" type="slidenum">
-              <a:rPr lang="en-US" smtClean="0"/>
-              <a:t>12</a:t>
-            </a:fld>
-            <a:endParaRPr lang="en-US"/>
-          </a:p>
-        </p:txBody>
-      </p:sp>
-    </p:spTree>
-    <p:extLst>
-      <p:ext uri="{BB962C8B-B14F-4D97-AF65-F5344CB8AC3E}">
-        <p14:creationId xmlns:p14="http://schemas.microsoft.com/office/powerpoint/2010/main" val="334083699"/>
-      </p:ext>
-    </p:extLst>
-  </p:cSld>
-  <p:clrMapOvr>
-    <a:masterClrMapping/>
-  </p:clrMapOvr>
-</p:sld>
-</file>
-
-<file path=ppt/slides/slide14.xml><?xml version="1.0" encoding="utf-8"?>
-<p:sld xmlns:a="http://schemas.openxmlformats.org/drawingml/2006/main" xmlns:r="http://schemas.openxmlformats.org/officeDocument/2006/relationships" xmlns:p="http://schemas.openxmlformats.org/presentationml/2006/main">
-  <p:cSld>
-    <p:spTree>
-      <p:nvGrpSpPr>
-        <p:cNvPr id="1" name=""/>
-        <p:cNvGrpSpPr/>
-        <p:nvPr/>
-      </p:nvGrpSpPr>
-      <p:grpSpPr>
-        <a:xfrm>
-          <a:off x="0" y="0"/>
-          <a:ext cx="0" cy="0"/>
-          <a:chOff x="0" y="0"/>
-          <a:chExt cx="0" cy="0"/>
-        </a:xfrm>
-      </p:grpSpPr>
-      <p:sp>
-        <p:nvSpPr>
-          <p:cNvPr id="2" name="Title 1">
-            <a:extLst>
-              <a:ext uri="{FF2B5EF4-FFF2-40B4-BE49-F238E27FC236}">
                 <a16:creationId xmlns:a16="http://schemas.microsoft.com/office/drawing/2014/main" id="{7114689C-26E4-CD0A-778A-72DE982B2ADB}"/>
               </a:ext>
             </a:extLst>
@@ -7289,7 +5846,7 @@
           <a:p>
             <a:fld id="{747C3DC3-9B3F-7F44-ADCE-5AEE1C23E1F0}" type="slidenum">
               <a:rPr lang="en-US" smtClean="0"/>
-              <a:t>13</a:t>
+              <a:t>9</a:t>
             </a:fld>
             <a:endParaRPr lang="en-US"/>
           </a:p>
@@ -7308,7 +5865,7 @@
 </p:sld>
 </file>
 
-<file path=ppt/slides/slide15.xml><?xml version="1.0" encoding="utf-8"?>
+<file path=ppt/slides/slide11.xml><?xml version="1.0" encoding="utf-8"?>
 <p:sld xmlns:a="http://schemas.openxmlformats.org/drawingml/2006/main" xmlns:r="http://schemas.openxmlformats.org/officeDocument/2006/relationships" xmlns:p="http://schemas.openxmlformats.org/presentationml/2006/main">
   <p:cSld>
     <p:spTree>
@@ -8206,7 +6763,7 @@
           <a:p>
             <a:fld id="{747C3DC3-9B3F-7F44-ADCE-5AEE1C23E1F0}" type="slidenum">
               <a:rPr lang="en-US" smtClean="0"/>
-              <a:t>14</a:t>
+              <a:t>10</a:t>
             </a:fld>
             <a:endParaRPr lang="en-US"/>
           </a:p>
@@ -8225,7 +6782,7 @@
 </p:sld>
 </file>
 
-<file path=ppt/slides/slide16.xml><?xml version="1.0" encoding="utf-8"?>
+<file path=ppt/slides/slide12.xml><?xml version="1.0" encoding="utf-8"?>
 <p:sld xmlns:a="http://schemas.openxmlformats.org/drawingml/2006/main" xmlns:r="http://schemas.openxmlformats.org/officeDocument/2006/relationships" xmlns:p="http://schemas.openxmlformats.org/presentationml/2006/main">
   <p:cSld>
     <p:spTree>
@@ -8639,7 +7196,7 @@
           <a:p>
             <a:fld id="{747C3DC3-9B3F-7F44-ADCE-5AEE1C23E1F0}" type="slidenum">
               <a:rPr lang="en-US" smtClean="0"/>
-              <a:t>15</a:t>
+              <a:t>11</a:t>
             </a:fld>
             <a:endParaRPr lang="en-US"/>
           </a:p>
@@ -8658,7 +7215,7 @@
 </p:sld>
 </file>
 
-<file path=ppt/slides/slide17.xml><?xml version="1.0" encoding="utf-8"?>
+<file path=ppt/slides/slide13.xml><?xml version="1.0" encoding="utf-8"?>
 <p:sld xmlns:a="http://schemas.openxmlformats.org/drawingml/2006/main" xmlns:r="http://schemas.openxmlformats.org/officeDocument/2006/relationships" xmlns:p="http://schemas.openxmlformats.org/presentationml/2006/main">
   <p:cSld>
     <p:spTree>
@@ -8789,7 +7346,7 @@
           <a:p>
             <a:fld id="{747C3DC3-9B3F-7F44-ADCE-5AEE1C23E1F0}" type="slidenum">
               <a:rPr lang="en-US" smtClean="0"/>
-              <a:t>16</a:t>
+              <a:t>12</a:t>
             </a:fld>
             <a:endParaRPr lang="en-US"/>
           </a:p>
@@ -8808,7 +7365,7 @@
 </p:sld>
 </file>
 
-<file path=ppt/slides/slide18.xml><?xml version="1.0" encoding="utf-8"?>
+<file path=ppt/slides/slide14.xml><?xml version="1.0" encoding="utf-8"?>
 <p:sld xmlns:a="http://schemas.openxmlformats.org/drawingml/2006/main" xmlns:r="http://schemas.openxmlformats.org/officeDocument/2006/relationships" xmlns:p="http://schemas.openxmlformats.org/presentationml/2006/main">
   <p:cSld>
     <p:spTree>
@@ -9345,7 +7902,7 @@
           <a:p>
             <a:fld id="{747C3DC3-9B3F-7F44-ADCE-5AEE1C23E1F0}" type="slidenum">
               <a:rPr lang="en-US" smtClean="0"/>
-              <a:t>17</a:t>
+              <a:t>13</a:t>
             </a:fld>
             <a:endParaRPr lang="en-US"/>
           </a:p>
@@ -9364,7 +7921,7 @@
 </p:sld>
 </file>
 
-<file path=ppt/slides/slide19.xml><?xml version="1.0" encoding="utf-8"?>
+<file path=ppt/slides/slide15.xml><?xml version="1.0" encoding="utf-8"?>
 <p:sld xmlns:a="http://schemas.openxmlformats.org/drawingml/2006/main" xmlns:r="http://schemas.openxmlformats.org/officeDocument/2006/relationships" xmlns:p="http://schemas.openxmlformats.org/presentationml/2006/main">
   <p:cSld>
     <p:spTree>
@@ -9711,7 +8268,7 @@
           <a:p>
             <a:fld id="{747C3DC3-9B3F-7F44-ADCE-5AEE1C23E1F0}" type="slidenum">
               <a:rPr lang="en-US" smtClean="0"/>
-              <a:t>18</a:t>
+              <a:t>14</a:t>
             </a:fld>
             <a:endParaRPr lang="en-US"/>
           </a:p>
@@ -10676,247 +9233,7 @@
 </p:sld>
 </file>
 
-<file path=ppt/slides/slide2.xml><?xml version="1.0" encoding="utf-8"?>
-<p:sld xmlns:a="http://schemas.openxmlformats.org/drawingml/2006/main" xmlns:r="http://schemas.openxmlformats.org/officeDocument/2006/relationships" xmlns:p="http://schemas.openxmlformats.org/presentationml/2006/main">
-  <p:cSld>
-    <p:spTree>
-      <p:nvGrpSpPr>
-        <p:cNvPr id="1" name=""/>
-        <p:cNvGrpSpPr/>
-        <p:nvPr/>
-      </p:nvGrpSpPr>
-      <p:grpSpPr>
-        <a:xfrm>
-          <a:off x="0" y="0"/>
-          <a:ext cx="0" cy="0"/>
-          <a:chOff x="0" y="0"/>
-          <a:chExt cx="0" cy="0"/>
-        </a:xfrm>
-      </p:grpSpPr>
-      <p:sp>
-        <p:nvSpPr>
-          <p:cNvPr id="2" name="Title 1">
-            <a:extLst>
-              <a:ext uri="{FF2B5EF4-FFF2-40B4-BE49-F238E27FC236}">
-                <a16:creationId xmlns:a16="http://schemas.microsoft.com/office/drawing/2014/main" id="{F1821B62-5F2B-0042-B4D1-0A616B9A2397}"/>
-              </a:ext>
-            </a:extLst>
-          </p:cNvPr>
-          <p:cNvSpPr>
-            <a:spLocks noGrp="1"/>
-          </p:cNvSpPr>
-          <p:nvPr>
-            <p:ph type="title"/>
-          </p:nvPr>
-        </p:nvSpPr>
-        <p:spPr/>
-        <p:txBody>
-          <a:bodyPr/>
-          <a:lstStyle/>
-          <a:p>
-            <a:r>
-              <a:rPr lang="en-US" dirty="0"/>
-              <a:t>Causal Inference Series</a:t>
-            </a:r>
-          </a:p>
-        </p:txBody>
-      </p:sp>
-      <p:sp>
-        <p:nvSpPr>
-          <p:cNvPr id="3" name="Content Placeholder 2">
-            <a:extLst>
-              <a:ext uri="{FF2B5EF4-FFF2-40B4-BE49-F238E27FC236}">
-                <a16:creationId xmlns:a16="http://schemas.microsoft.com/office/drawing/2014/main" id="{70C15C76-6BD6-0F41-AB0A-743D563189AD}"/>
-              </a:ext>
-            </a:extLst>
-          </p:cNvPr>
-          <p:cNvSpPr>
-            <a:spLocks noGrp="1"/>
-          </p:cNvSpPr>
-          <p:nvPr>
-            <p:ph idx="1"/>
-          </p:nvPr>
-        </p:nvSpPr>
-        <p:spPr/>
-        <p:txBody>
-          <a:bodyPr>
-            <a:normAutofit/>
-          </a:bodyPr>
-          <a:lstStyle/>
-          <a:p>
-            <a:pPr marL="514350" indent="-514350">
-              <a:buFont typeface="+mj-lt"/>
-              <a:buAutoNum type="arabicParenR"/>
-            </a:pPr>
-            <a:r>
-              <a:rPr lang="en-US" dirty="0"/>
-              <a:t>Foundations</a:t>
-            </a:r>
-          </a:p>
-          <a:p>
-            <a:pPr marL="514350" indent="-514350">
-              <a:buFont typeface="+mj-lt"/>
-              <a:buAutoNum type="arabicParenR"/>
-            </a:pPr>
-            <a:r>
-              <a:rPr lang="en-US" dirty="0"/>
-              <a:t>Defining Some Causal Models</a:t>
-            </a:r>
-          </a:p>
-          <a:p>
-            <a:pPr marL="514350" indent="-514350">
-              <a:buFont typeface="+mj-lt"/>
-              <a:buAutoNum type="arabicParenR"/>
-            </a:pPr>
-            <a:r>
-              <a:rPr lang="en-US" b="1" dirty="0">
-                <a:solidFill>
-                  <a:schemeClr val="accent6"/>
-                </a:solidFill>
-              </a:rPr>
-              <a:t>Arguable Validation</a:t>
-            </a:r>
-          </a:p>
-          <a:p>
-            <a:pPr marL="514350" indent="-514350">
-              <a:buFont typeface="+mj-lt"/>
-              <a:buAutoNum type="arabicParenR"/>
-            </a:pPr>
-            <a:r>
-              <a:rPr lang="en-US" dirty="0"/>
-              <a:t>Inference, Asymptotic Theory, and Bootstrapping</a:t>
-            </a:r>
-          </a:p>
-          <a:p>
-            <a:pPr marL="514350" indent="-514350">
-              <a:buFont typeface="+mj-lt"/>
-              <a:buAutoNum type="arabicParenR"/>
-            </a:pPr>
-            <a:r>
-              <a:rPr lang="en-US" dirty="0"/>
-              <a:t>Best Practices: Outliers, Class Imbalance, and Feature Selection</a:t>
-            </a:r>
-          </a:p>
-          <a:p>
-            <a:pPr marL="514350" indent="-514350">
-              <a:buFont typeface="+mj-lt"/>
-              <a:buAutoNum type="arabicParenR"/>
-            </a:pPr>
-            <a:r>
-              <a:rPr lang="en-US" dirty="0"/>
-              <a:t>Heterogeneous Treatment Effect Models and Inference</a:t>
-            </a:r>
-          </a:p>
-          <a:p>
-            <a:pPr marL="514350" indent="-514350">
-              <a:buFont typeface="+mj-lt"/>
-              <a:buAutoNum type="arabicParenR"/>
-            </a:pPr>
-            <a:r>
-              <a:rPr lang="en-US" dirty="0"/>
-              <a:t>[</a:t>
-            </a:r>
-            <a:r>
-              <a:rPr lang="en-US" dirty="0" err="1"/>
-              <a:t>WiP</a:t>
-            </a:r>
-            <a:r>
-              <a:rPr lang="en-US" dirty="0"/>
-              <a:t>] Models for Panel Data</a:t>
-            </a:r>
-          </a:p>
-          <a:p>
-            <a:pPr marL="514350" indent="-514350">
-              <a:buFont typeface="+mj-lt"/>
-              <a:buAutoNum type="arabicParenR"/>
-            </a:pPr>
-            <a:r>
-              <a:rPr lang="en-US" dirty="0"/>
-              <a:t>[</a:t>
-            </a:r>
-            <a:r>
-              <a:rPr lang="en-US" dirty="0" err="1"/>
-              <a:t>WiP</a:t>
-            </a:r>
-            <a:r>
-              <a:rPr lang="en-US" dirty="0"/>
-              <a:t>] Regression Discontinuity Models</a:t>
-            </a:r>
-          </a:p>
-        </p:txBody>
-      </p:sp>
-      <p:sp>
-        <p:nvSpPr>
-          <p:cNvPr id="5" name="Slide Number Placeholder 4">
-            <a:extLst>
-              <a:ext uri="{FF2B5EF4-FFF2-40B4-BE49-F238E27FC236}">
-                <a16:creationId xmlns:a16="http://schemas.microsoft.com/office/drawing/2014/main" id="{3A7A08CB-04DB-58CB-96E3-D446C2920FB2}"/>
-              </a:ext>
-            </a:extLst>
-          </p:cNvPr>
-          <p:cNvSpPr>
-            <a:spLocks noGrp="1"/>
-          </p:cNvSpPr>
-          <p:nvPr>
-            <p:ph type="sldNum" sz="quarter" idx="12"/>
-          </p:nvPr>
-        </p:nvSpPr>
-        <p:spPr/>
-        <p:txBody>
-          <a:bodyPr/>
-          <a:lstStyle/>
-          <a:p>
-            <a:fld id="{90132194-335A-3D4F-8716-B190D535ED38}" type="slidenum">
-              <a:rPr lang="en-US" smtClean="0"/>
-              <a:pPr/>
-              <a:t>1</a:t>
-            </a:fld>
-            <a:endParaRPr lang="en-US" dirty="0"/>
-          </a:p>
-        </p:txBody>
-      </p:sp>
-      <p:sp>
-        <p:nvSpPr>
-          <p:cNvPr id="6" name="Footer Placeholder 5">
-            <a:extLst>
-              <a:ext uri="{FF2B5EF4-FFF2-40B4-BE49-F238E27FC236}">
-                <a16:creationId xmlns:a16="http://schemas.microsoft.com/office/drawing/2014/main" id="{1D9AA175-D9FB-CB76-57C2-5097F2A6DD68}"/>
-              </a:ext>
-            </a:extLst>
-          </p:cNvPr>
-          <p:cNvSpPr>
-            <a:spLocks noGrp="1"/>
-          </p:cNvSpPr>
-          <p:nvPr>
-            <p:ph type="ftr" sz="quarter" idx="11"/>
-          </p:nvPr>
-        </p:nvSpPr>
-        <p:spPr/>
-        <p:txBody>
-          <a:bodyPr/>
-          <a:lstStyle/>
-          <a:p>
-            <a:r>
-              <a:rPr lang="en-US"/>
-              <a:t>Causal inference crash course - hsujulia</a:t>
-            </a:r>
-          </a:p>
-        </p:txBody>
-      </p:sp>
-    </p:spTree>
-    <p:extLst>
-      <p:ext uri="{BB962C8B-B14F-4D97-AF65-F5344CB8AC3E}">
-        <p14:creationId xmlns:p14="http://schemas.microsoft.com/office/powerpoint/2010/main" val="2542964179"/>
-      </p:ext>
-    </p:extLst>
-  </p:cSld>
-  <p:clrMapOvr>
-    <a:masterClrMapping/>
-  </p:clrMapOvr>
-</p:sld>
-</file>
-
-<file path=ppt/slides/slide20.xml><?xml version="1.0" encoding="utf-8"?>
+<file path=ppt/slides/slide16.xml><?xml version="1.0" encoding="utf-8"?>
 <p:sld xmlns:a="http://schemas.openxmlformats.org/drawingml/2006/main" xmlns:r="http://schemas.openxmlformats.org/officeDocument/2006/relationships" xmlns:p="http://schemas.openxmlformats.org/presentationml/2006/main">
   <p:cSld>
     <p:spTree>
@@ -11258,7 +9575,7 @@
           <a:p>
             <a:fld id="{747C3DC3-9B3F-7F44-ADCE-5AEE1C23E1F0}" type="slidenum">
               <a:rPr lang="en-US" smtClean="0"/>
-              <a:t>19</a:t>
+              <a:t>15</a:t>
             </a:fld>
             <a:endParaRPr lang="en-US"/>
           </a:p>
@@ -11307,7 +9624,7 @@
 </p:sld>
 </file>
 
-<file path=ppt/slides/slide21.xml><?xml version="1.0" encoding="utf-8"?>
+<file path=ppt/slides/slide17.xml><?xml version="1.0" encoding="utf-8"?>
 <p:sld xmlns:a="http://schemas.openxmlformats.org/drawingml/2006/main" xmlns:r="http://schemas.openxmlformats.org/officeDocument/2006/relationships" xmlns:p="http://schemas.openxmlformats.org/presentationml/2006/main">
   <p:cSld>
     <p:spTree>
@@ -11410,7 +9727,7 @@
           <a:p>
             <a:fld id="{747C3DC3-9B3F-7F44-ADCE-5AEE1C23E1F0}" type="slidenum">
               <a:rPr lang="en-US" smtClean="0"/>
-              <a:t>20</a:t>
+              <a:t>16</a:t>
             </a:fld>
             <a:endParaRPr lang="en-US"/>
           </a:p>
@@ -12066,7 +10383,7 @@
 </p:sld>
 </file>
 
-<file path=ppt/slides/slide22.xml><?xml version="1.0" encoding="utf-8"?>
+<file path=ppt/slides/slide18.xml><?xml version="1.0" encoding="utf-8"?>
 <p:sld xmlns:a="http://schemas.openxmlformats.org/drawingml/2006/main" xmlns:r="http://schemas.openxmlformats.org/officeDocument/2006/relationships" xmlns:p="http://schemas.openxmlformats.org/presentationml/2006/main">
   <p:cSld>
     <p:spTree>
@@ -12200,7 +10517,7 @@
           <a:p>
             <a:fld id="{747C3DC3-9B3F-7F44-ADCE-5AEE1C23E1F0}" type="slidenum">
               <a:rPr lang="en-US" smtClean="0"/>
-              <a:t>21</a:t>
+              <a:t>17</a:t>
             </a:fld>
             <a:endParaRPr lang="en-US"/>
           </a:p>
@@ -12219,7 +10536,7 @@
 </p:sld>
 </file>
 
-<file path=ppt/slides/slide23.xml><?xml version="1.0" encoding="utf-8"?>
+<file path=ppt/slides/slide19.xml><?xml version="1.0" encoding="utf-8"?>
 <p:sld xmlns:a="http://schemas.openxmlformats.org/drawingml/2006/main" xmlns:r="http://schemas.openxmlformats.org/officeDocument/2006/relationships" xmlns:p="http://schemas.openxmlformats.org/presentationml/2006/main">
   <p:cSld>
     <p:spTree>
@@ -12584,7 +10901,7 @@
           <a:p>
             <a:fld id="{747C3DC3-9B3F-7F44-ADCE-5AEE1C23E1F0}" type="slidenum">
               <a:rPr lang="en-US" smtClean="0"/>
-              <a:t>22</a:t>
+              <a:t>18</a:t>
             </a:fld>
             <a:endParaRPr lang="en-US"/>
           </a:p>
@@ -12603,7 +10920,7 @@
 </p:sld>
 </file>
 
-<file path=ppt/slides/slide24.xml><?xml version="1.0" encoding="utf-8"?>
+<file path=ppt/slides/slide2.xml><?xml version="1.0" encoding="utf-8"?>
 <p:sld xmlns:a="http://schemas.openxmlformats.org/drawingml/2006/main" xmlns:r="http://schemas.openxmlformats.org/officeDocument/2006/relationships" xmlns:p="http://schemas.openxmlformats.org/presentationml/2006/main">
   <p:cSld>
     <p:spTree>
@@ -12622,6 +10939,246 @@
       </p:grpSpPr>
       <p:sp>
         <p:nvSpPr>
+          <p:cNvPr id="2" name="Title 1">
+            <a:extLst>
+              <a:ext uri="{FF2B5EF4-FFF2-40B4-BE49-F238E27FC236}">
+                <a16:creationId xmlns:a16="http://schemas.microsoft.com/office/drawing/2014/main" id="{F1821B62-5F2B-0042-B4D1-0A616B9A2397}"/>
+              </a:ext>
+            </a:extLst>
+          </p:cNvPr>
+          <p:cNvSpPr>
+            <a:spLocks noGrp="1"/>
+          </p:cNvSpPr>
+          <p:nvPr>
+            <p:ph type="title"/>
+          </p:nvPr>
+        </p:nvSpPr>
+        <p:spPr/>
+        <p:txBody>
+          <a:bodyPr/>
+          <a:lstStyle/>
+          <a:p>
+            <a:r>
+              <a:rPr lang="en-US" dirty="0"/>
+              <a:t>Causal Inference Series</a:t>
+            </a:r>
+          </a:p>
+        </p:txBody>
+      </p:sp>
+      <p:sp>
+        <p:nvSpPr>
+          <p:cNvPr id="3" name="Content Placeholder 2">
+            <a:extLst>
+              <a:ext uri="{FF2B5EF4-FFF2-40B4-BE49-F238E27FC236}">
+                <a16:creationId xmlns:a16="http://schemas.microsoft.com/office/drawing/2014/main" id="{70C15C76-6BD6-0F41-AB0A-743D563189AD}"/>
+              </a:ext>
+            </a:extLst>
+          </p:cNvPr>
+          <p:cNvSpPr>
+            <a:spLocks noGrp="1"/>
+          </p:cNvSpPr>
+          <p:nvPr>
+            <p:ph idx="1"/>
+          </p:nvPr>
+        </p:nvSpPr>
+        <p:spPr/>
+        <p:txBody>
+          <a:bodyPr>
+            <a:normAutofit/>
+          </a:bodyPr>
+          <a:lstStyle/>
+          <a:p>
+            <a:pPr marL="514350" indent="-514350">
+              <a:buFont typeface="+mj-lt"/>
+              <a:buAutoNum type="arabicParenR"/>
+            </a:pPr>
+            <a:r>
+              <a:rPr lang="en-US" dirty="0"/>
+              <a:t>Foundations</a:t>
+            </a:r>
+          </a:p>
+          <a:p>
+            <a:pPr marL="514350" indent="-514350">
+              <a:buFont typeface="+mj-lt"/>
+              <a:buAutoNum type="arabicParenR"/>
+            </a:pPr>
+            <a:r>
+              <a:rPr lang="en-US" dirty="0"/>
+              <a:t>Defining Some Causal Models</a:t>
+            </a:r>
+          </a:p>
+          <a:p>
+            <a:pPr marL="514350" indent="-514350">
+              <a:buFont typeface="+mj-lt"/>
+              <a:buAutoNum type="arabicParenR"/>
+            </a:pPr>
+            <a:r>
+              <a:rPr lang="en-US" b="1" dirty="0">
+                <a:solidFill>
+                  <a:schemeClr val="accent6"/>
+                </a:solidFill>
+              </a:rPr>
+              <a:t>Arguable Validation</a:t>
+            </a:r>
+          </a:p>
+          <a:p>
+            <a:pPr marL="514350" indent="-514350">
+              <a:buFont typeface="+mj-lt"/>
+              <a:buAutoNum type="arabicParenR"/>
+            </a:pPr>
+            <a:r>
+              <a:rPr lang="en-US" dirty="0"/>
+              <a:t>Inference, Asymptotic Theory, and Bootstrapping</a:t>
+            </a:r>
+          </a:p>
+          <a:p>
+            <a:pPr marL="514350" indent="-514350">
+              <a:buFont typeface="+mj-lt"/>
+              <a:buAutoNum type="arabicParenR"/>
+            </a:pPr>
+            <a:r>
+              <a:rPr lang="en-US" dirty="0"/>
+              <a:t>Best Practices: Outliers, Class Imbalance, and Feature Selection</a:t>
+            </a:r>
+          </a:p>
+          <a:p>
+            <a:pPr marL="514350" indent="-514350">
+              <a:buFont typeface="+mj-lt"/>
+              <a:buAutoNum type="arabicParenR"/>
+            </a:pPr>
+            <a:r>
+              <a:rPr lang="en-US" dirty="0"/>
+              <a:t>Heterogeneous Treatment Effect Models and Inference</a:t>
+            </a:r>
+          </a:p>
+          <a:p>
+            <a:pPr marL="514350" indent="-514350">
+              <a:buFont typeface="+mj-lt"/>
+              <a:buAutoNum type="arabicParenR"/>
+            </a:pPr>
+            <a:r>
+              <a:rPr lang="en-US" dirty="0"/>
+              <a:t>[</a:t>
+            </a:r>
+            <a:r>
+              <a:rPr lang="en-US" dirty="0" err="1"/>
+              <a:t>WiP</a:t>
+            </a:r>
+            <a:r>
+              <a:rPr lang="en-US" dirty="0"/>
+              <a:t>] Models for Panel Data</a:t>
+            </a:r>
+          </a:p>
+          <a:p>
+            <a:pPr marL="514350" indent="-514350">
+              <a:buFont typeface="+mj-lt"/>
+              <a:buAutoNum type="arabicParenR"/>
+            </a:pPr>
+            <a:r>
+              <a:rPr lang="en-US" dirty="0"/>
+              <a:t>[</a:t>
+            </a:r>
+            <a:r>
+              <a:rPr lang="en-US" dirty="0" err="1"/>
+              <a:t>WiP</a:t>
+            </a:r>
+            <a:r>
+              <a:rPr lang="en-US" dirty="0"/>
+              <a:t>] Regression Discontinuity Models</a:t>
+            </a:r>
+          </a:p>
+        </p:txBody>
+      </p:sp>
+      <p:sp>
+        <p:nvSpPr>
+          <p:cNvPr id="5" name="Slide Number Placeholder 4">
+            <a:extLst>
+              <a:ext uri="{FF2B5EF4-FFF2-40B4-BE49-F238E27FC236}">
+                <a16:creationId xmlns:a16="http://schemas.microsoft.com/office/drawing/2014/main" id="{3A7A08CB-04DB-58CB-96E3-D446C2920FB2}"/>
+              </a:ext>
+            </a:extLst>
+          </p:cNvPr>
+          <p:cNvSpPr>
+            <a:spLocks noGrp="1"/>
+          </p:cNvSpPr>
+          <p:nvPr>
+            <p:ph type="sldNum" sz="quarter" idx="12"/>
+          </p:nvPr>
+        </p:nvSpPr>
+        <p:spPr/>
+        <p:txBody>
+          <a:bodyPr/>
+          <a:lstStyle/>
+          <a:p>
+            <a:fld id="{90132194-335A-3D4F-8716-B190D535ED38}" type="slidenum">
+              <a:rPr lang="en-US" smtClean="0"/>
+              <a:pPr/>
+              <a:t>1</a:t>
+            </a:fld>
+            <a:endParaRPr lang="en-US" dirty="0"/>
+          </a:p>
+        </p:txBody>
+      </p:sp>
+      <p:sp>
+        <p:nvSpPr>
+          <p:cNvPr id="6" name="Footer Placeholder 5">
+            <a:extLst>
+              <a:ext uri="{FF2B5EF4-FFF2-40B4-BE49-F238E27FC236}">
+                <a16:creationId xmlns:a16="http://schemas.microsoft.com/office/drawing/2014/main" id="{1D9AA175-D9FB-CB76-57C2-5097F2A6DD68}"/>
+              </a:ext>
+            </a:extLst>
+          </p:cNvPr>
+          <p:cNvSpPr>
+            <a:spLocks noGrp="1"/>
+          </p:cNvSpPr>
+          <p:nvPr>
+            <p:ph type="ftr" sz="quarter" idx="11"/>
+          </p:nvPr>
+        </p:nvSpPr>
+        <p:spPr/>
+        <p:txBody>
+          <a:bodyPr/>
+          <a:lstStyle/>
+          <a:p>
+            <a:r>
+              <a:rPr lang="en-US"/>
+              <a:t>Causal inference crash course - hsujulia</a:t>
+            </a:r>
+          </a:p>
+        </p:txBody>
+      </p:sp>
+    </p:spTree>
+    <p:extLst>
+      <p:ext uri="{BB962C8B-B14F-4D97-AF65-F5344CB8AC3E}">
+        <p14:creationId xmlns:p14="http://schemas.microsoft.com/office/powerpoint/2010/main" val="2542964179"/>
+      </p:ext>
+    </p:extLst>
+  </p:cSld>
+  <p:clrMapOvr>
+    <a:masterClrMapping/>
+  </p:clrMapOvr>
+</p:sld>
+</file>
+
+<file path=ppt/slides/slide20.xml><?xml version="1.0" encoding="utf-8"?>
+<p:sld xmlns:a="http://schemas.openxmlformats.org/drawingml/2006/main" xmlns:r="http://schemas.openxmlformats.org/officeDocument/2006/relationships" xmlns:p="http://schemas.openxmlformats.org/presentationml/2006/main">
+  <p:cSld>
+    <p:spTree>
+      <p:nvGrpSpPr>
+        <p:cNvPr id="1" name=""/>
+        <p:cNvGrpSpPr/>
+        <p:nvPr/>
+      </p:nvGrpSpPr>
+      <p:grpSpPr>
+        <a:xfrm>
+          <a:off x="0" y="0"/>
+          <a:ext cx="0" cy="0"/>
+          <a:chOff x="0" y="0"/>
+          <a:chExt cx="0" cy="0"/>
+        </a:xfrm>
+      </p:grpSpPr>
+      <p:sp>
+        <p:nvSpPr>
           <p:cNvPr id="6" name="Title 5">
             <a:extLst>
               <a:ext uri="{FF2B5EF4-FFF2-40B4-BE49-F238E27FC236}">
@@ -12742,7 +11299,7 @@
           <a:p>
             <a:fld id="{747C3DC3-9B3F-7F44-ADCE-5AEE1C23E1F0}" type="slidenum">
               <a:rPr lang="en-US" smtClean="0"/>
-              <a:t>23</a:t>
+              <a:t>19</a:t>
             </a:fld>
             <a:endParaRPr lang="en-US"/>
           </a:p>
@@ -12761,7 +11318,7 @@
 </p:sld>
 </file>
 
-<file path=ppt/slides/slide25.xml><?xml version="1.0" encoding="utf-8"?>
+<file path=ppt/slides/slide21.xml><?xml version="1.0" encoding="utf-8"?>
 <p:sld xmlns:a="http://schemas.openxmlformats.org/drawingml/2006/main" xmlns:r="http://schemas.openxmlformats.org/officeDocument/2006/relationships" xmlns:p="http://schemas.openxmlformats.org/presentationml/2006/main">
   <p:cSld>
     <p:spTree>
@@ -13214,7 +11771,7 @@
           <a:p>
             <a:fld id="{747C3DC3-9B3F-7F44-ADCE-5AEE1C23E1F0}" type="slidenum">
               <a:rPr lang="en-US" smtClean="0"/>
-              <a:t>24</a:t>
+              <a:t>20</a:t>
             </a:fld>
             <a:endParaRPr lang="en-US"/>
           </a:p>
@@ -13233,7 +11790,7 @@
 </p:sld>
 </file>
 
-<file path=ppt/slides/slide26.xml><?xml version="1.0" encoding="utf-8"?>
+<file path=ppt/slides/slide22.xml><?xml version="1.0" encoding="utf-8"?>
 <p:sld xmlns:a="http://schemas.openxmlformats.org/drawingml/2006/main" xmlns:r="http://schemas.openxmlformats.org/officeDocument/2006/relationships" xmlns:p="http://schemas.openxmlformats.org/presentationml/2006/main">
   <p:cSld>
     <p:spTree>
@@ -13484,7 +12041,7 @@
           <a:p>
             <a:fld id="{747C3DC3-9B3F-7F44-ADCE-5AEE1C23E1F0}" type="slidenum">
               <a:rPr lang="en-US" smtClean="0"/>
-              <a:t>25</a:t>
+              <a:t>21</a:t>
             </a:fld>
             <a:endParaRPr lang="en-US"/>
           </a:p>
@@ -13598,7 +12155,7 @@
 </p:sld>
 </file>
 
-<file path=ppt/slides/slide27.xml><?xml version="1.0" encoding="utf-8"?>
+<file path=ppt/slides/slide23.xml><?xml version="1.0" encoding="utf-8"?>
 <p:sld xmlns:a="http://schemas.openxmlformats.org/drawingml/2006/main" xmlns:r="http://schemas.openxmlformats.org/officeDocument/2006/relationships" xmlns:p="http://schemas.openxmlformats.org/presentationml/2006/main">
   <p:cSld>
     <p:spTree>
@@ -14266,7 +12823,7 @@
           <a:p>
             <a:fld id="{747C3DC3-9B3F-7F44-ADCE-5AEE1C23E1F0}" type="slidenum">
               <a:rPr lang="en-US" smtClean="0"/>
-              <a:t>26</a:t>
+              <a:t>22</a:t>
             </a:fld>
             <a:endParaRPr lang="en-US"/>
           </a:p>
@@ -14285,7 +12842,7 @@
 </p:sld>
 </file>
 
-<file path=ppt/slides/slide28.xml><?xml version="1.0" encoding="utf-8"?>
+<file path=ppt/slides/slide24.xml><?xml version="1.0" encoding="utf-8"?>
 <p:sld xmlns:a="http://schemas.openxmlformats.org/drawingml/2006/main" xmlns:r="http://schemas.openxmlformats.org/officeDocument/2006/relationships" xmlns:p="http://schemas.openxmlformats.org/presentationml/2006/main">
   <p:cSld>
     <p:spTree>
@@ -14751,7 +13308,7 @@
           <a:p>
             <a:fld id="{747C3DC3-9B3F-7F44-ADCE-5AEE1C23E1F0}" type="slidenum">
               <a:rPr lang="en-US" smtClean="0"/>
-              <a:t>27</a:t>
+              <a:t>23</a:t>
             </a:fld>
             <a:endParaRPr lang="en-US"/>
           </a:p>
@@ -14770,7 +13327,7 @@
 </p:sld>
 </file>
 
-<file path=ppt/slides/slide29.xml><?xml version="1.0" encoding="utf-8"?>
+<file path=ppt/slides/slide25.xml><?xml version="1.0" encoding="utf-8"?>
 <p:sld xmlns:a="http://schemas.openxmlformats.org/drawingml/2006/main" xmlns:r="http://schemas.openxmlformats.org/officeDocument/2006/relationships" xmlns:p="http://schemas.openxmlformats.org/presentationml/2006/main">
   <p:cSld>
     <p:spTree>
@@ -15570,7 +14127,7 @@
           <a:p>
             <a:fld id="{747C3DC3-9B3F-7F44-ADCE-5AEE1C23E1F0}" type="slidenum">
               <a:rPr lang="en-US" smtClean="0"/>
-              <a:t>28</a:t>
+              <a:t>24</a:t>
             </a:fld>
             <a:endParaRPr lang="en-US"/>
           </a:p>
@@ -15589,7 +14146,7 @@
 </p:sld>
 </file>
 
-<file path=ppt/slides/slide3.xml><?xml version="1.0" encoding="utf-8"?>
+<file path=ppt/slides/slide26.xml><?xml version="1.0" encoding="utf-8"?>
 <p:sld xmlns:a="http://schemas.openxmlformats.org/drawingml/2006/main" xmlns:r="http://schemas.openxmlformats.org/officeDocument/2006/relationships" xmlns:p="http://schemas.openxmlformats.org/presentationml/2006/main">
   <p:cSld>
     <p:spTree>
@@ -15611,188 +14168,6 @@
           <p:cNvPr id="2" name="Title 1">
             <a:extLst>
               <a:ext uri="{FF2B5EF4-FFF2-40B4-BE49-F238E27FC236}">
-                <a16:creationId xmlns:a16="http://schemas.microsoft.com/office/drawing/2014/main" id="{C5B4ADFC-4F5D-D637-7BFC-595761C70A0D}"/>
-              </a:ext>
-            </a:extLst>
-          </p:cNvPr>
-          <p:cNvSpPr>
-            <a:spLocks noGrp="1"/>
-          </p:cNvSpPr>
-          <p:nvPr>
-            <p:ph type="title"/>
-          </p:nvPr>
-        </p:nvSpPr>
-        <p:spPr/>
-        <p:txBody>
-          <a:bodyPr/>
-          <a:lstStyle/>
-          <a:p>
-            <a:r>
-              <a:rPr lang="en-US" dirty="0"/>
-              <a:t>Overview</a:t>
-            </a:r>
-          </a:p>
-        </p:txBody>
-      </p:sp>
-      <p:sp>
-        <p:nvSpPr>
-          <p:cNvPr id="3" name="Content Placeholder 2">
-            <a:extLst>
-              <a:ext uri="{FF2B5EF4-FFF2-40B4-BE49-F238E27FC236}">
-                <a16:creationId xmlns:a16="http://schemas.microsoft.com/office/drawing/2014/main" id="{A563A7DE-C60E-801D-720C-A9855954F6D7}"/>
-              </a:ext>
-            </a:extLst>
-          </p:cNvPr>
-          <p:cNvSpPr>
-            <a:spLocks noGrp="1"/>
-          </p:cNvSpPr>
-          <p:nvPr>
-            <p:ph idx="1"/>
-          </p:nvPr>
-        </p:nvSpPr>
-        <p:spPr/>
-        <p:txBody>
-          <a:bodyPr/>
-          <a:lstStyle/>
-          <a:p>
-            <a:r>
-              <a:rPr lang="en-US" dirty="0"/>
-              <a:t>Since panel models are relatively more straight-forward to test such as testing pre-treatment time parallel trends, this presentation focuses on arguable validation for cross-sectional models.</a:t>
-            </a:r>
-          </a:p>
-          <a:p>
-            <a:r>
-              <a:rPr lang="en-US" dirty="0"/>
-              <a:t>We will also focus on standard propensity-based models, excluding approaches such as instrumental variable and regression discontinuity.</a:t>
-            </a:r>
-          </a:p>
-          <a:p>
-            <a:r>
-              <a:rPr lang="en-US" dirty="0"/>
-              <a:t>We will cover some strategies:</a:t>
-            </a:r>
-          </a:p>
-          <a:p>
-            <a:pPr lvl="1"/>
-            <a:r>
-              <a:rPr lang="en-US" dirty="0"/>
-              <a:t>Placebo tests</a:t>
-            </a:r>
-          </a:p>
-          <a:p>
-            <a:pPr lvl="1"/>
-            <a:r>
-              <a:rPr lang="en-US" dirty="0"/>
-              <a:t>Coefficient stability following Oster (2019)</a:t>
-            </a:r>
-          </a:p>
-          <a:p>
-            <a:pPr lvl="1"/>
-            <a:r>
-              <a:rPr lang="en-US" dirty="0"/>
-              <a:t>Feature balancing</a:t>
-            </a:r>
-          </a:p>
-          <a:p>
-            <a:endParaRPr lang="en-US" dirty="0"/>
-          </a:p>
-          <a:p>
-            <a:endParaRPr lang="en-US" dirty="0"/>
-          </a:p>
-        </p:txBody>
-      </p:sp>
-      <p:sp>
-        <p:nvSpPr>
-          <p:cNvPr id="4" name="Footer Placeholder 3">
-            <a:extLst>
-              <a:ext uri="{FF2B5EF4-FFF2-40B4-BE49-F238E27FC236}">
-                <a16:creationId xmlns:a16="http://schemas.microsoft.com/office/drawing/2014/main" id="{924A881F-3251-CBE7-2F9A-D678DF599BE1}"/>
-              </a:ext>
-            </a:extLst>
-          </p:cNvPr>
-          <p:cNvSpPr>
-            <a:spLocks noGrp="1"/>
-          </p:cNvSpPr>
-          <p:nvPr>
-            <p:ph type="ftr" sz="quarter" idx="11"/>
-          </p:nvPr>
-        </p:nvSpPr>
-        <p:spPr/>
-        <p:txBody>
-          <a:bodyPr/>
-          <a:lstStyle/>
-          <a:p>
-            <a:r>
-              <a:rPr lang="en-US"/>
-              <a:t>Causal inference crash course - hsujulia</a:t>
-            </a:r>
-          </a:p>
-        </p:txBody>
-      </p:sp>
-      <p:sp>
-        <p:nvSpPr>
-          <p:cNvPr id="5" name="Slide Number Placeholder 4">
-            <a:extLst>
-              <a:ext uri="{FF2B5EF4-FFF2-40B4-BE49-F238E27FC236}">
-                <a16:creationId xmlns:a16="http://schemas.microsoft.com/office/drawing/2014/main" id="{1DC987BF-E9A6-0048-98C2-7B657C4C02CE}"/>
-              </a:ext>
-            </a:extLst>
-          </p:cNvPr>
-          <p:cNvSpPr>
-            <a:spLocks noGrp="1"/>
-          </p:cNvSpPr>
-          <p:nvPr>
-            <p:ph type="sldNum" sz="quarter" idx="12"/>
-          </p:nvPr>
-        </p:nvSpPr>
-        <p:spPr/>
-        <p:txBody>
-          <a:bodyPr/>
-          <a:lstStyle/>
-          <a:p>
-            <a:fld id="{747C3DC3-9B3F-7F44-ADCE-5AEE1C23E1F0}" type="slidenum">
-              <a:rPr lang="en-US" smtClean="0"/>
-              <a:t>2</a:t>
-            </a:fld>
-            <a:endParaRPr lang="en-US"/>
-          </a:p>
-        </p:txBody>
-      </p:sp>
-    </p:spTree>
-    <p:extLst>
-      <p:ext uri="{BB962C8B-B14F-4D97-AF65-F5344CB8AC3E}">
-        <p14:creationId xmlns:p14="http://schemas.microsoft.com/office/powerpoint/2010/main" val="590935061"/>
-      </p:ext>
-    </p:extLst>
-  </p:cSld>
-  <p:clrMapOvr>
-    <a:masterClrMapping/>
-  </p:clrMapOvr>
-</p:sld>
-</file>
-
-<file path=ppt/slides/slide30.xml><?xml version="1.0" encoding="utf-8"?>
-<p:sld xmlns:a="http://schemas.openxmlformats.org/drawingml/2006/main" xmlns:r="http://schemas.openxmlformats.org/officeDocument/2006/relationships" xmlns:p="http://schemas.openxmlformats.org/presentationml/2006/main">
-  <p:cSld>
-    <p:spTree>
-      <p:nvGrpSpPr>
-        <p:cNvPr id="1" name=""/>
-        <p:cNvGrpSpPr/>
-        <p:nvPr/>
-      </p:nvGrpSpPr>
-      <p:grpSpPr>
-        <a:xfrm>
-          <a:off x="0" y="0"/>
-          <a:ext cx="0" cy="0"/>
-          <a:chOff x="0" y="0"/>
-          <a:chExt cx="0" cy="0"/>
-        </a:xfrm>
-      </p:grpSpPr>
-      <p:sp>
-        <p:nvSpPr>
-          <p:cNvPr id="2" name="Title 1">
-            <a:extLst>
-              <a:ext uri="{FF2B5EF4-FFF2-40B4-BE49-F238E27FC236}">
                 <a16:creationId xmlns:a16="http://schemas.microsoft.com/office/drawing/2014/main" id="{1EE509F5-5DAE-DA4A-1E38-76C8A53E10D2}"/>
               </a:ext>
             </a:extLst>
@@ -15930,7 +14305,7 @@
           <a:p>
             <a:fld id="{747C3DC3-9B3F-7F44-ADCE-5AEE1C23E1F0}" type="slidenum">
               <a:rPr lang="en-US" smtClean="0"/>
-              <a:t>29</a:t>
+              <a:t>25</a:t>
             </a:fld>
             <a:endParaRPr lang="en-US"/>
           </a:p>
@@ -16043,7 +14418,7 @@
 </p:sld>
 </file>
 
-<file path=ppt/slides/slide31.xml><?xml version="1.0" encoding="utf-8"?>
+<file path=ppt/slides/slide27.xml><?xml version="1.0" encoding="utf-8"?>
 <p:sld xmlns:a="http://schemas.openxmlformats.org/drawingml/2006/main" xmlns:r="http://schemas.openxmlformats.org/officeDocument/2006/relationships" xmlns:p="http://schemas.openxmlformats.org/presentationml/2006/main">
   <p:cSld>
     <p:spTree>
@@ -16442,7 +14817,7 @@
           <a:p>
             <a:fld id="{747C3DC3-9B3F-7F44-ADCE-5AEE1C23E1F0}" type="slidenum">
               <a:rPr lang="en-US" smtClean="0"/>
-              <a:t>30</a:t>
+              <a:t>26</a:t>
             </a:fld>
             <a:endParaRPr lang="en-US"/>
           </a:p>
@@ -16487,6 +14862,1054 @@
     <p:extLst>
       <p:ext uri="{BB962C8B-B14F-4D97-AF65-F5344CB8AC3E}">
         <p14:creationId xmlns:p14="http://schemas.microsoft.com/office/powerpoint/2010/main" val="2905471545"/>
+      </p:ext>
+    </p:extLst>
+  </p:cSld>
+  <p:clrMapOvr>
+    <a:masterClrMapping/>
+  </p:clrMapOvr>
+</p:sld>
+</file>
+
+<file path=ppt/slides/slide28.xml><?xml version="1.0" encoding="utf-8"?>
+<p:sld xmlns:a="http://schemas.openxmlformats.org/drawingml/2006/main" xmlns:r="http://schemas.openxmlformats.org/officeDocument/2006/relationships" xmlns:p="http://schemas.openxmlformats.org/presentationml/2006/main">
+  <p:cSld>
+    <p:spTree>
+      <p:nvGrpSpPr>
+        <p:cNvPr id="1" name=""/>
+        <p:cNvGrpSpPr/>
+        <p:nvPr/>
+      </p:nvGrpSpPr>
+      <p:grpSpPr>
+        <a:xfrm>
+          <a:off x="0" y="0"/>
+          <a:ext cx="0" cy="0"/>
+          <a:chOff x="0" y="0"/>
+          <a:chExt cx="0" cy="0"/>
+        </a:xfrm>
+      </p:grpSpPr>
+      <p:sp>
+        <p:nvSpPr>
+          <p:cNvPr id="2" name="Title 1">
+            <a:extLst>
+              <a:ext uri="{FF2B5EF4-FFF2-40B4-BE49-F238E27FC236}">
+                <a16:creationId xmlns:a16="http://schemas.microsoft.com/office/drawing/2014/main" id="{F1821B62-5F2B-0042-B4D1-0A616B9A2397}"/>
+              </a:ext>
+            </a:extLst>
+          </p:cNvPr>
+          <p:cNvSpPr>
+            <a:spLocks noGrp="1"/>
+          </p:cNvSpPr>
+          <p:nvPr>
+            <p:ph type="title"/>
+          </p:nvPr>
+        </p:nvSpPr>
+        <p:spPr/>
+        <p:txBody>
+          <a:bodyPr/>
+          <a:lstStyle/>
+          <a:p>
+            <a:r>
+              <a:rPr lang="en-US" dirty="0"/>
+              <a:t>Causal Inference Series</a:t>
+            </a:r>
+          </a:p>
+        </p:txBody>
+      </p:sp>
+      <p:sp>
+        <p:nvSpPr>
+          <p:cNvPr id="3" name="Content Placeholder 2">
+            <a:extLst>
+              <a:ext uri="{FF2B5EF4-FFF2-40B4-BE49-F238E27FC236}">
+                <a16:creationId xmlns:a16="http://schemas.microsoft.com/office/drawing/2014/main" id="{70C15C76-6BD6-0F41-AB0A-743D563189AD}"/>
+              </a:ext>
+            </a:extLst>
+          </p:cNvPr>
+          <p:cNvSpPr>
+            <a:spLocks noGrp="1"/>
+          </p:cNvSpPr>
+          <p:nvPr>
+            <p:ph idx="1"/>
+          </p:nvPr>
+        </p:nvSpPr>
+        <p:spPr/>
+        <p:txBody>
+          <a:bodyPr>
+            <a:normAutofit/>
+          </a:bodyPr>
+          <a:lstStyle/>
+          <a:p>
+            <a:pPr marL="514350" indent="-514350">
+              <a:buFont typeface="+mj-lt"/>
+              <a:buAutoNum type="arabicParenR"/>
+            </a:pPr>
+            <a:r>
+              <a:rPr lang="en-US" dirty="0"/>
+              <a:t>Foundations</a:t>
+            </a:r>
+          </a:p>
+          <a:p>
+            <a:pPr marL="514350" indent="-514350">
+              <a:buFont typeface="+mj-lt"/>
+              <a:buAutoNum type="arabicParenR"/>
+            </a:pPr>
+            <a:r>
+              <a:rPr lang="en-US" dirty="0"/>
+              <a:t>Defining Some Causal Models</a:t>
+            </a:r>
+          </a:p>
+          <a:p>
+            <a:pPr marL="514350" indent="-514350">
+              <a:buFont typeface="+mj-lt"/>
+              <a:buAutoNum type="arabicParenR"/>
+            </a:pPr>
+            <a:r>
+              <a:rPr lang="en-US" b="1" dirty="0">
+                <a:solidFill>
+                  <a:schemeClr val="accent6"/>
+                </a:solidFill>
+              </a:rPr>
+              <a:t>Arguable Validation</a:t>
+            </a:r>
+          </a:p>
+          <a:p>
+            <a:pPr marL="514350" indent="-514350">
+              <a:buFont typeface="+mj-lt"/>
+              <a:buAutoNum type="arabicParenR"/>
+            </a:pPr>
+            <a:r>
+              <a:rPr lang="en-US" dirty="0"/>
+              <a:t>Inference, Asymptotic Theory, and Bootstrapping</a:t>
+            </a:r>
+          </a:p>
+          <a:p>
+            <a:pPr marL="514350" indent="-514350">
+              <a:buFont typeface="+mj-lt"/>
+              <a:buAutoNum type="arabicParenR"/>
+            </a:pPr>
+            <a:r>
+              <a:rPr lang="en-US" dirty="0"/>
+              <a:t>Best Practices: Outliers, Class Imbalance, and Feature Selection</a:t>
+            </a:r>
+          </a:p>
+          <a:p>
+            <a:pPr marL="514350" indent="-514350">
+              <a:buFont typeface="+mj-lt"/>
+              <a:buAutoNum type="arabicParenR"/>
+            </a:pPr>
+            <a:r>
+              <a:rPr lang="en-US" dirty="0"/>
+              <a:t>Heterogeneous Treatment Effect Models and Inference</a:t>
+            </a:r>
+          </a:p>
+          <a:p>
+            <a:pPr marL="514350" indent="-514350">
+              <a:buFont typeface="+mj-lt"/>
+              <a:buAutoNum type="arabicParenR"/>
+            </a:pPr>
+            <a:r>
+              <a:rPr lang="en-US" dirty="0"/>
+              <a:t>[</a:t>
+            </a:r>
+            <a:r>
+              <a:rPr lang="en-US" dirty="0" err="1"/>
+              <a:t>WiP</a:t>
+            </a:r>
+            <a:r>
+              <a:rPr lang="en-US" dirty="0"/>
+              <a:t>] Models for Panel Data</a:t>
+            </a:r>
+          </a:p>
+          <a:p>
+            <a:pPr marL="514350" indent="-514350">
+              <a:buFont typeface="+mj-lt"/>
+              <a:buAutoNum type="arabicParenR"/>
+            </a:pPr>
+            <a:r>
+              <a:rPr lang="en-US" dirty="0"/>
+              <a:t>[</a:t>
+            </a:r>
+            <a:r>
+              <a:rPr lang="en-US" dirty="0" err="1"/>
+              <a:t>WiP</a:t>
+            </a:r>
+            <a:r>
+              <a:rPr lang="en-US" dirty="0"/>
+              <a:t>] Regression Discontinuity Models</a:t>
+            </a:r>
+          </a:p>
+        </p:txBody>
+      </p:sp>
+      <p:sp>
+        <p:nvSpPr>
+          <p:cNvPr id="5" name="Slide Number Placeholder 4">
+            <a:extLst>
+              <a:ext uri="{FF2B5EF4-FFF2-40B4-BE49-F238E27FC236}">
+                <a16:creationId xmlns:a16="http://schemas.microsoft.com/office/drawing/2014/main" id="{3A7A08CB-04DB-58CB-96E3-D446C2920FB2}"/>
+              </a:ext>
+            </a:extLst>
+          </p:cNvPr>
+          <p:cNvSpPr>
+            <a:spLocks noGrp="1"/>
+          </p:cNvSpPr>
+          <p:nvPr>
+            <p:ph type="sldNum" sz="quarter" idx="12"/>
+          </p:nvPr>
+        </p:nvSpPr>
+        <p:spPr/>
+        <p:txBody>
+          <a:bodyPr/>
+          <a:lstStyle/>
+          <a:p>
+            <a:fld id="{90132194-335A-3D4F-8716-B190D535ED38}" type="slidenum">
+              <a:rPr lang="en-US" smtClean="0"/>
+              <a:pPr/>
+              <a:t>27</a:t>
+            </a:fld>
+            <a:endParaRPr lang="en-US" dirty="0"/>
+          </a:p>
+        </p:txBody>
+      </p:sp>
+      <p:sp>
+        <p:nvSpPr>
+          <p:cNvPr id="6" name="Footer Placeholder 5">
+            <a:extLst>
+              <a:ext uri="{FF2B5EF4-FFF2-40B4-BE49-F238E27FC236}">
+                <a16:creationId xmlns:a16="http://schemas.microsoft.com/office/drawing/2014/main" id="{1D9AA175-D9FB-CB76-57C2-5097F2A6DD68}"/>
+              </a:ext>
+            </a:extLst>
+          </p:cNvPr>
+          <p:cNvSpPr>
+            <a:spLocks noGrp="1"/>
+          </p:cNvSpPr>
+          <p:nvPr>
+            <p:ph type="ftr" sz="quarter" idx="11"/>
+          </p:nvPr>
+        </p:nvSpPr>
+        <p:spPr/>
+        <p:txBody>
+          <a:bodyPr/>
+          <a:lstStyle/>
+          <a:p>
+            <a:r>
+              <a:rPr lang="en-US"/>
+              <a:t>Causal inference crash course - hsujulia</a:t>
+            </a:r>
+          </a:p>
+        </p:txBody>
+      </p:sp>
+    </p:spTree>
+    <p:extLst>
+      <p:ext uri="{BB962C8B-B14F-4D97-AF65-F5344CB8AC3E}">
+        <p14:creationId xmlns:p14="http://schemas.microsoft.com/office/powerpoint/2010/main" val="1935299426"/>
+      </p:ext>
+    </p:extLst>
+  </p:cSld>
+  <p:clrMapOvr>
+    <a:masterClrMapping/>
+  </p:clrMapOvr>
+</p:sld>
+</file>
+
+<file path=ppt/slides/slide29.xml><?xml version="1.0" encoding="utf-8"?>
+<p:sld xmlns:a="http://schemas.openxmlformats.org/drawingml/2006/main" xmlns:r="http://schemas.openxmlformats.org/officeDocument/2006/relationships" xmlns:p="http://schemas.openxmlformats.org/presentationml/2006/main">
+  <p:cSld>
+    <p:spTree>
+      <p:nvGrpSpPr>
+        <p:cNvPr id="1" name=""/>
+        <p:cNvGrpSpPr/>
+        <p:nvPr/>
+      </p:nvGrpSpPr>
+      <p:grpSpPr>
+        <a:xfrm>
+          <a:off x="0" y="0"/>
+          <a:ext cx="0" cy="0"/>
+          <a:chOff x="0" y="0"/>
+          <a:chExt cx="0" cy="0"/>
+        </a:xfrm>
+      </p:grpSpPr>
+      <p:sp>
+        <p:nvSpPr>
+          <p:cNvPr id="2" name="Title 1">
+            <a:extLst>
+              <a:ext uri="{FF2B5EF4-FFF2-40B4-BE49-F238E27FC236}">
+                <a16:creationId xmlns:a16="http://schemas.microsoft.com/office/drawing/2014/main" id="{19FFE4A0-DC76-0D72-B373-FC73F53F7009}"/>
+              </a:ext>
+            </a:extLst>
+          </p:cNvPr>
+          <p:cNvSpPr>
+            <a:spLocks noGrp="1"/>
+          </p:cNvSpPr>
+          <p:nvPr>
+            <p:ph type="title"/>
+          </p:nvPr>
+        </p:nvSpPr>
+        <p:spPr/>
+        <p:txBody>
+          <a:bodyPr/>
+          <a:lstStyle/>
+          <a:p>
+            <a:r>
+              <a:rPr lang="en-US" dirty="0"/>
+              <a:t>Literature Review of Related Papers</a:t>
+            </a:r>
+          </a:p>
+        </p:txBody>
+      </p:sp>
+      <p:sp>
+        <p:nvSpPr>
+          <p:cNvPr id="3" name="Content Placeholder 2">
+            <a:extLst>
+              <a:ext uri="{FF2B5EF4-FFF2-40B4-BE49-F238E27FC236}">
+                <a16:creationId xmlns:a16="http://schemas.microsoft.com/office/drawing/2014/main" id="{D6E48420-E00C-D161-7D5A-306B6C03FD82}"/>
+              </a:ext>
+            </a:extLst>
+          </p:cNvPr>
+          <p:cNvSpPr>
+            <a:spLocks noGrp="1"/>
+          </p:cNvSpPr>
+          <p:nvPr>
+            <p:ph idx="1"/>
+          </p:nvPr>
+        </p:nvSpPr>
+        <p:spPr>
+          <a:xfrm>
+            <a:off x="838200" y="1258957"/>
+            <a:ext cx="10515600" cy="4918006"/>
+          </a:xfrm>
+        </p:spPr>
+        <p:txBody>
+          <a:bodyPr>
+            <a:normAutofit fontScale="92500" lnSpcReduction="20000"/>
+          </a:bodyPr>
+          <a:lstStyle/>
+          <a:p>
+            <a:r>
+              <a:rPr lang="en-US" dirty="0"/>
+              <a:t>Placebo Tests</a:t>
+            </a:r>
+          </a:p>
+          <a:p>
+            <a:pPr lvl="1"/>
+            <a:r>
+              <a:rPr lang="en-US" dirty="0" err="1"/>
+              <a:t>Imbens</a:t>
+            </a:r>
+            <a:r>
+              <a:rPr lang="en-US" dirty="0"/>
+              <a:t>, Wooldridge. (2009). “Recent Developments in the Econometrics of Program Evaluation.”</a:t>
+            </a:r>
+            <a:r>
+              <a:rPr lang="en-US" dirty="0">
+                <a:hlinkClick r:id="rId3"/>
+              </a:rPr>
+              <a:t>Iink</a:t>
+            </a:r>
+            <a:endParaRPr lang="en-US" dirty="0"/>
+          </a:p>
+          <a:p>
+            <a:pPr lvl="1"/>
+            <a:r>
+              <a:rPr lang="en-US" dirty="0" err="1"/>
+              <a:t>Imbens</a:t>
+            </a:r>
+            <a:r>
+              <a:rPr lang="en-US" dirty="0"/>
+              <a:t>. (2003). “Matching Methods in Practice: Three Examples.” </a:t>
+            </a:r>
+            <a:r>
+              <a:rPr lang="en-US" dirty="0">
+                <a:hlinkClick r:id="rId4"/>
+              </a:rPr>
+              <a:t>link</a:t>
+            </a:r>
+            <a:endParaRPr lang="en-US" dirty="0"/>
+          </a:p>
+          <a:p>
+            <a:r>
+              <a:rPr lang="en-US" dirty="0"/>
+              <a:t>Coefficient Stability</a:t>
+            </a:r>
+          </a:p>
+          <a:p>
+            <a:pPr lvl="1"/>
+            <a:r>
+              <a:rPr lang="en-US" dirty="0"/>
+              <a:t>Oster. (2019). “Unobservable Selection and Coefficient Stability: Theory and Evidence.” </a:t>
+            </a:r>
+            <a:r>
+              <a:rPr lang="en-US" dirty="0">
+                <a:hlinkClick r:id="rId5"/>
+              </a:rPr>
+              <a:t>link</a:t>
+            </a:r>
+            <a:r>
+              <a:rPr lang="en-US" dirty="0"/>
+              <a:t>;</a:t>
+            </a:r>
+          </a:p>
+          <a:p>
+            <a:pPr lvl="1"/>
+            <a:r>
+              <a:rPr lang="en-US" dirty="0" err="1"/>
+              <a:t>Imbens</a:t>
+            </a:r>
+            <a:r>
+              <a:rPr lang="en-US" dirty="0"/>
+              <a:t>. (2003). “Sensitivity to Exogeneity Assumptions in Program Evaluation.” </a:t>
+            </a:r>
+            <a:r>
+              <a:rPr lang="en-US" dirty="0">
+                <a:hlinkClick r:id="rId6"/>
+              </a:rPr>
+              <a:t>link</a:t>
+            </a:r>
+            <a:endParaRPr lang="en-US" dirty="0"/>
+          </a:p>
+          <a:p>
+            <a:r>
+              <a:rPr lang="en-US" dirty="0"/>
+              <a:t>Feature Balancing</a:t>
+            </a:r>
+          </a:p>
+          <a:p>
+            <a:pPr lvl="1"/>
+            <a:r>
+              <a:rPr lang="en-US" dirty="0"/>
+              <a:t>Imai, </a:t>
+            </a:r>
+            <a:r>
+              <a:rPr lang="en-US" dirty="0" err="1"/>
+              <a:t>Ratkovic</a:t>
+            </a:r>
+            <a:r>
+              <a:rPr lang="en-US" dirty="0"/>
+              <a:t>. (2014). “Covariate balancing propensity score.” </a:t>
+            </a:r>
+            <a:r>
+              <a:rPr lang="en-US" dirty="0">
+                <a:hlinkClick r:id="rId7"/>
+              </a:rPr>
+              <a:t>link</a:t>
+            </a:r>
+            <a:endParaRPr lang="en-US" dirty="0"/>
+          </a:p>
+          <a:p>
+            <a:pPr lvl="1"/>
+            <a:r>
+              <a:rPr lang="en-US" dirty="0" err="1"/>
+              <a:t>Sant’Anna</a:t>
+            </a:r>
+            <a:r>
+              <a:rPr lang="en-US" dirty="0"/>
+              <a:t>, Song, Xu. (2018). “Covariate Distribution Balance via Propensity Scores.” </a:t>
+            </a:r>
+            <a:r>
+              <a:rPr lang="en-US" dirty="0">
+                <a:hlinkClick r:id="rId8"/>
+              </a:rPr>
+              <a:t>link</a:t>
+            </a:r>
+            <a:endParaRPr lang="en-US" dirty="0"/>
+          </a:p>
+          <a:p>
+            <a:pPr lvl="1"/>
+            <a:r>
+              <a:rPr lang="en-US" dirty="0" err="1"/>
+              <a:t>Athey</a:t>
+            </a:r>
+            <a:r>
+              <a:rPr lang="en-US" dirty="0"/>
+              <a:t>, </a:t>
+            </a:r>
+            <a:r>
+              <a:rPr lang="en-US" dirty="0" err="1"/>
+              <a:t>Imbens</a:t>
+            </a:r>
+            <a:r>
+              <a:rPr lang="en-US" dirty="0"/>
+              <a:t>, Wager. (2016). “Approximate Residual Balancing: De-Biased Inference of Average Treatment Effects in High Dimensions.” </a:t>
+            </a:r>
+            <a:r>
+              <a:rPr lang="en-US" dirty="0">
+                <a:hlinkClick r:id="rId9"/>
+              </a:rPr>
+              <a:t>link</a:t>
+            </a:r>
+            <a:endParaRPr lang="en-US" dirty="0"/>
+          </a:p>
+          <a:p>
+            <a:pPr lvl="1"/>
+            <a:r>
+              <a:rPr lang="en-US" dirty="0"/>
+              <a:t>Ben-</a:t>
+            </a:r>
+            <a:r>
+              <a:rPr lang="en-US" dirty="0" err="1"/>
+              <a:t>Miachel</a:t>
+            </a:r>
+            <a:r>
+              <a:rPr lang="en-US" dirty="0"/>
+              <a:t>, Feller, Hirschberg, </a:t>
+            </a:r>
+            <a:r>
+              <a:rPr lang="en-US" dirty="0" err="1"/>
+              <a:t>Zubizaretta</a:t>
+            </a:r>
+            <a:r>
+              <a:rPr lang="en-US" dirty="0"/>
+              <a:t>. (</a:t>
+            </a:r>
+            <a:r>
+              <a:rPr lang="en-US"/>
+              <a:t>2021).” The Balancing Act in Causal Inference.” </a:t>
+            </a:r>
+            <a:r>
+              <a:rPr lang="en-US" dirty="0">
+                <a:hlinkClick r:id="rId10"/>
+              </a:rPr>
+              <a:t>link</a:t>
+            </a:r>
+            <a:endParaRPr lang="en-US" dirty="0"/>
+          </a:p>
+          <a:p>
+            <a:endParaRPr lang="en-US" dirty="0"/>
+          </a:p>
+        </p:txBody>
+      </p:sp>
+      <p:sp>
+        <p:nvSpPr>
+          <p:cNvPr id="4" name="Footer Placeholder 3">
+            <a:extLst>
+              <a:ext uri="{FF2B5EF4-FFF2-40B4-BE49-F238E27FC236}">
+                <a16:creationId xmlns:a16="http://schemas.microsoft.com/office/drawing/2014/main" id="{B0865232-864C-CB21-4B32-6FE362E1CE80}"/>
+              </a:ext>
+            </a:extLst>
+          </p:cNvPr>
+          <p:cNvSpPr>
+            <a:spLocks noGrp="1"/>
+          </p:cNvSpPr>
+          <p:nvPr>
+            <p:ph type="ftr" sz="quarter" idx="11"/>
+          </p:nvPr>
+        </p:nvSpPr>
+        <p:spPr/>
+        <p:txBody>
+          <a:bodyPr/>
+          <a:lstStyle/>
+          <a:p>
+            <a:r>
+              <a:rPr lang="en-US"/>
+              <a:t>Causal inference crash course - hsujulia</a:t>
+            </a:r>
+          </a:p>
+        </p:txBody>
+      </p:sp>
+      <p:sp>
+        <p:nvSpPr>
+          <p:cNvPr id="5" name="Slide Number Placeholder 4">
+            <a:extLst>
+              <a:ext uri="{FF2B5EF4-FFF2-40B4-BE49-F238E27FC236}">
+                <a16:creationId xmlns:a16="http://schemas.microsoft.com/office/drawing/2014/main" id="{0B236E7E-2FF6-2EF5-6791-BC0ECD1411D4}"/>
+              </a:ext>
+            </a:extLst>
+          </p:cNvPr>
+          <p:cNvSpPr>
+            <a:spLocks noGrp="1"/>
+          </p:cNvSpPr>
+          <p:nvPr>
+            <p:ph type="sldNum" sz="quarter" idx="12"/>
+          </p:nvPr>
+        </p:nvSpPr>
+        <p:spPr/>
+        <p:txBody>
+          <a:bodyPr/>
+          <a:lstStyle/>
+          <a:p>
+            <a:fld id="{747C3DC3-9B3F-7F44-ADCE-5AEE1C23E1F0}" type="slidenum">
+              <a:rPr lang="en-US" smtClean="0"/>
+              <a:t>28</a:t>
+            </a:fld>
+            <a:endParaRPr lang="en-US"/>
+          </a:p>
+        </p:txBody>
+      </p:sp>
+    </p:spTree>
+    <p:extLst>
+      <p:ext uri="{BB962C8B-B14F-4D97-AF65-F5344CB8AC3E}">
+        <p14:creationId xmlns:p14="http://schemas.microsoft.com/office/powerpoint/2010/main" val="1292143414"/>
+      </p:ext>
+    </p:extLst>
+  </p:cSld>
+  <p:clrMapOvr>
+    <a:masterClrMapping/>
+  </p:clrMapOvr>
+</p:sld>
+</file>
+
+<file path=ppt/slides/slide3.xml><?xml version="1.0" encoding="utf-8"?>
+<p:sld xmlns:a="http://schemas.openxmlformats.org/drawingml/2006/main" xmlns:r="http://schemas.openxmlformats.org/officeDocument/2006/relationships" xmlns:p="http://schemas.openxmlformats.org/presentationml/2006/main">
+  <p:cSld>
+    <p:spTree>
+      <p:nvGrpSpPr>
+        <p:cNvPr id="1" name=""/>
+        <p:cNvGrpSpPr/>
+        <p:nvPr/>
+      </p:nvGrpSpPr>
+      <p:grpSpPr>
+        <a:xfrm>
+          <a:off x="0" y="0"/>
+          <a:ext cx="0" cy="0"/>
+          <a:chOff x="0" y="0"/>
+          <a:chExt cx="0" cy="0"/>
+        </a:xfrm>
+      </p:grpSpPr>
+      <p:sp>
+        <p:nvSpPr>
+          <p:cNvPr id="2" name="Title 1">
+            <a:extLst>
+              <a:ext uri="{FF2B5EF4-FFF2-40B4-BE49-F238E27FC236}">
+                <a16:creationId xmlns:a16="http://schemas.microsoft.com/office/drawing/2014/main" id="{C5B4ADFC-4F5D-D637-7BFC-595761C70A0D}"/>
+              </a:ext>
+            </a:extLst>
+          </p:cNvPr>
+          <p:cNvSpPr>
+            <a:spLocks noGrp="1"/>
+          </p:cNvSpPr>
+          <p:nvPr>
+            <p:ph type="title"/>
+          </p:nvPr>
+        </p:nvSpPr>
+        <p:spPr/>
+        <p:txBody>
+          <a:bodyPr/>
+          <a:lstStyle/>
+          <a:p>
+            <a:r>
+              <a:rPr lang="en-US" dirty="0"/>
+              <a:t>Overview</a:t>
+            </a:r>
+          </a:p>
+        </p:txBody>
+      </p:sp>
+      <p:sp>
+        <p:nvSpPr>
+          <p:cNvPr id="3" name="Content Placeholder 2">
+            <a:extLst>
+              <a:ext uri="{FF2B5EF4-FFF2-40B4-BE49-F238E27FC236}">
+                <a16:creationId xmlns:a16="http://schemas.microsoft.com/office/drawing/2014/main" id="{A563A7DE-C60E-801D-720C-A9855954F6D7}"/>
+              </a:ext>
+            </a:extLst>
+          </p:cNvPr>
+          <p:cNvSpPr>
+            <a:spLocks noGrp="1"/>
+          </p:cNvSpPr>
+          <p:nvPr>
+            <p:ph idx="1"/>
+          </p:nvPr>
+        </p:nvSpPr>
+        <p:spPr/>
+        <p:txBody>
+          <a:bodyPr/>
+          <a:lstStyle/>
+          <a:p>
+            <a:r>
+              <a:rPr lang="en-US" dirty="0"/>
+              <a:t>Since panel models are relatively more straight-forward to test such as testing pre-treatment time parallel trends, this presentation focuses on arguable validation for cross-sectional models.</a:t>
+            </a:r>
+          </a:p>
+          <a:p>
+            <a:r>
+              <a:rPr lang="en-US" dirty="0"/>
+              <a:t>We will also focus on standard propensity-based models, excluding approaches such as instrumental variable and regression discontinuity.</a:t>
+            </a:r>
+          </a:p>
+          <a:p>
+            <a:r>
+              <a:rPr lang="en-US" dirty="0"/>
+              <a:t>We will cover some strategies:</a:t>
+            </a:r>
+          </a:p>
+          <a:p>
+            <a:pPr lvl="1"/>
+            <a:r>
+              <a:rPr lang="en-US" dirty="0"/>
+              <a:t>Placebo tests</a:t>
+            </a:r>
+          </a:p>
+          <a:p>
+            <a:pPr lvl="1"/>
+            <a:r>
+              <a:rPr lang="en-US" dirty="0"/>
+              <a:t>Coefficient stability following Oster (2019)</a:t>
+            </a:r>
+          </a:p>
+          <a:p>
+            <a:pPr lvl="1"/>
+            <a:r>
+              <a:rPr lang="en-US" dirty="0"/>
+              <a:t>Feature balancing</a:t>
+            </a:r>
+          </a:p>
+          <a:p>
+            <a:endParaRPr lang="en-US" dirty="0"/>
+          </a:p>
+          <a:p>
+            <a:endParaRPr lang="en-US" dirty="0"/>
+          </a:p>
+        </p:txBody>
+      </p:sp>
+      <p:sp>
+        <p:nvSpPr>
+          <p:cNvPr id="4" name="Footer Placeholder 3">
+            <a:extLst>
+              <a:ext uri="{FF2B5EF4-FFF2-40B4-BE49-F238E27FC236}">
+                <a16:creationId xmlns:a16="http://schemas.microsoft.com/office/drawing/2014/main" id="{924A881F-3251-CBE7-2F9A-D678DF599BE1}"/>
+              </a:ext>
+            </a:extLst>
+          </p:cNvPr>
+          <p:cNvSpPr>
+            <a:spLocks noGrp="1"/>
+          </p:cNvSpPr>
+          <p:nvPr>
+            <p:ph type="ftr" sz="quarter" idx="11"/>
+          </p:nvPr>
+        </p:nvSpPr>
+        <p:spPr/>
+        <p:txBody>
+          <a:bodyPr/>
+          <a:lstStyle/>
+          <a:p>
+            <a:r>
+              <a:rPr lang="en-US"/>
+              <a:t>Causal inference crash course - hsujulia</a:t>
+            </a:r>
+          </a:p>
+        </p:txBody>
+      </p:sp>
+      <p:sp>
+        <p:nvSpPr>
+          <p:cNvPr id="5" name="Slide Number Placeholder 4">
+            <a:extLst>
+              <a:ext uri="{FF2B5EF4-FFF2-40B4-BE49-F238E27FC236}">
+                <a16:creationId xmlns:a16="http://schemas.microsoft.com/office/drawing/2014/main" id="{1DC987BF-E9A6-0048-98C2-7B657C4C02CE}"/>
+              </a:ext>
+            </a:extLst>
+          </p:cNvPr>
+          <p:cNvSpPr>
+            <a:spLocks noGrp="1"/>
+          </p:cNvSpPr>
+          <p:nvPr>
+            <p:ph type="sldNum" sz="quarter" idx="12"/>
+          </p:nvPr>
+        </p:nvSpPr>
+        <p:spPr/>
+        <p:txBody>
+          <a:bodyPr/>
+          <a:lstStyle/>
+          <a:p>
+            <a:fld id="{747C3DC3-9B3F-7F44-ADCE-5AEE1C23E1F0}" type="slidenum">
+              <a:rPr lang="en-US" smtClean="0"/>
+              <a:t>2</a:t>
+            </a:fld>
+            <a:endParaRPr lang="en-US"/>
+          </a:p>
+        </p:txBody>
+      </p:sp>
+    </p:spTree>
+    <p:extLst>
+      <p:ext uri="{BB962C8B-B14F-4D97-AF65-F5344CB8AC3E}">
+        <p14:creationId xmlns:p14="http://schemas.microsoft.com/office/powerpoint/2010/main" val="590935061"/>
+      </p:ext>
+    </p:extLst>
+  </p:cSld>
+  <p:clrMapOvr>
+    <a:masterClrMapping/>
+  </p:clrMapOvr>
+</p:sld>
+</file>
+
+<file path=ppt/slides/slide30.xml><?xml version="1.0" encoding="utf-8"?>
+<p:sld xmlns:a="http://schemas.openxmlformats.org/drawingml/2006/main" xmlns:r="http://schemas.openxmlformats.org/officeDocument/2006/relationships" xmlns:p="http://schemas.openxmlformats.org/presentationml/2006/main">
+  <p:cSld>
+    <p:spTree>
+      <p:nvGrpSpPr>
+        <p:cNvPr id="1" name=""/>
+        <p:cNvGrpSpPr/>
+        <p:nvPr/>
+      </p:nvGrpSpPr>
+      <p:grpSpPr>
+        <a:xfrm>
+          <a:off x="0" y="0"/>
+          <a:ext cx="0" cy="0"/>
+          <a:chOff x="0" y="0"/>
+          <a:chExt cx="0" cy="0"/>
+        </a:xfrm>
+      </p:grpSpPr>
+      <p:sp>
+        <p:nvSpPr>
+          <p:cNvPr id="6" name="Title 5">
+            <a:extLst>
+              <a:ext uri="{FF2B5EF4-FFF2-40B4-BE49-F238E27FC236}">
+                <a16:creationId xmlns:a16="http://schemas.microsoft.com/office/drawing/2014/main" id="{17F26398-321F-952E-6AA0-8A7D8DC4A080}"/>
+              </a:ext>
+            </a:extLst>
+          </p:cNvPr>
+          <p:cNvSpPr>
+            <a:spLocks noGrp="1"/>
+          </p:cNvSpPr>
+          <p:nvPr>
+            <p:ph type="title"/>
+          </p:nvPr>
+        </p:nvSpPr>
+        <p:spPr/>
+        <p:txBody>
+          <a:bodyPr/>
+          <a:lstStyle/>
+          <a:p>
+            <a:r>
+              <a:rPr lang="en-US" dirty="0"/>
+              <a:t>Appendix Slides</a:t>
+            </a:r>
+          </a:p>
+        </p:txBody>
+      </p:sp>
+      <p:sp>
+        <p:nvSpPr>
+          <p:cNvPr id="7" name="Text Placeholder 6">
+            <a:extLst>
+              <a:ext uri="{FF2B5EF4-FFF2-40B4-BE49-F238E27FC236}">
+                <a16:creationId xmlns:a16="http://schemas.microsoft.com/office/drawing/2014/main" id="{E6F6055C-030D-1A0C-B79D-D26DB0C6ACD2}"/>
+              </a:ext>
+            </a:extLst>
+          </p:cNvPr>
+          <p:cNvSpPr>
+            <a:spLocks noGrp="1"/>
+          </p:cNvSpPr>
+          <p:nvPr>
+            <p:ph type="body" idx="1"/>
+          </p:nvPr>
+        </p:nvSpPr>
+        <p:spPr/>
+        <p:txBody>
+          <a:bodyPr/>
+          <a:lstStyle/>
+          <a:p>
+            <a:endParaRPr lang="en-US"/>
+          </a:p>
+        </p:txBody>
+      </p:sp>
+      <p:sp>
+        <p:nvSpPr>
+          <p:cNvPr id="4" name="Footer Placeholder 3">
+            <a:extLst>
+              <a:ext uri="{FF2B5EF4-FFF2-40B4-BE49-F238E27FC236}">
+                <a16:creationId xmlns:a16="http://schemas.microsoft.com/office/drawing/2014/main" id="{D84E227F-76C5-9CBE-2C84-913D4C598C71}"/>
+              </a:ext>
+            </a:extLst>
+          </p:cNvPr>
+          <p:cNvSpPr>
+            <a:spLocks noGrp="1"/>
+          </p:cNvSpPr>
+          <p:nvPr>
+            <p:ph type="ftr" sz="quarter" idx="11"/>
+          </p:nvPr>
+        </p:nvSpPr>
+        <p:spPr/>
+        <p:txBody>
+          <a:bodyPr/>
+          <a:lstStyle/>
+          <a:p>
+            <a:r>
+              <a:rPr lang="en-US"/>
+              <a:t>Causal inference crash course - hsujulia</a:t>
+            </a:r>
+          </a:p>
+        </p:txBody>
+      </p:sp>
+      <p:sp>
+        <p:nvSpPr>
+          <p:cNvPr id="5" name="Slide Number Placeholder 4">
+            <a:extLst>
+              <a:ext uri="{FF2B5EF4-FFF2-40B4-BE49-F238E27FC236}">
+                <a16:creationId xmlns:a16="http://schemas.microsoft.com/office/drawing/2014/main" id="{1CE68CA7-3134-8E58-7030-D7112D1451A0}"/>
+              </a:ext>
+            </a:extLst>
+          </p:cNvPr>
+          <p:cNvSpPr>
+            <a:spLocks noGrp="1"/>
+          </p:cNvSpPr>
+          <p:nvPr>
+            <p:ph type="sldNum" sz="quarter" idx="12"/>
+          </p:nvPr>
+        </p:nvSpPr>
+        <p:spPr/>
+        <p:txBody>
+          <a:bodyPr/>
+          <a:lstStyle/>
+          <a:p>
+            <a:fld id="{747C3DC3-9B3F-7F44-ADCE-5AEE1C23E1F0}" type="slidenum">
+              <a:rPr lang="en-US" smtClean="0"/>
+              <a:t>29</a:t>
+            </a:fld>
+            <a:endParaRPr lang="en-US"/>
+          </a:p>
+        </p:txBody>
+      </p:sp>
+    </p:spTree>
+    <p:extLst>
+      <p:ext uri="{BB962C8B-B14F-4D97-AF65-F5344CB8AC3E}">
+        <p14:creationId xmlns:p14="http://schemas.microsoft.com/office/powerpoint/2010/main" val="2155000704"/>
+      </p:ext>
+    </p:extLst>
+  </p:cSld>
+  <p:clrMapOvr>
+    <a:masterClrMapping/>
+  </p:clrMapOvr>
+</p:sld>
+</file>
+
+<file path=ppt/slides/slide31.xml><?xml version="1.0" encoding="utf-8"?>
+<p:sld xmlns:a="http://schemas.openxmlformats.org/drawingml/2006/main" xmlns:r="http://schemas.openxmlformats.org/officeDocument/2006/relationships" xmlns:p="http://schemas.openxmlformats.org/presentationml/2006/main">
+  <p:cSld>
+    <p:spTree>
+      <p:nvGrpSpPr>
+        <p:cNvPr id="1" name=""/>
+        <p:cNvGrpSpPr/>
+        <p:nvPr/>
+      </p:nvGrpSpPr>
+      <p:grpSpPr>
+        <a:xfrm>
+          <a:off x="0" y="0"/>
+          <a:ext cx="0" cy="0"/>
+          <a:chOff x="0" y="0"/>
+          <a:chExt cx="0" cy="0"/>
+        </a:xfrm>
+      </p:grpSpPr>
+      <p:sp>
+        <p:nvSpPr>
+          <p:cNvPr id="9" name="Title 8">
+            <a:extLst>
+              <a:ext uri="{FF2B5EF4-FFF2-40B4-BE49-F238E27FC236}">
+                <a16:creationId xmlns:a16="http://schemas.microsoft.com/office/drawing/2014/main" id="{25105A09-6DCC-03CB-D4E6-255C5AE34BA4}"/>
+              </a:ext>
+            </a:extLst>
+          </p:cNvPr>
+          <p:cNvSpPr>
+            <a:spLocks noGrp="1"/>
+          </p:cNvSpPr>
+          <p:nvPr>
+            <p:ph type="title"/>
+          </p:nvPr>
+        </p:nvSpPr>
+        <p:spPr/>
+        <p:txBody>
+          <a:bodyPr/>
+          <a:lstStyle/>
+          <a:p>
+            <a:r>
+              <a:rPr lang="en-US" dirty="0"/>
+              <a:t>Conducting an experiment</a:t>
+            </a:r>
+            <a:endParaRPr lang="en-US" sz="1500" dirty="0"/>
+          </a:p>
+        </p:txBody>
+      </p:sp>
+      <p:sp>
+        <p:nvSpPr>
+          <p:cNvPr id="10" name="Text Placeholder 9">
+            <a:extLst>
+              <a:ext uri="{FF2B5EF4-FFF2-40B4-BE49-F238E27FC236}">
+                <a16:creationId xmlns:a16="http://schemas.microsoft.com/office/drawing/2014/main" id="{6826A398-75DF-C18A-A48A-769C71C8749B}"/>
+              </a:ext>
+            </a:extLst>
+          </p:cNvPr>
+          <p:cNvSpPr>
+            <a:spLocks noGrp="1"/>
+          </p:cNvSpPr>
+          <p:nvPr>
+            <p:ph type="body" idx="1"/>
+          </p:nvPr>
+        </p:nvSpPr>
+        <p:spPr/>
+        <p:txBody>
+          <a:bodyPr/>
+          <a:lstStyle/>
+          <a:p>
+            <a:r>
+              <a:rPr lang="en-US" dirty="0"/>
+              <a:t>The hard work is at the setup,</a:t>
+            </a:r>
+          </a:p>
+          <a:p>
+            <a:r>
+              <a:rPr lang="en-US" dirty="0"/>
+              <a:t>But you may not get you what you want</a:t>
+            </a:r>
+          </a:p>
+        </p:txBody>
+      </p:sp>
+      <p:sp>
+        <p:nvSpPr>
+          <p:cNvPr id="4" name="Footer Placeholder 3">
+            <a:extLst>
+              <a:ext uri="{FF2B5EF4-FFF2-40B4-BE49-F238E27FC236}">
+                <a16:creationId xmlns:a16="http://schemas.microsoft.com/office/drawing/2014/main" id="{9AFE0263-F207-78DB-34C7-83959C1CB085}"/>
+              </a:ext>
+            </a:extLst>
+          </p:cNvPr>
+          <p:cNvSpPr>
+            <a:spLocks noGrp="1"/>
+          </p:cNvSpPr>
+          <p:nvPr>
+            <p:ph type="ftr" sz="quarter" idx="11"/>
+          </p:nvPr>
+        </p:nvSpPr>
+        <p:spPr/>
+        <p:txBody>
+          <a:bodyPr/>
+          <a:lstStyle/>
+          <a:p>
+            <a:r>
+              <a:rPr lang="en-US"/>
+              <a:t>Causal inference crash course - hsujulia</a:t>
+            </a:r>
+          </a:p>
+        </p:txBody>
+      </p:sp>
+      <p:sp>
+        <p:nvSpPr>
+          <p:cNvPr id="5" name="Slide Number Placeholder 4">
+            <a:extLst>
+              <a:ext uri="{FF2B5EF4-FFF2-40B4-BE49-F238E27FC236}">
+                <a16:creationId xmlns:a16="http://schemas.microsoft.com/office/drawing/2014/main" id="{2C1AB4C5-65A2-2A1C-9407-A36359127810}"/>
+              </a:ext>
+            </a:extLst>
+          </p:cNvPr>
+          <p:cNvSpPr>
+            <a:spLocks noGrp="1"/>
+          </p:cNvSpPr>
+          <p:nvPr>
+            <p:ph type="sldNum" sz="quarter" idx="12"/>
+          </p:nvPr>
+        </p:nvSpPr>
+        <p:spPr/>
+        <p:txBody>
+          <a:bodyPr/>
+          <a:lstStyle/>
+          <a:p>
+            <a:fld id="{747C3DC3-9B3F-7F44-ADCE-5AEE1C23E1F0}" type="slidenum">
+              <a:rPr lang="en-US" smtClean="0"/>
+              <a:t>30</a:t>
+            </a:fld>
+            <a:endParaRPr lang="en-US"/>
+          </a:p>
+        </p:txBody>
+      </p:sp>
+    </p:spTree>
+    <p:extLst>
+      <p:ext uri="{BB962C8B-B14F-4D97-AF65-F5344CB8AC3E}">
+        <p14:creationId xmlns:p14="http://schemas.microsoft.com/office/powerpoint/2010/main" val="2794381314"/>
       </p:ext>
     </p:extLst>
   </p:cSld>
@@ -16518,7 +15941,7 @@
           <p:cNvPr id="2" name="Title 1">
             <a:extLst>
               <a:ext uri="{FF2B5EF4-FFF2-40B4-BE49-F238E27FC236}">
-                <a16:creationId xmlns:a16="http://schemas.microsoft.com/office/drawing/2014/main" id="{F1821B62-5F2B-0042-B4D1-0A616B9A2397}"/>
+                <a16:creationId xmlns:a16="http://schemas.microsoft.com/office/drawing/2014/main" id="{BB34D7F1-FC80-C193-71DA-EBA9D8015700}"/>
               </a:ext>
             </a:extLst>
           </p:cNvPr>
@@ -16536,17 +15959,585 @@
           <a:p>
             <a:r>
               <a:rPr lang="en-US" dirty="0"/>
-              <a:t>Causal Inference Series</a:t>
-            </a:r>
-          </a:p>
-        </p:txBody>
-      </p:sp>
-      <p:sp>
-        <p:nvSpPr>
-          <p:cNvPr id="3" name="Content Placeholder 2">
+              <a:t>Big idea: create the randomization you wish you had</a:t>
+            </a:r>
+          </a:p>
+        </p:txBody>
+      </p:sp>
+      <mc:AlternateContent xmlns:mc="http://schemas.openxmlformats.org/markup-compatibility/2006" xmlns:a14="http://schemas.microsoft.com/office/drawing/2010/main">
+        <mc:Choice Requires="a14">
+          <p:sp>
+            <p:nvSpPr>
+              <p:cNvPr id="3" name="Content Placeholder 2">
+                <a:extLst>
+                  <a:ext uri="{FF2B5EF4-FFF2-40B4-BE49-F238E27FC236}">
+                    <a16:creationId xmlns:a16="http://schemas.microsoft.com/office/drawing/2014/main" id="{75FD973B-DBEB-A90F-0A4D-0EC46A5E0BAB}"/>
+                  </a:ext>
+                </a:extLst>
+              </p:cNvPr>
+              <p:cNvSpPr>
+                <a:spLocks noGrp="1"/>
+              </p:cNvSpPr>
+              <p:nvPr>
+                <p:ph idx="1"/>
+              </p:nvPr>
+            </p:nvSpPr>
+            <p:spPr/>
+            <p:txBody>
+              <a:bodyPr/>
+              <a:lstStyle/>
+              <a:p>
+                <a:pPr marL="0" indent="0">
+                  <a:buNone/>
+                </a:pPr>
+                <a14:m>
+                  <m:oMathPara xmlns:m="http://schemas.openxmlformats.org/officeDocument/2006/math">
+                    <m:oMathParaPr>
+                      <m:jc m:val="centerGroup"/>
+                    </m:oMathParaPr>
+                    <m:oMath xmlns:m="http://schemas.openxmlformats.org/officeDocument/2006/math">
+                      <m:sSub>
+                        <m:sSubPr>
+                          <m:ctrlPr>
+                            <a:rPr lang="en-US" i="1" smtClean="0">
+                              <a:latin typeface="Cambria Math" panose="02040503050406030204" pitchFamily="18" charset="0"/>
+                            </a:rPr>
+                          </m:ctrlPr>
+                        </m:sSubPr>
+                        <m:e>
+                          <m:r>
+                            <a:rPr lang="en-US" i="1">
+                              <a:latin typeface="Cambria Math" panose="02040503050406030204" pitchFamily="18" charset="0"/>
+                            </a:rPr>
+                            <m:t>𝑌</m:t>
+                          </m:r>
+                        </m:e>
+                        <m:sub>
+                          <m:r>
+                            <a:rPr lang="en-US" i="1">
+                              <a:latin typeface="Cambria Math" panose="02040503050406030204" pitchFamily="18" charset="0"/>
+                            </a:rPr>
+                            <m:t>𝑖</m:t>
+                          </m:r>
+                        </m:sub>
+                      </m:sSub>
+                      <m:r>
+                        <a:rPr lang="en-US" i="1">
+                          <a:latin typeface="Cambria Math" panose="02040503050406030204" pitchFamily="18" charset="0"/>
+                        </a:rPr>
+                        <m:t>=</m:t>
+                      </m:r>
+                      <m:sSup>
+                        <m:sSupPr>
+                          <m:ctrlPr>
+                            <a:rPr lang="en-US" b="0" i="1" smtClean="0">
+                              <a:latin typeface="Cambria Math" panose="02040503050406030204" pitchFamily="18" charset="0"/>
+                            </a:rPr>
+                          </m:ctrlPr>
+                        </m:sSupPr>
+                        <m:e>
+                          <m:acc>
+                            <m:accPr>
+                              <m:chr m:val="̂"/>
+                              <m:ctrlPr>
+                                <a:rPr lang="en-US" i="1">
+                                  <a:latin typeface="Cambria Math" panose="02040503050406030204" pitchFamily="18" charset="0"/>
+                                </a:rPr>
+                              </m:ctrlPr>
+                            </m:accPr>
+                            <m:e>
+                              <m:r>
+                                <a:rPr lang="en-US" i="1">
+                                  <a:latin typeface="Cambria Math" panose="02040503050406030204" pitchFamily="18" charset="0"/>
+                                </a:rPr>
+                                <m:t>𝜏</m:t>
+                              </m:r>
+                            </m:e>
+                          </m:acc>
+                        </m:e>
+                        <m:sup>
+                          <m:r>
+                            <a:rPr lang="en-US" b="0" i="1" smtClean="0">
+                              <a:latin typeface="Cambria Math" panose="02040503050406030204" pitchFamily="18" charset="0"/>
+                            </a:rPr>
+                            <m:t>𝑜𝑏𝑠</m:t>
+                          </m:r>
+                        </m:sup>
+                      </m:sSup>
+                      <m:sSub>
+                        <m:sSubPr>
+                          <m:ctrlPr>
+                            <a:rPr lang="en-US" i="1">
+                              <a:latin typeface="Cambria Math" panose="02040503050406030204" pitchFamily="18" charset="0"/>
+                            </a:rPr>
+                          </m:ctrlPr>
+                        </m:sSubPr>
+                        <m:e>
+                          <m:r>
+                            <a:rPr lang="en-US" i="1">
+                              <a:latin typeface="Cambria Math" panose="02040503050406030204" pitchFamily="18" charset="0"/>
+                            </a:rPr>
+                            <m:t>𝑊</m:t>
+                          </m:r>
+                        </m:e>
+                        <m:sub>
+                          <m:r>
+                            <a:rPr lang="en-US" i="1">
+                              <a:latin typeface="Cambria Math" panose="02040503050406030204" pitchFamily="18" charset="0"/>
+                            </a:rPr>
+                            <m:t>𝑖</m:t>
+                          </m:r>
+                        </m:sub>
+                      </m:sSub>
+                      <m:r>
+                        <a:rPr lang="en-US" i="1">
+                          <a:latin typeface="Cambria Math" panose="02040503050406030204" pitchFamily="18" charset="0"/>
+                        </a:rPr>
+                        <m:t>+</m:t>
+                      </m:r>
+                      <m:sSub>
+                        <m:sSubPr>
+                          <m:ctrlPr>
+                            <a:rPr lang="en-US" i="1">
+                              <a:latin typeface="Cambria Math" panose="02040503050406030204" pitchFamily="18" charset="0"/>
+                            </a:rPr>
+                          </m:ctrlPr>
+                        </m:sSubPr>
+                        <m:e>
+                          <m:r>
+                            <a:rPr lang="en-US" i="1">
+                              <a:latin typeface="Cambria Math" panose="02040503050406030204" pitchFamily="18" charset="0"/>
+                            </a:rPr>
+                            <m:t>𝛽</m:t>
+                          </m:r>
+                        </m:e>
+                        <m:sub>
+                          <m:r>
+                            <a:rPr lang="en-US" i="1">
+                              <a:latin typeface="Cambria Math" panose="02040503050406030204" pitchFamily="18" charset="0"/>
+                            </a:rPr>
+                            <m:t>1</m:t>
+                          </m:r>
+                        </m:sub>
+                      </m:sSub>
+                      <m:sSub>
+                        <m:sSubPr>
+                          <m:ctrlPr>
+                            <a:rPr lang="en-US" i="1">
+                              <a:latin typeface="Cambria Math" panose="02040503050406030204" pitchFamily="18" charset="0"/>
+                            </a:rPr>
+                          </m:ctrlPr>
+                        </m:sSubPr>
+                        <m:e>
+                          <m:r>
+                            <a:rPr lang="en-US" i="1">
+                              <a:latin typeface="Cambria Math" panose="02040503050406030204" pitchFamily="18" charset="0"/>
+                            </a:rPr>
+                            <m:t>𝑋</m:t>
+                          </m:r>
+                        </m:e>
+                        <m:sub>
+                          <m:r>
+                            <a:rPr lang="en-US" i="1">
+                              <a:latin typeface="Cambria Math" panose="02040503050406030204" pitchFamily="18" charset="0"/>
+                            </a:rPr>
+                            <m:t>𝑖</m:t>
+                          </m:r>
+                        </m:sub>
+                      </m:sSub>
+                      <m:r>
+                        <a:rPr lang="en-US" i="1">
+                          <a:latin typeface="Cambria Math" panose="02040503050406030204" pitchFamily="18" charset="0"/>
+                        </a:rPr>
+                        <m:t>+</m:t>
+                      </m:r>
+                      <m:sSub>
+                        <m:sSubPr>
+                          <m:ctrlPr>
+                            <a:rPr lang="en-US" i="1">
+                              <a:latin typeface="Cambria Math" panose="02040503050406030204" pitchFamily="18" charset="0"/>
+                            </a:rPr>
+                          </m:ctrlPr>
+                        </m:sSubPr>
+                        <m:e>
+                          <m:r>
+                            <a:rPr lang="en-US" i="1">
+                              <a:latin typeface="Cambria Math" panose="02040503050406030204" pitchFamily="18" charset="0"/>
+                            </a:rPr>
+                            <m:t>𝜖</m:t>
+                          </m:r>
+                        </m:e>
+                        <m:sub>
+                          <m:r>
+                            <a:rPr lang="en-US" i="1">
+                              <a:latin typeface="Cambria Math" panose="02040503050406030204" pitchFamily="18" charset="0"/>
+                            </a:rPr>
+                            <m:t>𝑖</m:t>
+                          </m:r>
+                        </m:sub>
+                      </m:sSub>
+                    </m:oMath>
+                  </m:oMathPara>
+                </a14:m>
+                <a:endParaRPr lang="en-US" dirty="0"/>
+              </a:p>
+              <a:p>
+                <a:r>
+                  <a:rPr lang="en-US" dirty="0"/>
+                  <a:t>When we cannot run an experiment, we can use observational data. We want to control for </a:t>
+                </a:r>
+                <a14:m>
+                  <m:oMath xmlns:m="http://schemas.openxmlformats.org/officeDocument/2006/math">
+                    <m:sSub>
+                      <m:sSubPr>
+                        <m:ctrlPr>
+                          <a:rPr lang="en-US" i="1">
+                            <a:latin typeface="Cambria Math" panose="02040503050406030204" pitchFamily="18" charset="0"/>
+                          </a:rPr>
+                        </m:ctrlPr>
+                      </m:sSubPr>
+                      <m:e>
+                        <m:r>
+                          <a:rPr lang="en-US" i="1">
+                            <a:latin typeface="Cambria Math" panose="02040503050406030204" pitchFamily="18" charset="0"/>
+                          </a:rPr>
+                          <m:t>𝑋</m:t>
+                        </m:r>
+                      </m:e>
+                      <m:sub>
+                        <m:r>
+                          <a:rPr lang="en-US" i="1">
+                            <a:latin typeface="Cambria Math" panose="02040503050406030204" pitchFamily="18" charset="0"/>
+                          </a:rPr>
+                          <m:t>𝑖</m:t>
+                        </m:r>
+                      </m:sub>
+                    </m:sSub>
+                  </m:oMath>
+                </a14:m>
+                <a:r>
+                  <a:rPr lang="en-US" dirty="0"/>
+                  <a:t> to deal with selection bias.</a:t>
+                </a:r>
+              </a:p>
+              <a:p>
+                <a:endParaRPr lang="en-US" dirty="0"/>
+              </a:p>
+              <a:p>
+                <a:pPr marL="0" indent="0">
+                  <a:buNone/>
+                </a:pPr>
+                <a14:m>
+                  <m:oMathPara xmlns:m="http://schemas.openxmlformats.org/officeDocument/2006/math">
+                    <m:oMathParaPr>
+                      <m:jc m:val="centerGroup"/>
+                    </m:oMathParaPr>
+                    <m:oMath xmlns:m="http://schemas.openxmlformats.org/officeDocument/2006/math">
+                      <m:sSub>
+                        <m:sSubPr>
+                          <m:ctrlPr>
+                            <a:rPr lang="en-US" i="1">
+                              <a:latin typeface="Cambria Math" panose="02040503050406030204" pitchFamily="18" charset="0"/>
+                            </a:rPr>
+                          </m:ctrlPr>
+                        </m:sSubPr>
+                        <m:e>
+                          <m:r>
+                            <a:rPr lang="en-US" i="1">
+                              <a:latin typeface="Cambria Math" panose="02040503050406030204" pitchFamily="18" charset="0"/>
+                            </a:rPr>
+                            <m:t>𝑌</m:t>
+                          </m:r>
+                        </m:e>
+                        <m:sub>
+                          <m:r>
+                            <a:rPr lang="en-US" i="1">
+                              <a:latin typeface="Cambria Math" panose="02040503050406030204" pitchFamily="18" charset="0"/>
+                            </a:rPr>
+                            <m:t>𝑖</m:t>
+                          </m:r>
+                        </m:sub>
+                      </m:sSub>
+                      <m:r>
+                        <a:rPr lang="en-US" i="1">
+                          <a:latin typeface="Cambria Math" panose="02040503050406030204" pitchFamily="18" charset="0"/>
+                        </a:rPr>
+                        <m:t>=</m:t>
+                      </m:r>
+                      <m:sSup>
+                        <m:sSupPr>
+                          <m:ctrlPr>
+                            <a:rPr lang="en-US" b="0" i="1" smtClean="0">
+                              <a:latin typeface="Cambria Math" panose="02040503050406030204" pitchFamily="18" charset="0"/>
+                            </a:rPr>
+                          </m:ctrlPr>
+                        </m:sSupPr>
+                        <m:e>
+                          <m:acc>
+                            <m:accPr>
+                              <m:chr m:val="̂"/>
+                              <m:ctrlPr>
+                                <a:rPr lang="en-US" i="1">
+                                  <a:latin typeface="Cambria Math" panose="02040503050406030204" pitchFamily="18" charset="0"/>
+                                </a:rPr>
+                              </m:ctrlPr>
+                            </m:accPr>
+                            <m:e>
+                              <m:r>
+                                <a:rPr lang="en-US" i="1">
+                                  <a:latin typeface="Cambria Math" panose="02040503050406030204" pitchFamily="18" charset="0"/>
+                                </a:rPr>
+                                <m:t>𝜏</m:t>
+                              </m:r>
+                            </m:e>
+                          </m:acc>
+                        </m:e>
+                        <m:sup>
+                          <m:r>
+                            <a:rPr lang="en-US" b="0" i="1" smtClean="0">
+                              <a:latin typeface="Cambria Math" panose="02040503050406030204" pitchFamily="18" charset="0"/>
+                            </a:rPr>
+                            <m:t>𝑒𝑥𝑝</m:t>
+                          </m:r>
+                        </m:sup>
+                      </m:sSup>
+                      <m:sSub>
+                        <m:sSubPr>
+                          <m:ctrlPr>
+                            <a:rPr lang="en-US" i="1">
+                              <a:latin typeface="Cambria Math" panose="02040503050406030204" pitchFamily="18" charset="0"/>
+                            </a:rPr>
+                          </m:ctrlPr>
+                        </m:sSubPr>
+                        <m:e>
+                          <m:r>
+                            <a:rPr lang="en-US" i="1">
+                              <a:latin typeface="Cambria Math" panose="02040503050406030204" pitchFamily="18" charset="0"/>
+                            </a:rPr>
+                            <m:t>𝑊</m:t>
+                          </m:r>
+                        </m:e>
+                        <m:sub>
+                          <m:r>
+                            <a:rPr lang="en-US" i="1">
+                              <a:latin typeface="Cambria Math" panose="02040503050406030204" pitchFamily="18" charset="0"/>
+                            </a:rPr>
+                            <m:t>𝑖</m:t>
+                          </m:r>
+                        </m:sub>
+                      </m:sSub>
+                      <m:r>
+                        <a:rPr lang="en-US" i="1">
+                          <a:latin typeface="Cambria Math" panose="02040503050406030204" pitchFamily="18" charset="0"/>
+                        </a:rPr>
+                        <m:t>+</m:t>
+                      </m:r>
+                      <m:sSub>
+                        <m:sSubPr>
+                          <m:ctrlPr>
+                            <a:rPr lang="en-US" b="0" i="1" smtClean="0">
+                              <a:latin typeface="Cambria Math" panose="02040503050406030204" pitchFamily="18" charset="0"/>
+                            </a:rPr>
+                          </m:ctrlPr>
+                        </m:sSubPr>
+                        <m:e>
+                          <m:r>
+                            <a:rPr lang="en-US" b="0" i="1" smtClean="0">
+                              <a:latin typeface="Cambria Math" panose="02040503050406030204" pitchFamily="18" charset="0"/>
+                            </a:rPr>
+                            <m:t>𝜁</m:t>
+                          </m:r>
+                        </m:e>
+                        <m:sub>
+                          <m:r>
+                            <a:rPr lang="en-US" b="0" i="1" smtClean="0">
+                              <a:latin typeface="Cambria Math" panose="02040503050406030204" pitchFamily="18" charset="0"/>
+                            </a:rPr>
+                            <m:t>𝑖</m:t>
+                          </m:r>
+                        </m:sub>
+                      </m:sSub>
+                    </m:oMath>
+                  </m:oMathPara>
+                </a14:m>
+                <a:endParaRPr lang="en-US" dirty="0"/>
+              </a:p>
+              <a:p>
+                <a:r>
+                  <a:rPr lang="en-US" dirty="0"/>
+                  <a:t>If we could randomly assign </a:t>
+                </a:r>
+                <a14:m>
+                  <m:oMath xmlns:m="http://schemas.openxmlformats.org/officeDocument/2006/math">
+                    <m:sSub>
+                      <m:sSubPr>
+                        <m:ctrlPr>
+                          <a:rPr lang="en-US" i="1">
+                            <a:latin typeface="Cambria Math" panose="02040503050406030204" pitchFamily="18" charset="0"/>
+                          </a:rPr>
+                        </m:ctrlPr>
+                      </m:sSubPr>
+                      <m:e>
+                        <m:r>
+                          <a:rPr lang="en-US" i="1">
+                            <a:latin typeface="Cambria Math" panose="02040503050406030204" pitchFamily="18" charset="0"/>
+                          </a:rPr>
+                          <m:t>𝑊</m:t>
+                        </m:r>
+                      </m:e>
+                      <m:sub>
+                        <m:r>
+                          <a:rPr lang="en-US" i="1">
+                            <a:latin typeface="Cambria Math" panose="02040503050406030204" pitchFamily="18" charset="0"/>
+                          </a:rPr>
+                          <m:t>𝑖</m:t>
+                        </m:r>
+                      </m:sub>
+                    </m:sSub>
+                  </m:oMath>
+                </a14:m>
+                <a:r>
+                  <a:rPr lang="en-US" dirty="0"/>
+                  <a:t>, then we will have no selection bias by design. We want to know whether </a:t>
+                </a:r>
+                <a14:m>
+                  <m:oMath xmlns:m="http://schemas.openxmlformats.org/officeDocument/2006/math">
+                    <m:sSup>
+                      <m:sSupPr>
+                        <m:ctrlPr>
+                          <a:rPr lang="en-US" i="1">
+                            <a:latin typeface="Cambria Math" panose="02040503050406030204" pitchFamily="18" charset="0"/>
+                          </a:rPr>
+                        </m:ctrlPr>
+                      </m:sSupPr>
+                      <m:e>
+                        <m:acc>
+                          <m:accPr>
+                            <m:chr m:val="̂"/>
+                            <m:ctrlPr>
+                              <a:rPr lang="en-US" i="1">
+                                <a:latin typeface="Cambria Math" panose="02040503050406030204" pitchFamily="18" charset="0"/>
+                              </a:rPr>
+                            </m:ctrlPr>
+                          </m:accPr>
+                          <m:e>
+                            <m:r>
+                              <a:rPr lang="en-US" i="1">
+                                <a:latin typeface="Cambria Math" panose="02040503050406030204" pitchFamily="18" charset="0"/>
+                              </a:rPr>
+                              <m:t>𝜏</m:t>
+                            </m:r>
+                          </m:e>
+                        </m:acc>
+                      </m:e>
+                      <m:sup>
+                        <m:r>
+                          <a:rPr lang="en-US" i="1">
+                            <a:latin typeface="Cambria Math" panose="02040503050406030204" pitchFamily="18" charset="0"/>
+                          </a:rPr>
+                          <m:t>𝑜𝑏𝑠</m:t>
+                        </m:r>
+                      </m:sup>
+                    </m:sSup>
+                    <m:r>
+                      <a:rPr lang="en-US" b="0" i="1" smtClean="0">
+                        <a:latin typeface="Cambria Math" panose="02040503050406030204" pitchFamily="18" charset="0"/>
+                      </a:rPr>
+                      <m:t>=</m:t>
+                    </m:r>
+                    <m:sSup>
+                      <m:sSupPr>
+                        <m:ctrlPr>
+                          <a:rPr lang="en-US" i="1">
+                            <a:latin typeface="Cambria Math" panose="02040503050406030204" pitchFamily="18" charset="0"/>
+                          </a:rPr>
+                        </m:ctrlPr>
+                      </m:sSupPr>
+                      <m:e>
+                        <m:acc>
+                          <m:accPr>
+                            <m:chr m:val="̂"/>
+                            <m:ctrlPr>
+                              <a:rPr lang="en-US" i="1">
+                                <a:latin typeface="Cambria Math" panose="02040503050406030204" pitchFamily="18" charset="0"/>
+                              </a:rPr>
+                            </m:ctrlPr>
+                          </m:accPr>
+                          <m:e>
+                            <m:r>
+                              <a:rPr lang="en-US" i="1">
+                                <a:latin typeface="Cambria Math" panose="02040503050406030204" pitchFamily="18" charset="0"/>
+                              </a:rPr>
+                              <m:t>𝜏</m:t>
+                            </m:r>
+                          </m:e>
+                        </m:acc>
+                      </m:e>
+                      <m:sup>
+                        <m:r>
+                          <a:rPr lang="en-US" b="0" i="1" smtClean="0">
+                            <a:latin typeface="Cambria Math" panose="02040503050406030204" pitchFamily="18" charset="0"/>
+                          </a:rPr>
+                          <m:t>𝑒𝑥𝑝</m:t>
+                        </m:r>
+                      </m:sup>
+                    </m:sSup>
+                  </m:oMath>
+                </a14:m>
+                <a:r>
+                  <a:rPr lang="en-US" dirty="0"/>
+                  <a:t>?</a:t>
+                </a:r>
+              </a:p>
+            </p:txBody>
+          </p:sp>
+        </mc:Choice>
+        <mc:Fallback xmlns="">
+          <p:sp>
+            <p:nvSpPr>
+              <p:cNvPr id="3" name="Content Placeholder 2">
+                <a:extLst>
+                  <a:ext uri="{FF2B5EF4-FFF2-40B4-BE49-F238E27FC236}">
+                    <a16:creationId xmlns:a16="http://schemas.microsoft.com/office/drawing/2014/main" id="{75FD973B-DBEB-A90F-0A4D-0EC46A5E0BAB}"/>
+                  </a:ext>
+                </a:extLst>
+              </p:cNvPr>
+              <p:cNvSpPr>
+                <a:spLocks noGrp="1" noRot="1" noChangeAspect="1" noMove="1" noResize="1" noEditPoints="1" noAdjustHandles="1" noChangeArrowheads="1" noChangeShapeType="1" noTextEdit="1"/>
+              </p:cNvSpPr>
+              <p:nvPr>
+                <p:ph idx="1"/>
+              </p:nvPr>
+            </p:nvSpPr>
+            <p:spPr>
+              <a:blipFill>
+                <a:blip r:embed="rId2"/>
+                <a:stretch>
+                  <a:fillRect l="-1086" t="-1163" r="-1809"/>
+                </a:stretch>
+              </a:blipFill>
+            </p:spPr>
+            <p:txBody>
+              <a:bodyPr/>
+              <a:lstStyle/>
+              <a:p>
+                <a:r>
+                  <a:rPr lang="en-US">
+                    <a:noFill/>
+                  </a:rPr>
+                  <a:t> </a:t>
+                </a:r>
+              </a:p>
+            </p:txBody>
+          </p:sp>
+        </mc:Fallback>
+      </mc:AlternateContent>
+      <p:sp>
+        <p:nvSpPr>
+          <p:cNvPr id="4" name="Footer Placeholder 3">
             <a:extLst>
               <a:ext uri="{FF2B5EF4-FFF2-40B4-BE49-F238E27FC236}">
-                <a16:creationId xmlns:a16="http://schemas.microsoft.com/office/drawing/2014/main" id="{70C15C76-6BD6-0F41-AB0A-743D563189AD}"/>
+                <a16:creationId xmlns:a16="http://schemas.microsoft.com/office/drawing/2014/main" id="{F38A7B50-2C13-6579-4389-0390D983FC30}"/>
               </a:ext>
             </a:extLst>
           </p:cNvPr>
@@ -16554,113 +16545,17 @@
             <a:spLocks noGrp="1"/>
           </p:cNvSpPr>
           <p:nvPr>
-            <p:ph idx="1"/>
+            <p:ph type="ftr" sz="quarter" idx="11"/>
           </p:nvPr>
         </p:nvSpPr>
         <p:spPr/>
         <p:txBody>
-          <a:bodyPr>
-            <a:normAutofit/>
-          </a:bodyPr>
+          <a:bodyPr/>
           <a:lstStyle/>
           <a:p>
-            <a:pPr marL="514350" indent="-514350">
-              <a:buFont typeface="+mj-lt"/>
-              <a:buAutoNum type="arabicParenR"/>
-            </a:pPr>
-            <a:r>
-              <a:rPr lang="en-US" dirty="0"/>
-              <a:t>Foundations</a:t>
-            </a:r>
-          </a:p>
-          <a:p>
-            <a:pPr marL="514350" indent="-514350">
-              <a:buFont typeface="+mj-lt"/>
-              <a:buAutoNum type="arabicParenR"/>
-            </a:pPr>
-            <a:r>
-              <a:rPr lang="en-US" dirty="0"/>
-              <a:t>Defining Some Causal Models</a:t>
-            </a:r>
-          </a:p>
-          <a:p>
-            <a:pPr marL="514350" indent="-514350">
-              <a:buFont typeface="+mj-lt"/>
-              <a:buAutoNum type="arabicParenR"/>
-            </a:pPr>
-            <a:r>
-              <a:rPr lang="en-US" b="1" dirty="0">
-                <a:solidFill>
-                  <a:schemeClr val="accent6"/>
-                </a:solidFill>
-              </a:rPr>
-              <a:t>Arguable Validation</a:t>
-            </a:r>
-          </a:p>
-          <a:p>
-            <a:pPr marL="514350" indent="-514350">
-              <a:buFont typeface="+mj-lt"/>
-              <a:buAutoNum type="arabicParenR"/>
-            </a:pPr>
-            <a:r>
-              <a:rPr lang="en-US" dirty="0"/>
-              <a:t>Inference, Asymptotic Theory, and Bootstrapping</a:t>
-            </a:r>
-          </a:p>
-          <a:p>
-            <a:pPr marL="514350" indent="-514350">
-              <a:buFont typeface="+mj-lt"/>
-              <a:buAutoNum type="arabicParenR"/>
-            </a:pPr>
-            <a:r>
-              <a:rPr lang="en-US" dirty="0"/>
-              <a:t>Best Practices: Outliers, Class Imbalance, and Feature Selection</a:t>
-            </a:r>
-          </a:p>
-          <a:p>
-            <a:pPr marL="514350" indent="-514350">
-              <a:buFont typeface="+mj-lt"/>
-              <a:buAutoNum type="arabicParenR"/>
-            </a:pPr>
-            <a:r>
-              <a:rPr lang="en-US" dirty="0"/>
-              <a:t>Heterogeneous Treatment Effect Models and Inference</a:t>
-            </a:r>
-          </a:p>
-          <a:p>
-            <a:pPr marL="514350" indent="-514350">
-              <a:buFont typeface="+mj-lt"/>
-              <a:buAutoNum type="arabicParenR"/>
-            </a:pPr>
-            <a:r>
-              <a:rPr lang="en-US" dirty="0"/>
-              <a:t>[</a:t>
-            </a:r>
-            <a:r>
-              <a:rPr lang="en-US" dirty="0" err="1"/>
-              <a:t>WiP</a:t>
-            </a:r>
-            <a:r>
-              <a:rPr lang="en-US" dirty="0"/>
-              <a:t>] Models for Panel Data</a:t>
-            </a:r>
-          </a:p>
-          <a:p>
-            <a:pPr marL="514350" indent="-514350">
-              <a:buFont typeface="+mj-lt"/>
-              <a:buAutoNum type="arabicParenR"/>
-            </a:pPr>
-            <a:r>
-              <a:rPr lang="en-US" dirty="0"/>
-              <a:t>[</a:t>
-            </a:r>
-            <a:r>
-              <a:rPr lang="en-US" dirty="0" err="1"/>
-              <a:t>WiP</a:t>
-            </a:r>
-            <a:r>
-              <a:rPr lang="en-US" dirty="0"/>
-              <a:t>] Regression Discontinuity Models</a:t>
+            <a:r>
+              <a:rPr lang="en-US"/>
+              <a:t>Causal inference crash course - hsujulia</a:t>
             </a:r>
           </a:p>
         </p:txBody>
@@ -16670,7 +16565,7 @@
           <p:cNvPr id="5" name="Slide Number Placeholder 4">
             <a:extLst>
               <a:ext uri="{FF2B5EF4-FFF2-40B4-BE49-F238E27FC236}">
-                <a16:creationId xmlns:a16="http://schemas.microsoft.com/office/drawing/2014/main" id="{3A7A08CB-04DB-58CB-96E3-D446C2920FB2}"/>
+                <a16:creationId xmlns:a16="http://schemas.microsoft.com/office/drawing/2014/main" id="{AC86AEB6-EFED-D35E-E3D0-5BD4766191A3}"/>
               </a:ext>
             </a:extLst>
           </p:cNvPr>
@@ -16686,47 +16581,18 @@
           <a:bodyPr/>
           <a:lstStyle/>
           <a:p>
-            <a:fld id="{90132194-335A-3D4F-8716-B190D535ED38}" type="slidenum">
+            <a:fld id="{747C3DC3-9B3F-7F44-ADCE-5AEE1C23E1F0}" type="slidenum">
               <a:rPr lang="en-US" smtClean="0"/>
-              <a:pPr/>
               <a:t>31</a:t>
             </a:fld>
-            <a:endParaRPr lang="en-US" dirty="0"/>
-          </a:p>
-        </p:txBody>
-      </p:sp>
-      <p:sp>
-        <p:nvSpPr>
-          <p:cNvPr id="6" name="Footer Placeholder 5">
-            <a:extLst>
-              <a:ext uri="{FF2B5EF4-FFF2-40B4-BE49-F238E27FC236}">
-                <a16:creationId xmlns:a16="http://schemas.microsoft.com/office/drawing/2014/main" id="{1D9AA175-D9FB-CB76-57C2-5097F2A6DD68}"/>
-              </a:ext>
-            </a:extLst>
-          </p:cNvPr>
-          <p:cNvSpPr>
-            <a:spLocks noGrp="1"/>
-          </p:cNvSpPr>
-          <p:nvPr>
-            <p:ph type="ftr" sz="quarter" idx="11"/>
-          </p:nvPr>
-        </p:nvSpPr>
-        <p:spPr/>
-        <p:txBody>
-          <a:bodyPr/>
-          <a:lstStyle/>
-          <a:p>
-            <a:r>
-              <a:rPr lang="en-US"/>
-              <a:t>Causal inference crash course - hsujulia</a:t>
-            </a:r>
+            <a:endParaRPr lang="en-US"/>
           </a:p>
         </p:txBody>
       </p:sp>
     </p:spTree>
     <p:extLst>
       <p:ext uri="{BB962C8B-B14F-4D97-AF65-F5344CB8AC3E}">
-        <p14:creationId xmlns:p14="http://schemas.microsoft.com/office/powerpoint/2010/main" val="1935299426"/>
+        <p14:creationId xmlns:p14="http://schemas.microsoft.com/office/powerpoint/2010/main" val="1900563088"/>
       </p:ext>
     </p:extLst>
   </p:cSld>
@@ -16758,7 +16624,7 @@
           <p:cNvPr id="2" name="Title 1">
             <a:extLst>
               <a:ext uri="{FF2B5EF4-FFF2-40B4-BE49-F238E27FC236}">
-                <a16:creationId xmlns:a16="http://schemas.microsoft.com/office/drawing/2014/main" id="{19FFE4A0-DC76-0D72-B373-FC73F53F7009}"/>
+                <a16:creationId xmlns:a16="http://schemas.microsoft.com/office/drawing/2014/main" id="{ADF05CE3-B6AE-31C5-794A-A66E021CB4A2}"/>
               </a:ext>
             </a:extLst>
           </p:cNvPr>
@@ -16776,17 +16642,153 @@
           <a:p>
             <a:r>
               <a:rPr lang="en-US" dirty="0"/>
-              <a:t>Literature Review of Related Papers</a:t>
-            </a:r>
-          </a:p>
-        </p:txBody>
-      </p:sp>
-      <p:sp>
-        <p:nvSpPr>
-          <p:cNvPr id="3" name="Content Placeholder 2">
+              <a:t>Experimentation for validation</a:t>
+            </a:r>
+          </a:p>
+        </p:txBody>
+      </p:sp>
+      <mc:AlternateContent xmlns:mc="http://schemas.openxmlformats.org/markup-compatibility/2006" xmlns:a14="http://schemas.microsoft.com/office/drawing/2010/main">
+        <mc:Choice Requires="a14">
+          <p:sp>
+            <p:nvSpPr>
+              <p:cNvPr id="3" name="Content Placeholder 2">
+                <a:extLst>
+                  <a:ext uri="{FF2B5EF4-FFF2-40B4-BE49-F238E27FC236}">
+                    <a16:creationId xmlns:a16="http://schemas.microsoft.com/office/drawing/2014/main" id="{8868ECA6-9979-53E3-C9C5-43470A4B1FD2}"/>
+                  </a:ext>
+                </a:extLst>
+              </p:cNvPr>
+              <p:cNvSpPr>
+                <a:spLocks noGrp="1"/>
+              </p:cNvSpPr>
+              <p:nvPr>
+                <p:ph idx="1"/>
+              </p:nvPr>
+            </p:nvSpPr>
+            <p:spPr/>
+            <p:txBody>
+              <a:bodyPr/>
+              <a:lstStyle/>
+              <a:p>
+                <a:r>
+                  <a:rPr lang="en-US" dirty="0"/>
+                  <a:t>Conducting an experiment randomly assigning </a:t>
+                </a:r>
+                <a14:m>
+                  <m:oMath xmlns:m="http://schemas.openxmlformats.org/officeDocument/2006/math">
+                    <m:sSub>
+                      <m:sSubPr>
+                        <m:ctrlPr>
+                          <a:rPr lang="en-US" i="1">
+                            <a:latin typeface="Cambria Math" panose="02040503050406030204" pitchFamily="18" charset="0"/>
+                          </a:rPr>
+                        </m:ctrlPr>
+                      </m:sSubPr>
+                      <m:e>
+                        <m:r>
+                          <a:rPr lang="en-US" i="1">
+                            <a:latin typeface="Cambria Math" panose="02040503050406030204" pitchFamily="18" charset="0"/>
+                          </a:rPr>
+                          <m:t>𝑊</m:t>
+                        </m:r>
+                      </m:e>
+                      <m:sub>
+                        <m:r>
+                          <a:rPr lang="en-US" i="1">
+                            <a:latin typeface="Cambria Math" panose="02040503050406030204" pitchFamily="18" charset="0"/>
+                          </a:rPr>
+                          <m:t>𝑖</m:t>
+                        </m:r>
+                      </m:sub>
+                    </m:sSub>
+                  </m:oMath>
+                </a14:m>
+                <a:r>
+                  <a:rPr lang="en-US" dirty="0"/>
+                  <a:t> could validate our estimate of </a:t>
+                </a:r>
+                <a14:m>
+                  <m:oMath xmlns:m="http://schemas.openxmlformats.org/officeDocument/2006/math">
+                    <m:acc>
+                      <m:accPr>
+                        <m:chr m:val="̂"/>
+                        <m:ctrlPr>
+                          <a:rPr lang="en-US" b="0" i="1" dirty="0" smtClean="0">
+                            <a:latin typeface="Cambria Math" panose="02040503050406030204" pitchFamily="18" charset="0"/>
+                          </a:rPr>
+                        </m:ctrlPr>
+                      </m:accPr>
+                      <m:e>
+                        <m:r>
+                          <a:rPr lang="en-US" b="0" i="1" dirty="0" smtClean="0">
+                            <a:latin typeface="Cambria Math" panose="02040503050406030204" pitchFamily="18" charset="0"/>
+                          </a:rPr>
+                          <m:t>𝜏</m:t>
+                        </m:r>
+                      </m:e>
+                    </m:acc>
+                  </m:oMath>
+                </a14:m>
+                <a:r>
+                  <a:rPr lang="en-US" dirty="0"/>
+                  <a:t>.</a:t>
+                </a:r>
+              </a:p>
+              <a:p>
+                <a:r>
+                  <a:rPr lang="en-US" dirty="0"/>
+                  <a:t>Observational and experimental analysis can be substitutes or complements:</a:t>
+                </a:r>
+              </a:p>
+            </p:txBody>
+          </p:sp>
+        </mc:Choice>
+        <mc:Fallback xmlns="">
+          <p:sp>
+            <p:nvSpPr>
+              <p:cNvPr id="3" name="Content Placeholder 2">
+                <a:extLst>
+                  <a:ext uri="{FF2B5EF4-FFF2-40B4-BE49-F238E27FC236}">
+                    <a16:creationId xmlns:a16="http://schemas.microsoft.com/office/drawing/2014/main" id="{8868ECA6-9979-53E3-C9C5-43470A4B1FD2}"/>
+                  </a:ext>
+                </a:extLst>
+              </p:cNvPr>
+              <p:cNvSpPr>
+                <a:spLocks noGrp="1" noRot="1" noChangeAspect="1" noMove="1" noResize="1" noEditPoints="1" noAdjustHandles="1" noChangeArrowheads="1" noChangeShapeType="1" noTextEdit="1"/>
+              </p:cNvSpPr>
+              <p:nvPr>
+                <p:ph idx="1"/>
+              </p:nvPr>
+            </p:nvSpPr>
+            <p:spPr>
+              <a:blipFill>
+                <a:blip r:embed="rId2"/>
+                <a:stretch>
+                  <a:fillRect l="-1086" t="-2326"/>
+                </a:stretch>
+              </a:blipFill>
+            </p:spPr>
+            <p:txBody>
+              <a:bodyPr/>
+              <a:lstStyle/>
+              <a:p>
+                <a:r>
+                  <a:rPr lang="en-US">
+                    <a:noFill/>
+                  </a:rPr>
+                  <a:t> </a:t>
+                </a:r>
+              </a:p>
+            </p:txBody>
+          </p:sp>
+        </mc:Fallback>
+      </mc:AlternateContent>
+      <p:sp>
+        <p:nvSpPr>
+          <p:cNvPr id="4" name="Footer Placeholder 3">
             <a:extLst>
               <a:ext uri="{FF2B5EF4-FFF2-40B4-BE49-F238E27FC236}">
-                <a16:creationId xmlns:a16="http://schemas.microsoft.com/office/drawing/2014/main" id="{D6E48420-E00C-D161-7D5A-306B6C03FD82}"/>
+                <a16:creationId xmlns:a16="http://schemas.microsoft.com/office/drawing/2014/main" id="{A12DE465-8399-A6F9-D4A4-7D6FFB6B4451}"/>
               </a:ext>
             </a:extLst>
           </p:cNvPr>
@@ -16794,227 +16796,6 @@
             <a:spLocks noGrp="1"/>
           </p:cNvSpPr>
           <p:nvPr>
-            <p:ph idx="1"/>
-          </p:nvPr>
-        </p:nvSpPr>
-        <p:spPr>
-          <a:xfrm>
-            <a:off x="838200" y="1258957"/>
-            <a:ext cx="10515600" cy="4918006"/>
-          </a:xfrm>
-        </p:spPr>
-        <p:txBody>
-          <a:bodyPr>
-            <a:normAutofit fontScale="92500" lnSpcReduction="20000"/>
-          </a:bodyPr>
-          <a:lstStyle/>
-          <a:p>
-            <a:r>
-              <a:rPr lang="en-US" dirty="0"/>
-              <a:t>Placebo Tests</a:t>
-            </a:r>
-          </a:p>
-          <a:p>
-            <a:pPr lvl="1"/>
-            <a:r>
-              <a:rPr lang="en-US" dirty="0" err="1"/>
-              <a:t>Imbens</a:t>
-            </a:r>
-            <a:r>
-              <a:rPr lang="en-US" dirty="0"/>
-              <a:t>, Wooldridge. (2009). “Recent Developments in the Econometrics of Program Evaluation.”</a:t>
-            </a:r>
-            <a:r>
-              <a:rPr lang="en-US" dirty="0">
-                <a:hlinkClick r:id="rId3"/>
-              </a:rPr>
-              <a:t>Iink</a:t>
-            </a:r>
-            <a:endParaRPr lang="en-US" dirty="0"/>
-          </a:p>
-          <a:p>
-            <a:pPr lvl="1"/>
-            <a:r>
-              <a:rPr lang="en-US" dirty="0" err="1"/>
-              <a:t>Imbens</a:t>
-            </a:r>
-            <a:r>
-              <a:rPr lang="en-US" dirty="0"/>
-              <a:t>. (2003). “Matching Methods in Practice: Three Examples.” </a:t>
-            </a:r>
-            <a:r>
-              <a:rPr lang="en-US" dirty="0">
-                <a:hlinkClick r:id="rId4"/>
-              </a:rPr>
-              <a:t>link</a:t>
-            </a:r>
-            <a:endParaRPr lang="en-US" dirty="0"/>
-          </a:p>
-          <a:p>
-            <a:r>
-              <a:rPr lang="en-US" dirty="0"/>
-              <a:t>Coefficient Stability</a:t>
-            </a:r>
-          </a:p>
-          <a:p>
-            <a:pPr lvl="1"/>
-            <a:r>
-              <a:rPr lang="en-US" dirty="0"/>
-              <a:t>Oster. (2019). “Unobservable Selection and Coefficient Stability: Theory and Evidence.” </a:t>
-            </a:r>
-            <a:r>
-              <a:rPr lang="en-US" dirty="0">
-                <a:hlinkClick r:id="rId5"/>
-              </a:rPr>
-              <a:t>link</a:t>
-            </a:r>
-            <a:r>
-              <a:rPr lang="en-US" dirty="0"/>
-              <a:t>;</a:t>
-            </a:r>
-          </a:p>
-          <a:p>
-            <a:pPr lvl="1"/>
-            <a:r>
-              <a:rPr lang="en-US" dirty="0" err="1"/>
-              <a:t>Imbens</a:t>
-            </a:r>
-            <a:r>
-              <a:rPr lang="en-US" dirty="0"/>
-              <a:t>. (2003). “Sensitivity to Exogeneity Assumptions in Program Evaluation.” </a:t>
-            </a:r>
-            <a:r>
-              <a:rPr lang="en-US" dirty="0">
-                <a:hlinkClick r:id="rId6"/>
-              </a:rPr>
-              <a:t>link</a:t>
-            </a:r>
-            <a:endParaRPr lang="en-US" dirty="0"/>
-          </a:p>
-          <a:p>
-            <a:r>
-              <a:rPr lang="en-US" dirty="0"/>
-              <a:t>Feature Balancing</a:t>
-            </a:r>
-          </a:p>
-          <a:p>
-            <a:pPr lvl="1"/>
-            <a:r>
-              <a:rPr lang="en-US" dirty="0"/>
-              <a:t>Imai, </a:t>
-            </a:r>
-            <a:r>
-              <a:rPr lang="en-US" dirty="0" err="1"/>
-              <a:t>Ratkovic</a:t>
-            </a:r>
-            <a:r>
-              <a:rPr lang="en-US" dirty="0"/>
-              <a:t>. (2014). “Covariate balancing propensity score.” </a:t>
-            </a:r>
-            <a:r>
-              <a:rPr lang="en-US" dirty="0">
-                <a:hlinkClick r:id="rId7"/>
-              </a:rPr>
-              <a:t>link</a:t>
-            </a:r>
-            <a:endParaRPr lang="en-US" dirty="0"/>
-          </a:p>
-          <a:p>
-            <a:pPr lvl="1"/>
-            <a:r>
-              <a:rPr lang="en-US" dirty="0" err="1"/>
-              <a:t>Sant’Anna</a:t>
-            </a:r>
-            <a:r>
-              <a:rPr lang="en-US" dirty="0"/>
-              <a:t>, Song, Xu. (2018). “Covariate Distribution Balance via Propensity Scores.” </a:t>
-            </a:r>
-            <a:r>
-              <a:rPr lang="en-US" dirty="0">
-                <a:hlinkClick r:id="rId8"/>
-              </a:rPr>
-              <a:t>link</a:t>
-            </a:r>
-            <a:endParaRPr lang="en-US" dirty="0"/>
-          </a:p>
-          <a:p>
-            <a:pPr lvl="1"/>
-            <a:r>
-              <a:rPr lang="en-US" dirty="0" err="1"/>
-              <a:t>Athey</a:t>
-            </a:r>
-            <a:r>
-              <a:rPr lang="en-US" dirty="0"/>
-              <a:t>, </a:t>
-            </a:r>
-            <a:r>
-              <a:rPr lang="en-US" dirty="0" err="1"/>
-              <a:t>Imbens</a:t>
-            </a:r>
-            <a:r>
-              <a:rPr lang="en-US" dirty="0"/>
-              <a:t>, Wager. (2016). “Approximate Residual Balancing: De-Biased Inference of Average Treatment Effects in High Dimensions.” </a:t>
-            </a:r>
-            <a:r>
-              <a:rPr lang="en-US" dirty="0">
-                <a:hlinkClick r:id="rId9"/>
-              </a:rPr>
-              <a:t>link</a:t>
-            </a:r>
-            <a:endParaRPr lang="en-US" dirty="0"/>
-          </a:p>
-          <a:p>
-            <a:pPr lvl="1"/>
-            <a:r>
-              <a:rPr lang="en-US" dirty="0"/>
-              <a:t>Ben-</a:t>
-            </a:r>
-            <a:r>
-              <a:rPr lang="en-US" dirty="0" err="1"/>
-              <a:t>Miachel</a:t>
-            </a:r>
-            <a:r>
-              <a:rPr lang="en-US" dirty="0"/>
-              <a:t>, Feller, Hirschberg, </a:t>
-            </a:r>
-            <a:r>
-              <a:rPr lang="en-US" dirty="0" err="1"/>
-              <a:t>Zubizaretta</a:t>
-            </a:r>
-            <a:r>
-              <a:rPr lang="en-US" dirty="0"/>
-              <a:t>. (</a:t>
-            </a:r>
-            <a:r>
-              <a:rPr lang="en-US"/>
-              <a:t>2021).” The Balancing Act in Causal Inference.” </a:t>
-            </a:r>
-            <a:r>
-              <a:rPr lang="en-US" dirty="0">
-                <a:hlinkClick r:id="rId10"/>
-              </a:rPr>
-              <a:t>link</a:t>
-            </a:r>
-            <a:endParaRPr lang="en-US" dirty="0"/>
-          </a:p>
-          <a:p>
-            <a:endParaRPr lang="en-US" dirty="0"/>
-          </a:p>
-        </p:txBody>
-      </p:sp>
-      <p:sp>
-        <p:nvSpPr>
-          <p:cNvPr id="4" name="Footer Placeholder 3">
-            <a:extLst>
-              <a:ext uri="{FF2B5EF4-FFF2-40B4-BE49-F238E27FC236}">
-                <a16:creationId xmlns:a16="http://schemas.microsoft.com/office/drawing/2014/main" id="{B0865232-864C-CB21-4B32-6FE362E1CE80}"/>
-              </a:ext>
-            </a:extLst>
-          </p:cNvPr>
-          <p:cNvSpPr>
-            <a:spLocks noGrp="1"/>
-          </p:cNvSpPr>
-          <p:nvPr>
             <p:ph type="ftr" sz="quarter" idx="11"/>
           </p:nvPr>
         </p:nvSpPr>
@@ -17035,7 +16816,7 @@
           <p:cNvPr id="5" name="Slide Number Placeholder 4">
             <a:extLst>
               <a:ext uri="{FF2B5EF4-FFF2-40B4-BE49-F238E27FC236}">
-                <a16:creationId xmlns:a16="http://schemas.microsoft.com/office/drawing/2014/main" id="{0B236E7E-2FF6-2EF5-6791-BC0ECD1411D4}"/>
+                <a16:creationId xmlns:a16="http://schemas.microsoft.com/office/drawing/2014/main" id="{63788301-40A9-6632-E591-DF1C0572ADFE}"/>
               </a:ext>
             </a:extLst>
           </p:cNvPr>
@@ -17059,10 +16840,132 @@
           </a:p>
         </p:txBody>
       </p:sp>
+      <p:graphicFrame>
+        <p:nvGraphicFramePr>
+          <p:cNvPr id="6" name="Table 6">
+            <a:extLst>
+              <a:ext uri="{FF2B5EF4-FFF2-40B4-BE49-F238E27FC236}">
+                <a16:creationId xmlns:a16="http://schemas.microsoft.com/office/drawing/2014/main" id="{0003F328-1A70-3AC9-CD83-CE7E745423D4}"/>
+              </a:ext>
+            </a:extLst>
+          </p:cNvPr>
+          <p:cNvGraphicFramePr>
+            <a:graphicFrameLocks noGrp="1"/>
+          </p:cNvGraphicFramePr>
+          <p:nvPr/>
+        </p:nvGraphicFramePr>
+        <p:xfrm>
+          <a:off x="838200" y="3680791"/>
+          <a:ext cx="10515600" cy="2234980"/>
+        </p:xfrm>
+        <a:graphic>
+          <a:graphicData uri="http://schemas.openxmlformats.org/drawingml/2006/table">
+            <a:tbl>
+              <a:tblPr firstRow="1" bandRow="1">
+                <a:tableStyleId>{5C22544A-7EE6-4342-B048-85BDC9FD1C3A}</a:tableStyleId>
+              </a:tblPr>
+              <a:tblGrid>
+                <a:gridCol w="5257800">
+                  <a:extLst>
+                    <a:ext uri="{9D8B030D-6E8A-4147-A177-3AD203B41FA5}">
+                      <a16:colId xmlns:a16="http://schemas.microsoft.com/office/drawing/2014/main" val="2555588773"/>
+                    </a:ext>
+                  </a:extLst>
+                </a:gridCol>
+                <a:gridCol w="5257800">
+                  <a:extLst>
+                    <a:ext uri="{9D8B030D-6E8A-4147-A177-3AD203B41FA5}">
+                      <a16:colId xmlns:a16="http://schemas.microsoft.com/office/drawing/2014/main" val="1492892143"/>
+                    </a:ext>
+                  </a:extLst>
+                </a:gridCol>
+              </a:tblGrid>
+              <a:tr h="467140">
+                <a:tc>
+                  <a:txBody>
+                    <a:bodyPr/>
+                    <a:lstStyle/>
+                    <a:p>
+                      <a:r>
+                        <a:rPr lang="en-US" sz="2200" dirty="0"/>
+                        <a:t>Substitutes</a:t>
+                      </a:r>
+                    </a:p>
+                  </a:txBody>
+                  <a:tcPr/>
+                </a:tc>
+                <a:tc>
+                  <a:txBody>
+                    <a:bodyPr/>
+                    <a:lstStyle/>
+                    <a:p>
+                      <a:r>
+                        <a:rPr lang="en-US" sz="2200" dirty="0"/>
+                        <a:t>Complements</a:t>
+                      </a:r>
+                    </a:p>
+                  </a:txBody>
+                  <a:tcPr/>
+                </a:tc>
+                <a:extLst>
+                  <a:ext uri="{0D108BD9-81ED-4DB2-BD59-A6C34878D82A}">
+                    <a16:rowId xmlns:a16="http://schemas.microsoft.com/office/drawing/2014/main" val="2955625925"/>
+                  </a:ext>
+                </a:extLst>
+              </a:tr>
+              <a:tr h="1373982">
+                <a:tc>
+                  <a:txBody>
+                    <a:bodyPr/>
+                    <a:lstStyle/>
+                    <a:p>
+                      <a:r>
+                        <a:rPr lang="en-US" sz="2200" dirty="0"/>
+                        <a:t>1. Do the experiment instead of observational analysis.</a:t>
+                      </a:r>
+                    </a:p>
+                  </a:txBody>
+                  <a:tcPr/>
+                </a:tc>
+                <a:tc>
+                  <a:txBody>
+                    <a:bodyPr/>
+                    <a:lstStyle/>
+                    <a:p>
+                      <a:pPr marL="342900" indent="-342900">
+                        <a:buAutoNum type="arabicPeriod"/>
+                      </a:pPr>
+                      <a:r>
+                        <a:rPr lang="en-US" sz="2200" dirty="0"/>
+                        <a:t>Use observational analysis to know where or how to conduct the experiment.</a:t>
+                      </a:r>
+                    </a:p>
+                    <a:p>
+                      <a:pPr marL="342900" indent="-342900">
+                        <a:buAutoNum type="arabicPeriod"/>
+                      </a:pPr>
+                      <a:r>
+                        <a:rPr lang="en-US" sz="2200" dirty="0"/>
+                        <a:t>Experiment is designed to validate some of the observational results.</a:t>
+                      </a:r>
+                    </a:p>
+                  </a:txBody>
+                  <a:tcPr/>
+                </a:tc>
+                <a:extLst>
+                  <a:ext uri="{0D108BD9-81ED-4DB2-BD59-A6C34878D82A}">
+                    <a16:rowId xmlns:a16="http://schemas.microsoft.com/office/drawing/2014/main" val="1371032115"/>
+                  </a:ext>
+                </a:extLst>
+              </a:tr>
+            </a:tbl>
+          </a:graphicData>
+        </a:graphic>
+      </p:graphicFrame>
     </p:spTree>
     <p:extLst>
       <p:ext uri="{BB962C8B-B14F-4D97-AF65-F5344CB8AC3E}">
-        <p14:creationId xmlns:p14="http://schemas.microsoft.com/office/powerpoint/2010/main" val="1292143414"/>
+        <p14:creationId xmlns:p14="http://schemas.microsoft.com/office/powerpoint/2010/main" val="1976637990"/>
       </p:ext>
     </p:extLst>
   </p:cSld>
@@ -17091,10 +16994,10 @@
       </p:grpSpPr>
       <p:sp>
         <p:nvSpPr>
-          <p:cNvPr id="6" name="Title 5">
+          <p:cNvPr id="2" name="Title 1">
             <a:extLst>
               <a:ext uri="{FF2B5EF4-FFF2-40B4-BE49-F238E27FC236}">
-                <a16:creationId xmlns:a16="http://schemas.microsoft.com/office/drawing/2014/main" id="{17F26398-321F-952E-6AA0-8A7D8DC4A080}"/>
+                <a16:creationId xmlns:a16="http://schemas.microsoft.com/office/drawing/2014/main" id="{72E80825-D151-EE71-5D0E-D63B572440E3}"/>
               </a:ext>
             </a:extLst>
           </p:cNvPr>
@@ -17112,17 +17015,192 @@
           <a:p>
             <a:r>
               <a:rPr lang="en-US" dirty="0"/>
-              <a:t>Appendix Slides</a:t>
-            </a:r>
-          </a:p>
-        </p:txBody>
-      </p:sp>
-      <p:sp>
-        <p:nvSpPr>
-          <p:cNvPr id="7" name="Text Placeholder 6">
+              <a:t>Drawbacks</a:t>
+            </a:r>
+          </a:p>
+        </p:txBody>
+      </p:sp>
+      <mc:AlternateContent xmlns:mc="http://schemas.openxmlformats.org/markup-compatibility/2006" xmlns:a14="http://schemas.microsoft.com/office/drawing/2010/main">
+        <mc:Choice Requires="a14">
+          <p:sp>
+            <p:nvSpPr>
+              <p:cNvPr id="3" name="Content Placeholder 2">
+                <a:extLst>
+                  <a:ext uri="{FF2B5EF4-FFF2-40B4-BE49-F238E27FC236}">
+                    <a16:creationId xmlns:a16="http://schemas.microsoft.com/office/drawing/2014/main" id="{29D51504-755A-53E2-12EE-E5A35C9A34E9}"/>
+                  </a:ext>
+                </a:extLst>
+              </p:cNvPr>
+              <p:cNvSpPr>
+                <a:spLocks noGrp="1"/>
+              </p:cNvSpPr>
+              <p:nvPr>
+                <p:ph idx="1"/>
+              </p:nvPr>
+            </p:nvSpPr>
+            <p:spPr/>
+            <p:txBody>
+              <a:bodyPr/>
+              <a:lstStyle/>
+              <a:p>
+                <a:r>
+                  <a:rPr lang="en-US" dirty="0"/>
+                  <a:t>You may not be able to randomly assign </a:t>
+                </a:r>
+                <a14:m>
+                  <m:oMath xmlns:m="http://schemas.openxmlformats.org/officeDocument/2006/math">
+                    <m:sSub>
+                      <m:sSubPr>
+                        <m:ctrlPr>
+                          <a:rPr lang="en-US" i="1">
+                            <a:latin typeface="Cambria Math" panose="02040503050406030204" pitchFamily="18" charset="0"/>
+                          </a:rPr>
+                        </m:ctrlPr>
+                      </m:sSubPr>
+                      <m:e>
+                        <m:r>
+                          <a:rPr lang="en-US" i="1">
+                            <a:latin typeface="Cambria Math" panose="02040503050406030204" pitchFamily="18" charset="0"/>
+                          </a:rPr>
+                          <m:t>𝑊</m:t>
+                        </m:r>
+                      </m:e>
+                      <m:sub>
+                        <m:r>
+                          <a:rPr lang="en-US" i="1">
+                            <a:latin typeface="Cambria Math" panose="02040503050406030204" pitchFamily="18" charset="0"/>
+                          </a:rPr>
+                          <m:t>𝑖</m:t>
+                        </m:r>
+                      </m:sub>
+                    </m:sSub>
+                  </m:oMath>
+                </a14:m>
+                <a:r>
+                  <a:rPr lang="en-US" dirty="0"/>
+                  <a:t>. </a:t>
+                </a:r>
+              </a:p>
+              <a:p>
+                <a:pPr lvl="1"/>
+                <a:r>
+                  <a:rPr lang="en-US" dirty="0"/>
+                  <a:t>For example, assigning random prices or purposely delaying delivery</a:t>
+                </a:r>
+              </a:p>
+              <a:p>
+                <a:r>
+                  <a:rPr lang="en-US" dirty="0"/>
+                  <a:t>Experiments may be underpowered</a:t>
+                </a:r>
+              </a:p>
+              <a:p>
+                <a:r>
+                  <a:rPr lang="en-US" dirty="0"/>
+                  <a:t>Different experimental and observational samples may lead to incorrectly concluding </a:t>
+                </a:r>
+                <a14:m>
+                  <m:oMath xmlns:m="http://schemas.openxmlformats.org/officeDocument/2006/math">
+                    <m:sSup>
+                      <m:sSupPr>
+                        <m:ctrlPr>
+                          <a:rPr lang="en-US" i="1">
+                            <a:latin typeface="Cambria Math" panose="02040503050406030204" pitchFamily="18" charset="0"/>
+                          </a:rPr>
+                        </m:ctrlPr>
+                      </m:sSupPr>
+                      <m:e>
+                        <m:acc>
+                          <m:accPr>
+                            <m:chr m:val="̂"/>
+                            <m:ctrlPr>
+                              <a:rPr lang="en-US" i="1">
+                                <a:latin typeface="Cambria Math" panose="02040503050406030204" pitchFamily="18" charset="0"/>
+                              </a:rPr>
+                            </m:ctrlPr>
+                          </m:accPr>
+                          <m:e>
+                            <m:r>
+                              <a:rPr lang="en-US" i="1">
+                                <a:latin typeface="Cambria Math" panose="02040503050406030204" pitchFamily="18" charset="0"/>
+                              </a:rPr>
+                              <m:t>𝜏</m:t>
+                            </m:r>
+                          </m:e>
+                        </m:acc>
+                      </m:e>
+                      <m:sup>
+                        <m:r>
+                          <a:rPr lang="en-US" i="1">
+                            <a:latin typeface="Cambria Math" panose="02040503050406030204" pitchFamily="18" charset="0"/>
+                          </a:rPr>
+                          <m:t>𝑜𝑏𝑠</m:t>
+                        </m:r>
+                      </m:sup>
+                    </m:sSup>
+                  </m:oMath>
+                </a14:m>
+                <a:r>
+                  <a:rPr lang="en-US" dirty="0"/>
+                  <a:t> is wrong. </a:t>
+                </a:r>
+              </a:p>
+              <a:p>
+                <a:pPr lvl="1"/>
+                <a:r>
+                  <a:rPr lang="en-US" dirty="0"/>
+                  <a:t>For example, different types of customers, different time periods.</a:t>
+                </a:r>
+              </a:p>
+            </p:txBody>
+          </p:sp>
+        </mc:Choice>
+        <mc:Fallback xmlns="">
+          <p:sp>
+            <p:nvSpPr>
+              <p:cNvPr id="3" name="Content Placeholder 2">
+                <a:extLst>
+                  <a:ext uri="{FF2B5EF4-FFF2-40B4-BE49-F238E27FC236}">
+                    <a16:creationId xmlns:a16="http://schemas.microsoft.com/office/drawing/2014/main" id="{29D51504-755A-53E2-12EE-E5A35C9A34E9}"/>
+                  </a:ext>
+                </a:extLst>
+              </p:cNvPr>
+              <p:cNvSpPr>
+                <a:spLocks noGrp="1" noRot="1" noChangeAspect="1" noMove="1" noResize="1" noEditPoints="1" noAdjustHandles="1" noChangeArrowheads="1" noChangeShapeType="1" noTextEdit="1"/>
+              </p:cNvSpPr>
+              <p:nvPr>
+                <p:ph idx="1"/>
+              </p:nvPr>
+            </p:nvSpPr>
+            <p:spPr>
+              <a:blipFill>
+                <a:blip r:embed="rId2"/>
+                <a:stretch>
+                  <a:fillRect l="-1086" t="-2326"/>
+                </a:stretch>
+              </a:blipFill>
+            </p:spPr>
+            <p:txBody>
+              <a:bodyPr/>
+              <a:lstStyle/>
+              <a:p>
+                <a:r>
+                  <a:rPr lang="en-US">
+                    <a:noFill/>
+                  </a:rPr>
+                  <a:t> </a:t>
+                </a:r>
+              </a:p>
+            </p:txBody>
+          </p:sp>
+        </mc:Fallback>
+      </mc:AlternateContent>
+      <p:sp>
+        <p:nvSpPr>
+          <p:cNvPr id="4" name="Footer Placeholder 3">
             <a:extLst>
               <a:ext uri="{FF2B5EF4-FFF2-40B4-BE49-F238E27FC236}">
-                <a16:creationId xmlns:a16="http://schemas.microsoft.com/office/drawing/2014/main" id="{E6F6055C-030D-1A0C-B79D-D26DB0C6ACD2}"/>
+                <a16:creationId xmlns:a16="http://schemas.microsoft.com/office/drawing/2014/main" id="{38446B1D-65AA-214D-9E11-421F2F789680}"/>
               </a:ext>
             </a:extLst>
           </p:cNvPr>
@@ -17130,31 +17208,6 @@
             <a:spLocks noGrp="1"/>
           </p:cNvSpPr>
           <p:nvPr>
-            <p:ph type="body" idx="1"/>
-          </p:nvPr>
-        </p:nvSpPr>
-        <p:spPr/>
-        <p:txBody>
-          <a:bodyPr/>
-          <a:lstStyle/>
-          <a:p>
-            <a:endParaRPr lang="en-US"/>
-          </a:p>
-        </p:txBody>
-      </p:sp>
-      <p:sp>
-        <p:nvSpPr>
-          <p:cNvPr id="4" name="Footer Placeholder 3">
-            <a:extLst>
-              <a:ext uri="{FF2B5EF4-FFF2-40B4-BE49-F238E27FC236}">
-                <a16:creationId xmlns:a16="http://schemas.microsoft.com/office/drawing/2014/main" id="{D84E227F-76C5-9CBE-2C84-913D4C598C71}"/>
-              </a:ext>
-            </a:extLst>
-          </p:cNvPr>
-          <p:cNvSpPr>
-            <a:spLocks noGrp="1"/>
-          </p:cNvSpPr>
-          <p:nvPr>
             <p:ph type="ftr" sz="quarter" idx="11"/>
           </p:nvPr>
         </p:nvSpPr>
@@ -17175,7 +17228,7 @@
           <p:cNvPr id="5" name="Slide Number Placeholder 4">
             <a:extLst>
               <a:ext uri="{FF2B5EF4-FFF2-40B4-BE49-F238E27FC236}">
-                <a16:creationId xmlns:a16="http://schemas.microsoft.com/office/drawing/2014/main" id="{1CE68CA7-3134-8E58-7030-D7112D1451A0}"/>
+                <a16:creationId xmlns:a16="http://schemas.microsoft.com/office/drawing/2014/main" id="{684926AC-667F-7B30-5D45-DFB547D9BB47}"/>
               </a:ext>
             </a:extLst>
           </p:cNvPr>
@@ -17202,7 +17255,7 @@
     </p:spTree>
     <p:extLst>
       <p:ext uri="{BB962C8B-B14F-4D97-AF65-F5344CB8AC3E}">
-        <p14:creationId xmlns:p14="http://schemas.microsoft.com/office/powerpoint/2010/main" val="2155000704"/>
+        <p14:creationId xmlns:p14="http://schemas.microsoft.com/office/powerpoint/2010/main" val="784949331"/>
       </p:ext>
     </p:extLst>
   </p:cSld>
@@ -17234,6 +17287,143 @@
           <p:cNvPr id="2" name="Title 1">
             <a:extLst>
               <a:ext uri="{FF2B5EF4-FFF2-40B4-BE49-F238E27FC236}">
+                <a16:creationId xmlns:a16="http://schemas.microsoft.com/office/drawing/2014/main" id="{D99F8A16-EFEF-9421-45A3-F1793D72ECC6}"/>
+              </a:ext>
+            </a:extLst>
+          </p:cNvPr>
+          <p:cNvSpPr>
+            <a:spLocks noGrp="1"/>
+          </p:cNvSpPr>
+          <p:nvPr>
+            <p:ph type="title"/>
+          </p:nvPr>
+        </p:nvSpPr>
+        <p:spPr/>
+        <p:txBody>
+          <a:bodyPr/>
+          <a:lstStyle/>
+          <a:p>
+            <a:endParaRPr lang="en-US"/>
+          </a:p>
+        </p:txBody>
+      </p:sp>
+      <p:sp>
+        <p:nvSpPr>
+          <p:cNvPr id="3" name="Content Placeholder 2">
+            <a:extLst>
+              <a:ext uri="{FF2B5EF4-FFF2-40B4-BE49-F238E27FC236}">
+                <a16:creationId xmlns:a16="http://schemas.microsoft.com/office/drawing/2014/main" id="{0DC1578A-AF00-A071-BEFD-EF4DFD36066A}"/>
+              </a:ext>
+            </a:extLst>
+          </p:cNvPr>
+          <p:cNvSpPr>
+            <a:spLocks noGrp="1"/>
+          </p:cNvSpPr>
+          <p:nvPr>
+            <p:ph idx="1"/>
+          </p:nvPr>
+        </p:nvSpPr>
+        <p:spPr/>
+        <p:txBody>
+          <a:bodyPr/>
+          <a:lstStyle/>
+          <a:p>
+            <a:endParaRPr lang="en-US"/>
+          </a:p>
+        </p:txBody>
+      </p:sp>
+      <p:sp>
+        <p:nvSpPr>
+          <p:cNvPr id="4" name="Footer Placeholder 3">
+            <a:extLst>
+              <a:ext uri="{FF2B5EF4-FFF2-40B4-BE49-F238E27FC236}">
+                <a16:creationId xmlns:a16="http://schemas.microsoft.com/office/drawing/2014/main" id="{A7E97A57-81FF-E287-41D1-7B3CE9EC4FC5}"/>
+              </a:ext>
+            </a:extLst>
+          </p:cNvPr>
+          <p:cNvSpPr>
+            <a:spLocks noGrp="1"/>
+          </p:cNvSpPr>
+          <p:nvPr>
+            <p:ph type="ftr" sz="quarter" idx="11"/>
+          </p:nvPr>
+        </p:nvSpPr>
+        <p:spPr/>
+        <p:txBody>
+          <a:bodyPr/>
+          <a:lstStyle/>
+          <a:p>
+            <a:r>
+              <a:rPr lang="en-US"/>
+              <a:t>Causal inference crash course - hsujulia</a:t>
+            </a:r>
+          </a:p>
+        </p:txBody>
+      </p:sp>
+      <p:sp>
+        <p:nvSpPr>
+          <p:cNvPr id="5" name="Slide Number Placeholder 4">
+            <a:extLst>
+              <a:ext uri="{FF2B5EF4-FFF2-40B4-BE49-F238E27FC236}">
+                <a16:creationId xmlns:a16="http://schemas.microsoft.com/office/drawing/2014/main" id="{E5A5951D-9CFB-6133-1E85-936D17046B31}"/>
+              </a:ext>
+            </a:extLst>
+          </p:cNvPr>
+          <p:cNvSpPr>
+            <a:spLocks noGrp="1"/>
+          </p:cNvSpPr>
+          <p:nvPr>
+            <p:ph type="sldNum" sz="quarter" idx="12"/>
+          </p:nvPr>
+        </p:nvSpPr>
+        <p:spPr/>
+        <p:txBody>
+          <a:bodyPr/>
+          <a:lstStyle/>
+          <a:p>
+            <a:fld id="{747C3DC3-9B3F-7F44-ADCE-5AEE1C23E1F0}" type="slidenum">
+              <a:rPr lang="en-US" smtClean="0"/>
+              <a:t>34</a:t>
+            </a:fld>
+            <a:endParaRPr lang="en-US"/>
+          </a:p>
+        </p:txBody>
+      </p:sp>
+    </p:spTree>
+    <p:extLst>
+      <p:ext uri="{BB962C8B-B14F-4D97-AF65-F5344CB8AC3E}">
+        <p14:creationId xmlns:p14="http://schemas.microsoft.com/office/powerpoint/2010/main" val="2250756292"/>
+      </p:ext>
+    </p:extLst>
+  </p:cSld>
+  <p:clrMapOvr>
+    <a:masterClrMapping/>
+  </p:clrMapOvr>
+</p:sld>
+</file>
+
+<file path=ppt/slides/slide36.xml><?xml version="1.0" encoding="utf-8"?>
+<p:sld xmlns:a="http://schemas.openxmlformats.org/drawingml/2006/main" xmlns:r="http://schemas.openxmlformats.org/officeDocument/2006/relationships" xmlns:p="http://schemas.openxmlformats.org/presentationml/2006/main">
+  <p:cSld>
+    <p:spTree>
+      <p:nvGrpSpPr>
+        <p:cNvPr id="1" name=""/>
+        <p:cNvGrpSpPr/>
+        <p:nvPr/>
+      </p:nvGrpSpPr>
+      <p:grpSpPr>
+        <a:xfrm>
+          <a:off x="0" y="0"/>
+          <a:ext cx="0" cy="0"/>
+          <a:chOff x="0" y="0"/>
+          <a:chExt cx="0" cy="0"/>
+        </a:xfrm>
+      </p:grpSpPr>
+      <p:sp>
+        <p:nvSpPr>
+          <p:cNvPr id="2" name="Title 1">
+            <a:extLst>
+              <a:ext uri="{FF2B5EF4-FFF2-40B4-BE49-F238E27FC236}">
                 <a16:creationId xmlns:a16="http://schemas.microsoft.com/office/drawing/2014/main" id="{7114689C-26E4-CD0A-778A-72DE982B2ADB}"/>
               </a:ext>
             </a:extLst>
@@ -17382,7 +17572,7 @@
           <a:p>
             <a:fld id="{747C3DC3-9B3F-7F44-ADCE-5AEE1C23E1F0}" type="slidenum">
               <a:rPr lang="en-US" smtClean="0"/>
-              <a:t>34</a:t>
+              <a:t>35</a:t>
             </a:fld>
             <a:endParaRPr lang="en-US"/>
           </a:p>
@@ -18264,7 +18454,7 @@
 </p:sld>
 </file>
 
-<file path=ppt/slides/slide36.xml><?xml version="1.0" encoding="utf-8"?>
+<file path=ppt/slides/slide37.xml><?xml version="1.0" encoding="utf-8"?>
 <p:sld xmlns:a="http://schemas.openxmlformats.org/drawingml/2006/main" xmlns:r="http://schemas.openxmlformats.org/officeDocument/2006/relationships" xmlns:p="http://schemas.openxmlformats.org/presentationml/2006/main">
   <p:cSld>
     <p:spTree>
@@ -18753,7 +18943,7 @@
           <a:p>
             <a:fld id="{747C3DC3-9B3F-7F44-ADCE-5AEE1C23E1F0}" type="slidenum">
               <a:rPr lang="en-US" smtClean="0"/>
-              <a:t>35</a:t>
+              <a:t>36</a:t>
             </a:fld>
             <a:endParaRPr lang="en-US"/>
           </a:p>
@@ -18772,7 +18962,7 @@
 </p:sld>
 </file>
 
-<file path=ppt/slides/slide37.xml><?xml version="1.0" encoding="utf-8"?>
+<file path=ppt/slides/slide38.xml><?xml version="1.0" encoding="utf-8"?>
 <p:sld xmlns:a="http://schemas.openxmlformats.org/drawingml/2006/main" xmlns:r="http://schemas.openxmlformats.org/officeDocument/2006/relationships" xmlns:p="http://schemas.openxmlformats.org/presentationml/2006/main">
   <p:cSld>
     <p:spTree>
@@ -18956,7 +19146,7 @@
           <a:p>
             <a:fld id="{747C3DC3-9B3F-7F44-ADCE-5AEE1C23E1F0}" type="slidenum">
               <a:rPr lang="en-US" smtClean="0"/>
-              <a:t>36</a:t>
+              <a:t>37</a:t>
             </a:fld>
             <a:endParaRPr lang="en-US"/>
           </a:p>
@@ -20832,7 +21022,7 @@
           <a:p>
             <a:r>
               <a:rPr lang="en-US" dirty="0"/>
-              <a:t>Conducting an experiment</a:t>
+              <a:t>Placebo test</a:t>
             </a:r>
             <a:endParaRPr lang="en-US" sz="1500" dirty="0"/>
           </a:p>
@@ -20861,13 +21051,13 @@
           <a:p>
             <a:r>
               <a:rPr lang="en-US" dirty="0"/>
-              <a:t>The hard work is at the setup,</a:t>
+              <a:t>Easy to do, except when it isn’t.</a:t>
             </a:r>
           </a:p>
           <a:p>
             <a:r>
               <a:rPr lang="en-US" dirty="0"/>
-              <a:t>But you may not get you what you want</a:t>
+              <a:t>Not a lot of wiggle room for pivoting.</a:t>
             </a:r>
           </a:p>
         </p:txBody>
@@ -20932,7 +21122,7 @@
     </p:spTree>
     <p:extLst>
       <p:ext uri="{BB962C8B-B14F-4D97-AF65-F5344CB8AC3E}">
-        <p14:creationId xmlns:p14="http://schemas.microsoft.com/office/powerpoint/2010/main" val="899644836"/>
+        <p14:creationId xmlns:p14="http://schemas.microsoft.com/office/powerpoint/2010/main" val="912838863"/>
       </p:ext>
     </p:extLst>
   </p:cSld>
@@ -20961,10 +21151,10 @@
       </p:grpSpPr>
       <p:sp>
         <p:nvSpPr>
-          <p:cNvPr id="2" name="Title 1">
+          <p:cNvPr id="6" name="Title 5">
             <a:extLst>
               <a:ext uri="{FF2B5EF4-FFF2-40B4-BE49-F238E27FC236}">
-                <a16:creationId xmlns:a16="http://schemas.microsoft.com/office/drawing/2014/main" id="{BB34D7F1-FC80-C193-71DA-EBA9D8015700}"/>
+                <a16:creationId xmlns:a16="http://schemas.microsoft.com/office/drawing/2014/main" id="{69E9E1BB-E8AC-F900-4233-F771D1FF63D7}"/>
               </a:ext>
             </a:extLst>
           </p:cNvPr>
@@ -20982,7 +21172,7 @@
           <a:p>
             <a:r>
               <a:rPr lang="en-US" dirty="0"/>
-              <a:t>Big idea: create the randomization you wish you had</a:t>
+              <a:t>The big idea</a:t>
             </a:r>
           </a:p>
         </p:txBody>
@@ -20991,10 +21181,10 @@
         <mc:Choice Requires="a14">
           <p:sp>
             <p:nvSpPr>
-              <p:cNvPr id="3" name="Content Placeholder 2">
+              <p:cNvPr id="7" name="Content Placeholder 6">
                 <a:extLst>
                   <a:ext uri="{FF2B5EF4-FFF2-40B4-BE49-F238E27FC236}">
-                    <a16:creationId xmlns:a16="http://schemas.microsoft.com/office/drawing/2014/main" id="{75FD973B-DBEB-A90F-0A4D-0EC46A5E0BAB}"/>
+                    <a16:creationId xmlns:a16="http://schemas.microsoft.com/office/drawing/2014/main" id="{9A992238-A706-0444-C442-D9BC04CE4C6F}"/>
                   </a:ext>
                 </a:extLst>
               </p:cNvPr>
@@ -21022,14 +21212,14 @@
                       <m:sSub>
                         <m:sSubPr>
                           <m:ctrlPr>
-                            <a:rPr lang="en-US" i="1" smtClean="0">
+                            <a:rPr lang="en-US" b="0" i="1" smtClean="0">
                               <a:latin typeface="Cambria Math" panose="02040503050406030204" pitchFamily="18" charset="0"/>
                             </a:rPr>
                           </m:ctrlPr>
                         </m:sSubPr>
                         <m:e>
                           <m:r>
-                            <a:rPr lang="en-US" i="1">
+                            <a:rPr lang="en-US" b="0" i="1" smtClean="0">
                               <a:latin typeface="Cambria Math" panose="02040503050406030204" pitchFamily="18" charset="0"/>
                             </a:rPr>
                             <m:t>𝑌</m:t>
@@ -21037,7 +21227,7 @@
                         </m:e>
                         <m:sub>
                           <m:r>
-                            <a:rPr lang="en-US" i="1">
+                            <a:rPr lang="en-US" b="0" i="1" smtClean="0">
                               <a:latin typeface="Cambria Math" panose="02040503050406030204" pitchFamily="18" charset="0"/>
                             </a:rPr>
                             <m:t>𝑖</m:t>
@@ -21045,59 +21235,40 @@
                         </m:sub>
                       </m:sSub>
                       <m:r>
-                        <a:rPr lang="en-US" i="1">
+                        <a:rPr lang="en-US" b="0" i="1" smtClean="0">
                           <a:latin typeface="Cambria Math" panose="02040503050406030204" pitchFamily="18" charset="0"/>
                         </a:rPr>
                         <m:t>=</m:t>
                       </m:r>
-                      <m:sSup>
-                        <m:sSupPr>
+                      <m:acc>
+                        <m:accPr>
+                          <m:chr m:val="̂"/>
                           <m:ctrlPr>
                             <a:rPr lang="en-US" b="0" i="1" smtClean="0">
                               <a:latin typeface="Cambria Math" panose="02040503050406030204" pitchFamily="18" charset="0"/>
                             </a:rPr>
                           </m:ctrlPr>
-                        </m:sSupPr>
+                        </m:accPr>
                         <m:e>
-                          <m:acc>
-                            <m:accPr>
-                              <m:chr m:val="̂"/>
-                              <m:ctrlPr>
-                                <a:rPr lang="en-US" i="1">
-                                  <a:latin typeface="Cambria Math" panose="02040503050406030204" pitchFamily="18" charset="0"/>
-                                </a:rPr>
-                              </m:ctrlPr>
-                            </m:accPr>
-                            <m:e>
-                              <m:r>
-                                <a:rPr lang="en-US" i="1">
-                                  <a:latin typeface="Cambria Math" panose="02040503050406030204" pitchFamily="18" charset="0"/>
-                                </a:rPr>
-                                <m:t>𝜏</m:t>
-                              </m:r>
-                            </m:e>
-                          </m:acc>
-                        </m:e>
-                        <m:sup>
                           <m:r>
                             <a:rPr lang="en-US" b="0" i="1" smtClean="0">
                               <a:latin typeface="Cambria Math" panose="02040503050406030204" pitchFamily="18" charset="0"/>
                             </a:rPr>
-                            <m:t>𝑜𝑏𝑠</m:t>
+                            <m:t>𝜏</m:t>
                           </m:r>
-                        </m:sup>
-                      </m:sSup>
+                        </m:e>
+                      </m:acc>
                       <m:sSub>
                         <m:sSubPr>
                           <m:ctrlPr>
-                            <a:rPr lang="en-US" i="1">
+                            <a:rPr lang="en-US" b="0" i="1" smtClean="0">
                               <a:latin typeface="Cambria Math" panose="02040503050406030204" pitchFamily="18" charset="0"/>
                             </a:rPr>
                           </m:ctrlPr>
                         </m:sSubPr>
                         <m:e>
                           <m:r>
-                            <a:rPr lang="en-US" i="1">
+                            <a:rPr lang="en-US" b="0" i="1" smtClean="0">
                               <a:latin typeface="Cambria Math" panose="02040503050406030204" pitchFamily="18" charset="0"/>
                             </a:rPr>
                             <m:t>𝑊</m:t>
@@ -21105,7 +21276,7 @@
                         </m:e>
                         <m:sub>
                           <m:r>
-                            <a:rPr lang="en-US" i="1">
+                            <a:rPr lang="en-US" b="0" i="1" smtClean="0">
                               <a:latin typeface="Cambria Math" panose="02040503050406030204" pitchFamily="18" charset="0"/>
                             </a:rPr>
                             <m:t>𝑖</m:t>
@@ -21113,7 +21284,7 @@
                         </m:sub>
                       </m:sSub>
                       <m:r>
-                        <a:rPr lang="en-US" i="1">
+                        <a:rPr lang="en-US" b="0" i="1" smtClean="0">
                           <a:latin typeface="Cambria Math" panose="02040503050406030204" pitchFamily="18" charset="0"/>
                         </a:rPr>
                         <m:t>+</m:t>
@@ -21121,14 +21292,14 @@
                       <m:sSub>
                         <m:sSubPr>
                           <m:ctrlPr>
-                            <a:rPr lang="en-US" i="1">
+                            <a:rPr lang="en-US" b="0" i="1" smtClean="0">
                               <a:latin typeface="Cambria Math" panose="02040503050406030204" pitchFamily="18" charset="0"/>
                             </a:rPr>
                           </m:ctrlPr>
                         </m:sSubPr>
                         <m:e>
                           <m:r>
-                            <a:rPr lang="en-US" i="1">
+                            <a:rPr lang="en-US" b="0" i="1" smtClean="0">
                               <a:latin typeface="Cambria Math" panose="02040503050406030204" pitchFamily="18" charset="0"/>
                             </a:rPr>
                             <m:t>𝛽</m:t>
@@ -21136,7 +21307,7 @@
                         </m:e>
                         <m:sub>
                           <m:r>
-                            <a:rPr lang="en-US" i="1">
+                            <a:rPr lang="en-US" b="0" i="1" smtClean="0">
                               <a:latin typeface="Cambria Math" panose="02040503050406030204" pitchFamily="18" charset="0"/>
                             </a:rPr>
                             <m:t>1</m:t>
@@ -21146,14 +21317,14 @@
                       <m:sSub>
                         <m:sSubPr>
                           <m:ctrlPr>
-                            <a:rPr lang="en-US" i="1">
+                            <a:rPr lang="en-US" b="0" i="1" smtClean="0">
                               <a:latin typeface="Cambria Math" panose="02040503050406030204" pitchFamily="18" charset="0"/>
                             </a:rPr>
                           </m:ctrlPr>
                         </m:sSubPr>
                         <m:e>
                           <m:r>
-                            <a:rPr lang="en-US" i="1">
+                            <a:rPr lang="en-US" b="0" i="1" smtClean="0">
                               <a:latin typeface="Cambria Math" panose="02040503050406030204" pitchFamily="18" charset="0"/>
                             </a:rPr>
                             <m:t>𝑋</m:t>
@@ -21161,7 +21332,7 @@
                         </m:e>
                         <m:sub>
                           <m:r>
-                            <a:rPr lang="en-US" i="1">
+                            <a:rPr lang="en-US" b="0" i="1" smtClean="0">
                               <a:latin typeface="Cambria Math" panose="02040503050406030204" pitchFamily="18" charset="0"/>
                             </a:rPr>
                             <m:t>𝑖</m:t>
@@ -21169,7 +21340,7 @@
                         </m:sub>
                       </m:sSub>
                       <m:r>
-                        <a:rPr lang="en-US" i="1">
+                        <a:rPr lang="en-US" b="0" i="1" smtClean="0">
                           <a:latin typeface="Cambria Math" panose="02040503050406030204" pitchFamily="18" charset="0"/>
                         </a:rPr>
                         <m:t>+</m:t>
@@ -21177,14 +21348,14 @@
                       <m:sSub>
                         <m:sSubPr>
                           <m:ctrlPr>
-                            <a:rPr lang="en-US" i="1">
+                            <a:rPr lang="en-US" b="0" i="1" smtClean="0">
                               <a:latin typeface="Cambria Math" panose="02040503050406030204" pitchFamily="18" charset="0"/>
                             </a:rPr>
                           </m:ctrlPr>
                         </m:sSubPr>
                         <m:e>
                           <m:r>
-                            <a:rPr lang="en-US" i="1">
+                            <a:rPr lang="en-US" b="0" i="1" smtClean="0">
                               <a:latin typeface="Cambria Math" panose="02040503050406030204" pitchFamily="18" charset="0"/>
                             </a:rPr>
                             <m:t>𝜖</m:t>
@@ -21192,7 +21363,7 @@
                         </m:e>
                         <m:sub>
                           <m:r>
-                            <a:rPr lang="en-US" i="1">
+                            <a:rPr lang="en-US" b="0" i="1" smtClean="0">
                               <a:latin typeface="Cambria Math" panose="02040503050406030204" pitchFamily="18" charset="0"/>
                             </a:rPr>
                             <m:t>𝑖</m:t>
@@ -21207,44 +21378,14 @@
               <a:p>
                 <a:r>
                   <a:rPr lang="en-US" dirty="0"/>
-                  <a:t>When we cannot run an experiment, we can use observational data. We want to control for </a:t>
-                </a:r>
-                <a14:m>
-                  <m:oMath xmlns:m="http://schemas.openxmlformats.org/officeDocument/2006/math">
-                    <m:sSub>
-                      <m:sSubPr>
-                        <m:ctrlPr>
-                          <a:rPr lang="en-US" i="1">
-                            <a:latin typeface="Cambria Math" panose="02040503050406030204" pitchFamily="18" charset="0"/>
-                          </a:rPr>
-                        </m:ctrlPr>
-                      </m:sSubPr>
-                      <m:e>
-                        <m:r>
-                          <a:rPr lang="en-US" i="1">
-                            <a:latin typeface="Cambria Math" panose="02040503050406030204" pitchFamily="18" charset="0"/>
-                          </a:rPr>
-                          <m:t>𝑋</m:t>
-                        </m:r>
-                      </m:e>
-                      <m:sub>
-                        <m:r>
-                          <a:rPr lang="en-US" i="1">
-                            <a:latin typeface="Cambria Math" panose="02040503050406030204" pitchFamily="18" charset="0"/>
-                          </a:rPr>
-                          <m:t>𝑖</m:t>
-                        </m:r>
-                      </m:sub>
-                    </m:sSub>
-                  </m:oMath>
-                </a14:m>
-                <a:r>
-                  <a:rPr lang="en-US" dirty="0"/>
-                  <a:t> to deal with selection bias.</a:t>
+                  <a:t>Are there outcomes for which we know the treatment effect ?</a:t>
                 </a:r>
               </a:p>
               <a:p>
-                <a:endParaRPr lang="en-US" dirty="0"/>
+                <a:r>
+                  <a:rPr lang="en-US" dirty="0"/>
+                  <a:t>A placebo outcome is one where we know the treatment effect is zero.</a:t>
+                </a:r>
               </a:p>
               <a:p>
                 <a:pPr marL="0" indent="0">
@@ -21256,17 +21397,17 @@
                       <m:jc m:val="centerGroup"/>
                     </m:oMathParaPr>
                     <m:oMath xmlns:m="http://schemas.openxmlformats.org/officeDocument/2006/math">
-                      <m:sSub>
-                        <m:sSubPr>
+                      <m:sSubSup>
+                        <m:sSubSupPr>
                           <m:ctrlPr>
-                            <a:rPr lang="en-US" i="1">
+                            <a:rPr lang="en-US" b="0" i="1" smtClean="0">
                               <a:latin typeface="Cambria Math" panose="02040503050406030204" pitchFamily="18" charset="0"/>
                             </a:rPr>
                           </m:ctrlPr>
-                        </m:sSubPr>
+                        </m:sSubSupPr>
                         <m:e>
                           <m:r>
-                            <a:rPr lang="en-US" i="1">
+                            <a:rPr lang="en-US" b="0" i="1" smtClean="0">
                               <a:latin typeface="Cambria Math" panose="02040503050406030204" pitchFamily="18" charset="0"/>
                             </a:rPr>
                             <m:t>𝑌</m:t>
@@ -21274,15 +21415,23 @@
                         </m:e>
                         <m:sub>
                           <m:r>
-                            <a:rPr lang="en-US" i="1">
+                            <a:rPr lang="en-US" b="0" i="1" smtClean="0">
                               <a:latin typeface="Cambria Math" panose="02040503050406030204" pitchFamily="18" charset="0"/>
                             </a:rPr>
                             <m:t>𝑖</m:t>
                           </m:r>
                         </m:sub>
-                      </m:sSub>
+                        <m:sup>
+                          <m:r>
+                            <a:rPr lang="en-US" b="0" i="1" smtClean="0">
+                              <a:latin typeface="Cambria Math" panose="02040503050406030204" pitchFamily="18" charset="0"/>
+                            </a:rPr>
+                            <m:t>𝑝𝑙𝑎𝑐𝑒𝑏𝑜</m:t>
+                          </m:r>
+                        </m:sup>
+                      </m:sSubSup>
                       <m:r>
-                        <a:rPr lang="en-US" i="1">
+                        <a:rPr lang="en-US" b="0" i="1" smtClean="0">
                           <a:latin typeface="Cambria Math" panose="02040503050406030204" pitchFamily="18" charset="0"/>
                         </a:rPr>
                         <m:t>=</m:t>
@@ -21300,14 +21449,14 @@
                             <m:accPr>
                               <m:chr m:val="̂"/>
                               <m:ctrlPr>
-                                <a:rPr lang="en-US" i="1">
+                                <a:rPr lang="en-US" b="0" i="1" smtClean="0">
                                   <a:latin typeface="Cambria Math" panose="02040503050406030204" pitchFamily="18" charset="0"/>
                                 </a:rPr>
                               </m:ctrlPr>
                             </m:accPr>
                             <m:e>
                               <m:r>
-                                <a:rPr lang="en-US" i="1">
+                                <a:rPr lang="en-US" b="0" i="1" smtClean="0">
                                   <a:latin typeface="Cambria Math" panose="02040503050406030204" pitchFamily="18" charset="0"/>
                                 </a:rPr>
                                 <m:t>𝜏</m:t>
@@ -21320,21 +21469,21 @@
                             <a:rPr lang="en-US" b="0" i="1" smtClean="0">
                               <a:latin typeface="Cambria Math" panose="02040503050406030204" pitchFamily="18" charset="0"/>
                             </a:rPr>
-                            <m:t>𝑒𝑥𝑝</m:t>
+                            <m:t>𝑝𝑙𝑎𝑐𝑒𝑏𝑜</m:t>
                           </m:r>
                         </m:sup>
                       </m:sSup>
                       <m:sSub>
                         <m:sSubPr>
                           <m:ctrlPr>
-                            <a:rPr lang="en-US" i="1">
+                            <a:rPr lang="en-US" b="0" i="1" smtClean="0">
                               <a:latin typeface="Cambria Math" panose="02040503050406030204" pitchFamily="18" charset="0"/>
                             </a:rPr>
                           </m:ctrlPr>
                         </m:sSubPr>
                         <m:e>
                           <m:r>
-                            <a:rPr lang="en-US" i="1">
+                            <a:rPr lang="en-US" b="0" i="1" smtClean="0">
                               <a:latin typeface="Cambria Math" panose="02040503050406030204" pitchFamily="18" charset="0"/>
                             </a:rPr>
                             <m:t>𝑊</m:t>
@@ -21342,7 +21491,7 @@
                         </m:e>
                         <m:sub>
                           <m:r>
-                            <a:rPr lang="en-US" i="1">
+                            <a:rPr lang="en-US" b="0" i="1" smtClean="0">
                               <a:latin typeface="Cambria Math" panose="02040503050406030204" pitchFamily="18" charset="0"/>
                             </a:rPr>
                             <m:t>𝑖</m:t>
@@ -21350,7 +21499,7 @@
                         </m:sub>
                       </m:sSub>
                       <m:r>
-                        <a:rPr lang="en-US" i="1">
+                        <a:rPr lang="en-US" b="0" i="1" smtClean="0">
                           <a:latin typeface="Cambria Math" panose="02040503050406030204" pitchFamily="18" charset="0"/>
                         </a:rPr>
                         <m:t>+</m:t>
@@ -21368,7 +21517,63 @@
                             <a:rPr lang="en-US" b="0" i="1" smtClean="0">
                               <a:latin typeface="Cambria Math" panose="02040503050406030204" pitchFamily="18" charset="0"/>
                             </a:rPr>
-                            <m:t>𝜁</m:t>
+                            <m:t>𝛽</m:t>
+                          </m:r>
+                        </m:e>
+                        <m:sub>
+                          <m:r>
+                            <a:rPr lang="en-US" b="0" i="1" smtClean="0">
+                              <a:latin typeface="Cambria Math" panose="02040503050406030204" pitchFamily="18" charset="0"/>
+                            </a:rPr>
+                            <m:t>1</m:t>
+                          </m:r>
+                        </m:sub>
+                      </m:sSub>
+                      <m:sSub>
+                        <m:sSubPr>
+                          <m:ctrlPr>
+                            <a:rPr lang="en-US" b="0" i="1" smtClean="0">
+                              <a:latin typeface="Cambria Math" panose="02040503050406030204" pitchFamily="18" charset="0"/>
+                            </a:rPr>
+                          </m:ctrlPr>
+                        </m:sSubPr>
+                        <m:e>
+                          <m:r>
+                            <a:rPr lang="en-US" b="0" i="1" smtClean="0">
+                              <a:latin typeface="Cambria Math" panose="02040503050406030204" pitchFamily="18" charset="0"/>
+                            </a:rPr>
+                            <m:t>𝑋</m:t>
+                          </m:r>
+                        </m:e>
+                        <m:sub>
+                          <m:r>
+                            <a:rPr lang="en-US" b="0" i="1" smtClean="0">
+                              <a:latin typeface="Cambria Math" panose="02040503050406030204" pitchFamily="18" charset="0"/>
+                            </a:rPr>
+                            <m:t>𝑖</m:t>
+                          </m:r>
+                        </m:sub>
+                      </m:sSub>
+                      <m:r>
+                        <a:rPr lang="en-US" b="0" i="1" smtClean="0">
+                          <a:latin typeface="Cambria Math" panose="02040503050406030204" pitchFamily="18" charset="0"/>
+                        </a:rPr>
+                        <m:t>+</m:t>
+                      </m:r>
+                      <m:sSub>
+                        <m:sSubPr>
+                          <m:ctrlPr>
+                            <a:rPr lang="en-US" b="0" i="1" smtClean="0">
+                              <a:latin typeface="Cambria Math" panose="02040503050406030204" pitchFamily="18" charset="0"/>
+                            </a:rPr>
+                          </m:ctrlPr>
+                        </m:sSubPr>
+                        <m:e>
+                          <m:r>
+                            <a:rPr lang="en-US" b="0" i="1" smtClean="0">
+                              <a:latin typeface="Cambria Math" panose="02040503050406030204" pitchFamily="18" charset="0"/>
+                            </a:rPr>
+                            <m:t>𝜖</m:t>
                           </m:r>
                         </m:e>
                         <m:sub>
@@ -21386,49 +21591,19 @@
                 <a:endParaRPr lang="en-US" dirty="0"/>
               </a:p>
               <a:p>
+                <a:endParaRPr lang="en-US" dirty="0"/>
+              </a:p>
+              <a:p>
                 <a:r>
                   <a:rPr lang="en-US" dirty="0"/>
-                  <a:t>If we could randomly assign </a:t>
-                </a:r>
-                <a14:m>
-                  <m:oMath xmlns:m="http://schemas.openxmlformats.org/officeDocument/2006/math">
-                    <m:sSub>
-                      <m:sSubPr>
-                        <m:ctrlPr>
-                          <a:rPr lang="en-US" i="1">
-                            <a:latin typeface="Cambria Math" panose="02040503050406030204" pitchFamily="18" charset="0"/>
-                          </a:rPr>
-                        </m:ctrlPr>
-                      </m:sSubPr>
-                      <m:e>
-                        <m:r>
-                          <a:rPr lang="en-US" i="1">
-                            <a:latin typeface="Cambria Math" panose="02040503050406030204" pitchFamily="18" charset="0"/>
-                          </a:rPr>
-                          <m:t>𝑊</m:t>
-                        </m:r>
-                      </m:e>
-                      <m:sub>
-                        <m:r>
-                          <a:rPr lang="en-US" i="1">
-                            <a:latin typeface="Cambria Math" panose="02040503050406030204" pitchFamily="18" charset="0"/>
-                          </a:rPr>
-                          <m:t>𝑖</m:t>
-                        </m:r>
-                      </m:sub>
-                    </m:sSub>
-                  </m:oMath>
-                </a14:m>
-                <a:r>
-                  <a:rPr lang="en-US" dirty="0"/>
-                  <a:t>, then we will have no selection bias by design. We want to know whether </a:t>
+                  <a:t>Placebo outcomes can help transform the causal validation to a traditional prediction one, because we have a “ground truth” value for </a:t>
                 </a:r>
                 <a14:m>
                   <m:oMath xmlns:m="http://schemas.openxmlformats.org/officeDocument/2006/math">
                     <m:sSup>
                       <m:sSupPr>
                         <m:ctrlPr>
-                          <a:rPr lang="en-US" i="1">
+                          <a:rPr lang="en-US" b="0" i="1" smtClean="0">
                             <a:latin typeface="Cambria Math" panose="02040503050406030204" pitchFamily="18" charset="0"/>
                           </a:rPr>
                         </m:ctrlPr>
@@ -21438,57 +21613,14 @@
                           <m:accPr>
                             <m:chr m:val="̂"/>
                             <m:ctrlPr>
-                              <a:rPr lang="en-US" i="1">
+                              <a:rPr lang="en-US" b="0" i="1" smtClean="0">
                                 <a:latin typeface="Cambria Math" panose="02040503050406030204" pitchFamily="18" charset="0"/>
                               </a:rPr>
                             </m:ctrlPr>
                           </m:accPr>
                           <m:e>
                             <m:r>
-                              <a:rPr lang="en-US" i="1">
-                                <a:latin typeface="Cambria Math" panose="02040503050406030204" pitchFamily="18" charset="0"/>
-                              </a:rPr>
-                              <m:t>𝜏</m:t>
-                            </m:r>
-                          </m:e>
-                        </m:acc>
-                      </m:e>
-                      <m:sup>
-                        <m:r>
-                          <a:rPr lang="en-US" i="1">
-                            <a:latin typeface="Cambria Math" panose="02040503050406030204" pitchFamily="18" charset="0"/>
-                          </a:rPr>
-                          <m:t>𝑜𝑏𝑠</m:t>
-                        </m:r>
-                      </m:sup>
-                    </m:sSup>
-                    <m:r>
-                      <a:rPr lang="en-US" b="0" i="1" smtClean="0">
-                        <a:latin typeface="Cambria Math" panose="02040503050406030204" pitchFamily="18" charset="0"/>
-                      </a:rPr>
-                      <m:t>=</m:t>
-                    </m:r>
-                    <m:sSup>
-                      <m:sSupPr>
-                        <m:ctrlPr>
-                          <a:rPr lang="en-US" i="1">
-                            <a:latin typeface="Cambria Math" panose="02040503050406030204" pitchFamily="18" charset="0"/>
-                          </a:rPr>
-                        </m:ctrlPr>
-                      </m:sSupPr>
-                      <m:e>
-                        <m:acc>
-                          <m:accPr>
-                            <m:chr m:val="̂"/>
-                            <m:ctrlPr>
-                              <a:rPr lang="en-US" i="1">
-                                <a:latin typeface="Cambria Math" panose="02040503050406030204" pitchFamily="18" charset="0"/>
-                              </a:rPr>
-                            </m:ctrlPr>
-                          </m:accPr>
-                          <m:e>
-                            <m:r>
-                              <a:rPr lang="en-US" i="1">
+                              <a:rPr lang="en-US" b="0" i="1" smtClean="0">
                                 <a:latin typeface="Cambria Math" panose="02040503050406030204" pitchFamily="18" charset="0"/>
                               </a:rPr>
                               <m:t>𝜏</m:t>
@@ -21501,7 +21633,7 @@
                           <a:rPr lang="en-US" b="0" i="1" smtClean="0">
                             <a:latin typeface="Cambria Math" panose="02040503050406030204" pitchFamily="18" charset="0"/>
                           </a:rPr>
-                          <m:t>𝑒𝑥𝑝</m:t>
+                          <m:t>𝑝𝑙𝑎𝑐𝑒𝑏𝑜</m:t>
                         </m:r>
                       </m:sup>
                     </m:sSup>
@@ -21509,7 +21641,7 @@
                 </a14:m>
                 <a:r>
                   <a:rPr lang="en-US" dirty="0"/>
-                  <a:t>?</a:t>
+                  <a:t>.</a:t>
                 </a:r>
               </a:p>
             </p:txBody>
@@ -21518,10 +21650,10 @@
         <mc:Fallback xmlns="">
           <p:sp>
             <p:nvSpPr>
-              <p:cNvPr id="3" name="Content Placeholder 2">
+              <p:cNvPr id="7" name="Content Placeholder 6">
                 <a:extLst>
                   <a:ext uri="{FF2B5EF4-FFF2-40B4-BE49-F238E27FC236}">
-                    <a16:creationId xmlns:a16="http://schemas.microsoft.com/office/drawing/2014/main" id="{75FD973B-DBEB-A90F-0A4D-0EC46A5E0BAB}"/>
+                    <a16:creationId xmlns:a16="http://schemas.microsoft.com/office/drawing/2014/main" id="{9A992238-A706-0444-C442-D9BC04CE4C6F}"/>
                   </a:ext>
                 </a:extLst>
               </p:cNvPr>
@@ -21536,7 +21668,7 @@
               <a:blipFill>
                 <a:blip r:embed="rId2"/>
                 <a:stretch>
-                  <a:fillRect l="-1086" t="-1163" r="-1809"/>
+                  <a:fillRect l="-1086" t="-1453"/>
                 </a:stretch>
               </a:blipFill>
             </p:spPr>
@@ -21560,7 +21692,7 @@
           <p:cNvPr id="4" name="Footer Placeholder 3">
             <a:extLst>
               <a:ext uri="{FF2B5EF4-FFF2-40B4-BE49-F238E27FC236}">
-                <a16:creationId xmlns:a16="http://schemas.microsoft.com/office/drawing/2014/main" id="{F38A7B50-2C13-6579-4389-0390D983FC30}"/>
+                <a16:creationId xmlns:a16="http://schemas.microsoft.com/office/drawing/2014/main" id="{38799F2A-19D4-8BA2-916A-D8FC5AF9D055}"/>
               </a:ext>
             </a:extLst>
           </p:cNvPr>
@@ -21588,7 +21720,7 @@
           <p:cNvPr id="5" name="Slide Number Placeholder 4">
             <a:extLst>
               <a:ext uri="{FF2B5EF4-FFF2-40B4-BE49-F238E27FC236}">
-                <a16:creationId xmlns:a16="http://schemas.microsoft.com/office/drawing/2014/main" id="{AC86AEB6-EFED-D35E-E3D0-5BD4766191A3}"/>
+                <a16:creationId xmlns:a16="http://schemas.microsoft.com/office/drawing/2014/main" id="{077B1293-E35F-4BEA-49A0-6635B2505F9B}"/>
               </a:ext>
             </a:extLst>
           </p:cNvPr>
@@ -21615,7 +21747,7 @@
     </p:spTree>
     <p:extLst>
       <p:ext uri="{BB962C8B-B14F-4D97-AF65-F5344CB8AC3E}">
-        <p14:creationId xmlns:p14="http://schemas.microsoft.com/office/powerpoint/2010/main" val="1318264785"/>
+        <p14:creationId xmlns:p14="http://schemas.microsoft.com/office/powerpoint/2010/main" val="334083699"/>
       </p:ext>
     </p:extLst>
   </p:cSld>
